--- a/docs/graphs.pptx
+++ b/docs/graphs.pptx
@@ -5,13 +5,14 @@
     <p:sldMasterId id="2147483648" r:id="rId1"/>
   </p:sldMasterIdLst>
   <p:notesMasterIdLst>
-    <p:notesMasterId r:id="rId6"/>
+    <p:notesMasterId r:id="rId7"/>
   </p:notesMasterIdLst>
   <p:sldIdLst>
     <p:sldId id="281" r:id="rId2"/>
     <p:sldId id="280" r:id="rId3"/>
     <p:sldId id="279" r:id="rId4"/>
     <p:sldId id="260" r:id="rId5"/>
+    <p:sldId id="282" r:id="rId6"/>
   </p:sldIdLst>
   <p:sldSz cx="12192000" cy="6858000"/>
   <p:notesSz cx="6858000" cy="9144000"/>
@@ -121,7 +122,7 @@
 <file path=ppt/revisionInfo.xml><?xml version="1.0" encoding="utf-8"?>
 <p1510:revInfo xmlns:a="http://schemas.openxmlformats.org/drawingml/2006/main" xmlns:r="http://schemas.openxmlformats.org/officeDocument/2006/relationships" xmlns:p1510="http://schemas.microsoft.com/office/powerpoint/2015/10/main">
   <p1510:revLst>
-    <p1510:client id="{724F4FA1-579B-40D2-BBB1-E2251878D1A2}" v="1" dt="2024-05-01T15:11:42.309"/>
+    <p1510:client id="{724F4FA1-579B-40D2-BBB1-E2251878D1A2}" v="114" dt="2024-05-06T17:45:21.120"/>
   </p1510:revLst>
 </p1510:revInfo>
 </file>
@@ -154,8 +155,8 @@
   </pc:docChgLst>
   <pc:docChgLst>
     <pc:chgData name="MARTINEZ SALCEDO, JOSEPH" userId="4d2c8988-b1c0-4e9d-83be-da9944182c7d" providerId="ADAL" clId="{724F4FA1-579B-40D2-BBB1-E2251878D1A2}"/>
-    <pc:docChg chg="undo custSel modSld">
-      <pc:chgData name="MARTINEZ SALCEDO, JOSEPH" userId="4d2c8988-b1c0-4e9d-83be-da9944182c7d" providerId="ADAL" clId="{724F4FA1-579B-40D2-BBB1-E2251878D1A2}" dt="2024-05-01T15:14:45.912" v="49" actId="1076"/>
+    <pc:docChg chg="undo custSel addSld modSld">
+      <pc:chgData name="MARTINEZ SALCEDO, JOSEPH" userId="4d2c8988-b1c0-4e9d-83be-da9944182c7d" providerId="ADAL" clId="{724F4FA1-579B-40D2-BBB1-E2251878D1A2}" dt="2024-05-06T17:47:48.046" v="2154" actId="14100"/>
       <pc:docMkLst>
         <pc:docMk/>
       </pc:docMkLst>
@@ -395,6 +396,997 @@
             <pc:docMk/>
             <pc:sldMk cId="2365609996" sldId="280"/>
             <ac:cxnSpMk id="185" creationId="{A681AE36-893E-C51B-D339-F22BABBD12BC}"/>
+          </ac:cxnSpMkLst>
+        </pc:cxnChg>
+      </pc:sldChg>
+      <pc:sldChg chg="addSp delSp modSp new mod">
+        <pc:chgData name="MARTINEZ SALCEDO, JOSEPH" userId="4d2c8988-b1c0-4e9d-83be-da9944182c7d" providerId="ADAL" clId="{724F4FA1-579B-40D2-BBB1-E2251878D1A2}" dt="2024-05-06T17:47:48.046" v="2154" actId="14100"/>
+        <pc:sldMkLst>
+          <pc:docMk/>
+          <pc:sldMk cId="4032071312" sldId="282"/>
+        </pc:sldMkLst>
+        <pc:spChg chg="add mod topLvl">
+          <ac:chgData name="MARTINEZ SALCEDO, JOSEPH" userId="4d2c8988-b1c0-4e9d-83be-da9944182c7d" providerId="ADAL" clId="{724F4FA1-579B-40D2-BBB1-E2251878D1A2}" dt="2024-05-06T16:41:02.082" v="2041" actId="207"/>
+          <ac:spMkLst>
+            <pc:docMk/>
+            <pc:sldMk cId="4032071312" sldId="282"/>
+            <ac:spMk id="2" creationId="{25B1FB8E-4A19-B150-1098-9848C192B246}"/>
+          </ac:spMkLst>
+        </pc:spChg>
+        <pc:spChg chg="add mod topLvl">
+          <ac:chgData name="MARTINEZ SALCEDO, JOSEPH" userId="4d2c8988-b1c0-4e9d-83be-da9944182c7d" providerId="ADAL" clId="{724F4FA1-579B-40D2-BBB1-E2251878D1A2}" dt="2024-05-06T16:41:02.082" v="2041" actId="207"/>
+          <ac:spMkLst>
+            <pc:docMk/>
+            <pc:sldMk cId="4032071312" sldId="282"/>
+            <ac:spMk id="3" creationId="{61E2C978-8279-80BF-3EC6-3764E43F8EF9}"/>
+          </ac:spMkLst>
+        </pc:spChg>
+        <pc:spChg chg="add mod topLvl">
+          <ac:chgData name="MARTINEZ SALCEDO, JOSEPH" userId="4d2c8988-b1c0-4e9d-83be-da9944182c7d" providerId="ADAL" clId="{724F4FA1-579B-40D2-BBB1-E2251878D1A2}" dt="2024-05-06T16:48:45.321" v="2092" actId="1076"/>
+          <ac:spMkLst>
+            <pc:docMk/>
+            <pc:sldMk cId="4032071312" sldId="282"/>
+            <ac:spMk id="4" creationId="{B54371BA-9FBF-60F8-9FC9-042359EF6D1C}"/>
+          </ac:spMkLst>
+        </pc:spChg>
+        <pc:spChg chg="add del mod">
+          <ac:chgData name="MARTINEZ SALCEDO, JOSEPH" userId="4d2c8988-b1c0-4e9d-83be-da9944182c7d" providerId="ADAL" clId="{724F4FA1-579B-40D2-BBB1-E2251878D1A2}" dt="2024-05-06T14:19:08.517" v="132"/>
+          <ac:spMkLst>
+            <pc:docMk/>
+            <pc:sldMk cId="4032071312" sldId="282"/>
+            <ac:spMk id="5" creationId="{43619955-3F86-819D-4BA1-AF422ADCFD7C}"/>
+          </ac:spMkLst>
+        </pc:spChg>
+        <pc:spChg chg="add del mod">
+          <ac:chgData name="MARTINEZ SALCEDO, JOSEPH" userId="4d2c8988-b1c0-4e9d-83be-da9944182c7d" providerId="ADAL" clId="{724F4FA1-579B-40D2-BBB1-E2251878D1A2}" dt="2024-05-06T15:20:40.026" v="686" actId="478"/>
+          <ac:spMkLst>
+            <pc:docMk/>
+            <pc:sldMk cId="4032071312" sldId="282"/>
+            <ac:spMk id="6" creationId="{CDBE4716-1225-9935-8892-F333BC870D88}"/>
+          </ac:spMkLst>
+        </pc:spChg>
+        <pc:spChg chg="add del mod">
+          <ac:chgData name="MARTINEZ SALCEDO, JOSEPH" userId="4d2c8988-b1c0-4e9d-83be-da9944182c7d" providerId="ADAL" clId="{724F4FA1-579B-40D2-BBB1-E2251878D1A2}" dt="2024-05-06T14:20:07.284" v="141" actId="478"/>
+          <ac:spMkLst>
+            <pc:docMk/>
+            <pc:sldMk cId="4032071312" sldId="282"/>
+            <ac:spMk id="7" creationId="{3368C498-2A91-10A0-A36E-3D8971CFFF4D}"/>
+          </ac:spMkLst>
+        </pc:spChg>
+        <pc:spChg chg="add del">
+          <ac:chgData name="MARTINEZ SALCEDO, JOSEPH" userId="4d2c8988-b1c0-4e9d-83be-da9944182c7d" providerId="ADAL" clId="{724F4FA1-579B-40D2-BBB1-E2251878D1A2}" dt="2024-05-06T14:20:32.787" v="143" actId="478"/>
+          <ac:spMkLst>
+            <pc:docMk/>
+            <pc:sldMk cId="4032071312" sldId="282"/>
+            <ac:spMk id="8" creationId="{2359B185-0355-C260-2140-F38F01763F5D}"/>
+          </ac:spMkLst>
+        </pc:spChg>
+        <pc:spChg chg="add del mod">
+          <ac:chgData name="MARTINEZ SALCEDO, JOSEPH" userId="4d2c8988-b1c0-4e9d-83be-da9944182c7d" providerId="ADAL" clId="{724F4FA1-579B-40D2-BBB1-E2251878D1A2}" dt="2024-05-06T14:43:25.659" v="317" actId="478"/>
+          <ac:spMkLst>
+            <pc:docMk/>
+            <pc:sldMk cId="4032071312" sldId="282"/>
+            <ac:spMk id="9" creationId="{9EAE4497-3A53-AB7E-5610-4ADCA050432C}"/>
+          </ac:spMkLst>
+        </pc:spChg>
+        <pc:spChg chg="add del mod">
+          <ac:chgData name="MARTINEZ SALCEDO, JOSEPH" userId="4d2c8988-b1c0-4e9d-83be-da9944182c7d" providerId="ADAL" clId="{724F4FA1-579B-40D2-BBB1-E2251878D1A2}" dt="2024-05-06T14:43:18.169" v="315" actId="478"/>
+          <ac:spMkLst>
+            <pc:docMk/>
+            <pc:sldMk cId="4032071312" sldId="282"/>
+            <ac:spMk id="10" creationId="{DD382E81-23BC-1E9C-D64B-EC8F9F079CE4}"/>
+          </ac:spMkLst>
+        </pc:spChg>
+        <pc:spChg chg="add del mod">
+          <ac:chgData name="MARTINEZ SALCEDO, JOSEPH" userId="4d2c8988-b1c0-4e9d-83be-da9944182c7d" providerId="ADAL" clId="{724F4FA1-579B-40D2-BBB1-E2251878D1A2}" dt="2024-05-06T14:45:01.970" v="327" actId="478"/>
+          <ac:spMkLst>
+            <pc:docMk/>
+            <pc:sldMk cId="4032071312" sldId="282"/>
+            <ac:spMk id="11" creationId="{E7789D19-6944-8D12-B354-A4D19ACDAAFE}"/>
+          </ac:spMkLst>
+        </pc:spChg>
+        <pc:spChg chg="add mod topLvl">
+          <ac:chgData name="MARTINEZ SALCEDO, JOSEPH" userId="4d2c8988-b1c0-4e9d-83be-da9944182c7d" providerId="ADAL" clId="{724F4FA1-579B-40D2-BBB1-E2251878D1A2}" dt="2024-05-06T16:37:48.800" v="2010" actId="403"/>
+          <ac:spMkLst>
+            <pc:docMk/>
+            <pc:sldMk cId="4032071312" sldId="282"/>
+            <ac:spMk id="12" creationId="{D0238C52-382F-3883-C447-F007D0DD083D}"/>
+          </ac:spMkLst>
+        </pc:spChg>
+        <pc:spChg chg="add mod ord topLvl">
+          <ac:chgData name="MARTINEZ SALCEDO, JOSEPH" userId="4d2c8988-b1c0-4e9d-83be-da9944182c7d" providerId="ADAL" clId="{724F4FA1-579B-40D2-BBB1-E2251878D1A2}" dt="2024-05-06T16:37:48.800" v="2010" actId="403"/>
+          <ac:spMkLst>
+            <pc:docMk/>
+            <pc:sldMk cId="4032071312" sldId="282"/>
+            <ac:spMk id="13" creationId="{59868F44-C9CF-C796-2114-EDC4C9D005AD}"/>
+          </ac:spMkLst>
+        </pc:spChg>
+        <pc:spChg chg="add del mod">
+          <ac:chgData name="MARTINEZ SALCEDO, JOSEPH" userId="4d2c8988-b1c0-4e9d-83be-da9944182c7d" providerId="ADAL" clId="{724F4FA1-579B-40D2-BBB1-E2251878D1A2}" dt="2024-05-06T14:42:26.044" v="274" actId="478"/>
+          <ac:spMkLst>
+            <pc:docMk/>
+            <pc:sldMk cId="4032071312" sldId="282"/>
+            <ac:spMk id="14" creationId="{62A839A6-3100-3F64-7943-107EFE8DFAFA}"/>
+          </ac:spMkLst>
+        </pc:spChg>
+        <pc:spChg chg="add del">
+          <ac:chgData name="MARTINEZ SALCEDO, JOSEPH" userId="4d2c8988-b1c0-4e9d-83be-da9944182c7d" providerId="ADAL" clId="{724F4FA1-579B-40D2-BBB1-E2251878D1A2}" dt="2024-05-06T14:44:28.641" v="323" actId="478"/>
+          <ac:spMkLst>
+            <pc:docMk/>
+            <pc:sldMk cId="4032071312" sldId="282"/>
+            <ac:spMk id="15" creationId="{3D11FA76-7DAF-ECD1-2AEF-223D0A8D54B2}"/>
+          </ac:spMkLst>
+        </pc:spChg>
+        <pc:spChg chg="add del mod">
+          <ac:chgData name="MARTINEZ SALCEDO, JOSEPH" userId="4d2c8988-b1c0-4e9d-83be-da9944182c7d" providerId="ADAL" clId="{724F4FA1-579B-40D2-BBB1-E2251878D1A2}" dt="2024-05-06T14:45:00.043" v="326" actId="478"/>
+          <ac:spMkLst>
+            <pc:docMk/>
+            <pc:sldMk cId="4032071312" sldId="282"/>
+            <ac:spMk id="16" creationId="{F6EB8761-4C3E-5EB4-F2E2-D6B5B2C62DA3}"/>
+          </ac:spMkLst>
+        </pc:spChg>
+        <pc:spChg chg="add del mod">
+          <ac:chgData name="MARTINEZ SALCEDO, JOSEPH" userId="4d2c8988-b1c0-4e9d-83be-da9944182c7d" providerId="ADAL" clId="{724F4FA1-579B-40D2-BBB1-E2251878D1A2}" dt="2024-05-06T14:46:07.161" v="348" actId="478"/>
+          <ac:spMkLst>
+            <pc:docMk/>
+            <pc:sldMk cId="4032071312" sldId="282"/>
+            <ac:spMk id="17" creationId="{2055730B-1745-7C2A-4D4C-5BAB6015BAC9}"/>
+          </ac:spMkLst>
+        </pc:spChg>
+        <pc:spChg chg="add del mod">
+          <ac:chgData name="MARTINEZ SALCEDO, JOSEPH" userId="4d2c8988-b1c0-4e9d-83be-da9944182c7d" providerId="ADAL" clId="{724F4FA1-579B-40D2-BBB1-E2251878D1A2}" dt="2024-05-06T14:46:06.234" v="347" actId="478"/>
+          <ac:spMkLst>
+            <pc:docMk/>
+            <pc:sldMk cId="4032071312" sldId="282"/>
+            <ac:spMk id="18" creationId="{E9CA9560-50FE-CEAA-6AC9-2F5C3A4D0263}"/>
+          </ac:spMkLst>
+        </pc:spChg>
+        <pc:spChg chg="add del">
+          <ac:chgData name="MARTINEZ SALCEDO, JOSEPH" userId="4d2c8988-b1c0-4e9d-83be-da9944182c7d" providerId="ADAL" clId="{724F4FA1-579B-40D2-BBB1-E2251878D1A2}" dt="2024-05-06T15:16:29.120" v="543" actId="478"/>
+          <ac:spMkLst>
+            <pc:docMk/>
+            <pc:sldMk cId="4032071312" sldId="282"/>
+            <ac:spMk id="62" creationId="{5C883315-5E2F-6645-5CEF-5CA9F4E0A7A3}"/>
+          </ac:spMkLst>
+        </pc:spChg>
+        <pc:spChg chg="add del mod">
+          <ac:chgData name="MARTINEZ SALCEDO, JOSEPH" userId="4d2c8988-b1c0-4e9d-83be-da9944182c7d" providerId="ADAL" clId="{724F4FA1-579B-40D2-BBB1-E2251878D1A2}" dt="2024-05-06T15:20:43.304" v="688" actId="478"/>
+          <ac:spMkLst>
+            <pc:docMk/>
+            <pc:sldMk cId="4032071312" sldId="282"/>
+            <ac:spMk id="64" creationId="{8E6C8596-9B2D-014A-DE48-47751AD46CC7}"/>
+          </ac:spMkLst>
+        </pc:spChg>
+        <pc:spChg chg="add mod">
+          <ac:chgData name="MARTINEZ SALCEDO, JOSEPH" userId="4d2c8988-b1c0-4e9d-83be-da9944182c7d" providerId="ADAL" clId="{724F4FA1-579B-40D2-BBB1-E2251878D1A2}" dt="2024-05-06T17:45:33.559" v="2124" actId="14100"/>
+          <ac:spMkLst>
+            <pc:docMk/>
+            <pc:sldMk cId="4032071312" sldId="282"/>
+            <ac:spMk id="66" creationId="{0E32ACDC-F1FE-BCBB-4D24-23D165AA0647}"/>
+          </ac:spMkLst>
+        </pc:spChg>
+        <pc:spChg chg="add mod">
+          <ac:chgData name="MARTINEZ SALCEDO, JOSEPH" userId="4d2c8988-b1c0-4e9d-83be-da9944182c7d" providerId="ADAL" clId="{724F4FA1-579B-40D2-BBB1-E2251878D1A2}" dt="2024-05-06T17:44:18.895" v="2099" actId="14100"/>
+          <ac:spMkLst>
+            <pc:docMk/>
+            <pc:sldMk cId="4032071312" sldId="282"/>
+            <ac:spMk id="67" creationId="{0BDED70E-E8A6-F88C-0605-9AEBDDB041FB}"/>
+          </ac:spMkLst>
+        </pc:spChg>
+        <pc:spChg chg="add del mod">
+          <ac:chgData name="MARTINEZ SALCEDO, JOSEPH" userId="4d2c8988-b1c0-4e9d-83be-da9944182c7d" providerId="ADAL" clId="{724F4FA1-579B-40D2-BBB1-E2251878D1A2}" dt="2024-05-06T15:18:38.705" v="622" actId="478"/>
+          <ac:spMkLst>
+            <pc:docMk/>
+            <pc:sldMk cId="4032071312" sldId="282"/>
+            <ac:spMk id="68" creationId="{2577E1D4-1F74-D986-CDF4-08E99581DB89}"/>
+          </ac:spMkLst>
+        </pc:spChg>
+        <pc:spChg chg="add mod ord">
+          <ac:chgData name="MARTINEZ SALCEDO, JOSEPH" userId="4d2c8988-b1c0-4e9d-83be-da9944182c7d" providerId="ADAL" clId="{724F4FA1-579B-40D2-BBB1-E2251878D1A2}" dt="2024-05-06T17:45:45.376" v="2134" actId="5793"/>
+          <ac:spMkLst>
+            <pc:docMk/>
+            <pc:sldMk cId="4032071312" sldId="282"/>
+            <ac:spMk id="84" creationId="{B78D0054-4630-25C1-DB58-79AEB767E7D8}"/>
+          </ac:spMkLst>
+        </pc:spChg>
+        <pc:spChg chg="add mod topLvl">
+          <ac:chgData name="MARTINEZ SALCEDO, JOSEPH" userId="4d2c8988-b1c0-4e9d-83be-da9944182c7d" providerId="ADAL" clId="{724F4FA1-579B-40D2-BBB1-E2251878D1A2}" dt="2024-05-06T16:37:48.800" v="2010" actId="403"/>
+          <ac:spMkLst>
+            <pc:docMk/>
+            <pc:sldMk cId="4032071312" sldId="282"/>
+            <ac:spMk id="85" creationId="{5642B847-6F0E-3D48-C995-D56EAA913BC6}"/>
+          </ac:spMkLst>
+        </pc:spChg>
+        <pc:spChg chg="add del">
+          <ac:chgData name="MARTINEZ SALCEDO, JOSEPH" userId="4d2c8988-b1c0-4e9d-83be-da9944182c7d" providerId="ADAL" clId="{724F4FA1-579B-40D2-BBB1-E2251878D1A2}" dt="2024-05-06T15:22:22.295" v="733" actId="22"/>
+          <ac:spMkLst>
+            <pc:docMk/>
+            <pc:sldMk cId="4032071312" sldId="282"/>
+            <ac:spMk id="103" creationId="{10794A6A-64FF-324E-345F-91AC3581E8DA}"/>
+          </ac:spMkLst>
+        </pc:spChg>
+        <pc:spChg chg="add del mod">
+          <ac:chgData name="MARTINEZ SALCEDO, JOSEPH" userId="4d2c8988-b1c0-4e9d-83be-da9944182c7d" providerId="ADAL" clId="{724F4FA1-579B-40D2-BBB1-E2251878D1A2}" dt="2024-05-06T15:22:27.063" v="738"/>
+          <ac:spMkLst>
+            <pc:docMk/>
+            <pc:sldMk cId="4032071312" sldId="282"/>
+            <ac:spMk id="104" creationId="{33745EF6-F952-5C99-F2F7-E5CCEE123746}"/>
+          </ac:spMkLst>
+        </pc:spChg>
+        <pc:spChg chg="add del">
+          <ac:chgData name="MARTINEZ SALCEDO, JOSEPH" userId="4d2c8988-b1c0-4e9d-83be-da9944182c7d" providerId="ADAL" clId="{724F4FA1-579B-40D2-BBB1-E2251878D1A2}" dt="2024-05-06T15:22:27.061" v="736" actId="22"/>
+          <ac:spMkLst>
+            <pc:docMk/>
+            <pc:sldMk cId="4032071312" sldId="282"/>
+            <ac:spMk id="106" creationId="{8331DA7B-18A0-C5E3-9511-42CD549975A2}"/>
+          </ac:spMkLst>
+        </pc:spChg>
+        <pc:spChg chg="add mod">
+          <ac:chgData name="MARTINEZ SALCEDO, JOSEPH" userId="4d2c8988-b1c0-4e9d-83be-da9944182c7d" providerId="ADAL" clId="{724F4FA1-579B-40D2-BBB1-E2251878D1A2}" dt="2024-05-06T16:37:48.800" v="2010" actId="403"/>
+          <ac:spMkLst>
+            <pc:docMk/>
+            <pc:sldMk cId="4032071312" sldId="282"/>
+            <ac:spMk id="112" creationId="{41FBE825-4BF6-F891-302D-64FD63141361}"/>
+          </ac:spMkLst>
+        </pc:spChg>
+        <pc:spChg chg="add mod ord topLvl">
+          <ac:chgData name="MARTINEZ SALCEDO, JOSEPH" userId="4d2c8988-b1c0-4e9d-83be-da9944182c7d" providerId="ADAL" clId="{724F4FA1-579B-40D2-BBB1-E2251878D1A2}" dt="2024-05-06T17:44:28.096" v="2115" actId="14100"/>
+          <ac:spMkLst>
+            <pc:docMk/>
+            <pc:sldMk cId="4032071312" sldId="282"/>
+            <ac:spMk id="115" creationId="{D124230F-AE70-EEDC-3CA3-717626B022E7}"/>
+          </ac:spMkLst>
+        </pc:spChg>
+        <pc:spChg chg="add del mod">
+          <ac:chgData name="MARTINEZ SALCEDO, JOSEPH" userId="4d2c8988-b1c0-4e9d-83be-da9944182c7d" providerId="ADAL" clId="{724F4FA1-579B-40D2-BBB1-E2251878D1A2}" dt="2024-05-06T15:24:15.683" v="820" actId="478"/>
+          <ac:spMkLst>
+            <pc:docMk/>
+            <pc:sldMk cId="4032071312" sldId="282"/>
+            <ac:spMk id="116" creationId="{18B4C25F-CFB1-2350-25A6-BAC7AF50003D}"/>
+          </ac:spMkLst>
+        </pc:spChg>
+        <pc:spChg chg="add del mod">
+          <ac:chgData name="MARTINEZ SALCEDO, JOSEPH" userId="4d2c8988-b1c0-4e9d-83be-da9944182c7d" providerId="ADAL" clId="{724F4FA1-579B-40D2-BBB1-E2251878D1A2}" dt="2024-05-06T15:24:21.942" v="829" actId="478"/>
+          <ac:spMkLst>
+            <pc:docMk/>
+            <pc:sldMk cId="4032071312" sldId="282"/>
+            <ac:spMk id="117" creationId="{FD6E7364-0E9F-BAF5-E9D2-D2E25CEFBDF2}"/>
+          </ac:spMkLst>
+        </pc:spChg>
+        <pc:spChg chg="add mod ord topLvl">
+          <ac:chgData name="MARTINEZ SALCEDO, JOSEPH" userId="4d2c8988-b1c0-4e9d-83be-da9944182c7d" providerId="ADAL" clId="{724F4FA1-579B-40D2-BBB1-E2251878D1A2}" dt="2024-05-06T17:43:43.671" v="2096" actId="1076"/>
+          <ac:spMkLst>
+            <pc:docMk/>
+            <pc:sldMk cId="4032071312" sldId="282"/>
+            <ac:spMk id="118" creationId="{2A133F58-96BA-ECC3-3E2D-D8F02FEB32E2}"/>
+          </ac:spMkLst>
+        </pc:spChg>
+        <pc:spChg chg="add mod topLvl">
+          <ac:chgData name="MARTINEZ SALCEDO, JOSEPH" userId="4d2c8988-b1c0-4e9d-83be-da9944182c7d" providerId="ADAL" clId="{724F4FA1-579B-40D2-BBB1-E2251878D1A2}" dt="2024-05-06T16:44:40.481" v="2072" actId="20577"/>
+          <ac:spMkLst>
+            <pc:docMk/>
+            <pc:sldMk cId="4032071312" sldId="282"/>
+            <ac:spMk id="119" creationId="{8653A827-0E73-9276-671B-31DA27B8A569}"/>
+          </ac:spMkLst>
+        </pc:spChg>
+        <pc:spChg chg="add mod topLvl">
+          <ac:chgData name="MARTINEZ SALCEDO, JOSEPH" userId="4d2c8988-b1c0-4e9d-83be-da9944182c7d" providerId="ADAL" clId="{724F4FA1-579B-40D2-BBB1-E2251878D1A2}" dt="2024-05-06T16:44:01.353" v="2043" actId="1076"/>
+          <ac:spMkLst>
+            <pc:docMk/>
+            <pc:sldMk cId="4032071312" sldId="282"/>
+            <ac:spMk id="121" creationId="{E1A2AD21-58E5-9CD1-8257-2B9A66016122}"/>
+          </ac:spMkLst>
+        </pc:spChg>
+        <pc:spChg chg="add mod topLvl">
+          <ac:chgData name="MARTINEZ SALCEDO, JOSEPH" userId="4d2c8988-b1c0-4e9d-83be-da9944182c7d" providerId="ADAL" clId="{724F4FA1-579B-40D2-BBB1-E2251878D1A2}" dt="2024-05-06T17:47:08.815" v="2147" actId="3064"/>
+          <ac:spMkLst>
+            <pc:docMk/>
+            <pc:sldMk cId="4032071312" sldId="282"/>
+            <ac:spMk id="140" creationId="{D802D05B-C8E9-8B2D-39A5-88CE4369BF30}"/>
+          </ac:spMkLst>
+        </pc:spChg>
+        <pc:spChg chg="add del mod topLvl">
+          <ac:chgData name="MARTINEZ SALCEDO, JOSEPH" userId="4d2c8988-b1c0-4e9d-83be-da9944182c7d" providerId="ADAL" clId="{724F4FA1-579B-40D2-BBB1-E2251878D1A2}" dt="2024-05-06T16:48:20.269" v="2087" actId="478"/>
+          <ac:spMkLst>
+            <pc:docMk/>
+            <pc:sldMk cId="4032071312" sldId="282"/>
+            <ac:spMk id="141" creationId="{0A7CF19B-85F3-836C-BF5E-F2E467D6194A}"/>
+          </ac:spMkLst>
+        </pc:spChg>
+        <pc:spChg chg="add del mod">
+          <ac:chgData name="MARTINEZ SALCEDO, JOSEPH" userId="4d2c8988-b1c0-4e9d-83be-da9944182c7d" providerId="ADAL" clId="{724F4FA1-579B-40D2-BBB1-E2251878D1A2}" dt="2024-05-06T15:28:57.204" v="1017" actId="478"/>
+          <ac:spMkLst>
+            <pc:docMk/>
+            <pc:sldMk cId="4032071312" sldId="282"/>
+            <ac:spMk id="142" creationId="{172F89FC-0F36-D870-9F48-791BF0654493}"/>
+          </ac:spMkLst>
+        </pc:spChg>
+        <pc:spChg chg="add mod topLvl">
+          <ac:chgData name="MARTINEZ SALCEDO, JOSEPH" userId="4d2c8988-b1c0-4e9d-83be-da9944182c7d" providerId="ADAL" clId="{724F4FA1-579B-40D2-BBB1-E2251878D1A2}" dt="2024-05-06T17:46:43.791" v="2139" actId="14100"/>
+          <ac:spMkLst>
+            <pc:docMk/>
+            <pc:sldMk cId="4032071312" sldId="282"/>
+            <ac:spMk id="145" creationId="{95D31D96-6146-4E35-52F3-DCAE08340847}"/>
+          </ac:spMkLst>
+        </pc:spChg>
+        <pc:spChg chg="add del mod">
+          <ac:chgData name="MARTINEZ SALCEDO, JOSEPH" userId="4d2c8988-b1c0-4e9d-83be-da9944182c7d" providerId="ADAL" clId="{724F4FA1-579B-40D2-BBB1-E2251878D1A2}" dt="2024-05-06T15:29:41.048" v="1038" actId="478"/>
+          <ac:spMkLst>
+            <pc:docMk/>
+            <pc:sldMk cId="4032071312" sldId="282"/>
+            <ac:spMk id="146" creationId="{CE1C80FC-3066-E4DF-1204-EE12AFFAC2A1}"/>
+          </ac:spMkLst>
+        </pc:spChg>
+        <pc:spChg chg="add mod topLvl">
+          <ac:chgData name="MARTINEZ SALCEDO, JOSEPH" userId="4d2c8988-b1c0-4e9d-83be-da9944182c7d" providerId="ADAL" clId="{724F4FA1-579B-40D2-BBB1-E2251878D1A2}" dt="2024-05-06T17:47:20.647" v="2152" actId="14100"/>
+          <ac:spMkLst>
+            <pc:docMk/>
+            <pc:sldMk cId="4032071312" sldId="282"/>
+            <ac:spMk id="147" creationId="{D9AB210E-1047-1C71-E92A-82E1D9DECCCF}"/>
+          </ac:spMkLst>
+        </pc:spChg>
+        <pc:spChg chg="add del mod topLvl">
+          <ac:chgData name="MARTINEZ SALCEDO, JOSEPH" userId="4d2c8988-b1c0-4e9d-83be-da9944182c7d" providerId="ADAL" clId="{724F4FA1-579B-40D2-BBB1-E2251878D1A2}" dt="2024-05-06T16:48:28.201" v="2090" actId="478"/>
+          <ac:spMkLst>
+            <pc:docMk/>
+            <pc:sldMk cId="4032071312" sldId="282"/>
+            <ac:spMk id="148" creationId="{4DE444C7-9842-5072-80C8-03A8EC595DFF}"/>
+          </ac:spMkLst>
+        </pc:spChg>
+        <pc:spChg chg="add mod topLvl">
+          <ac:chgData name="MARTINEZ SALCEDO, JOSEPH" userId="4d2c8988-b1c0-4e9d-83be-da9944182c7d" providerId="ADAL" clId="{724F4FA1-579B-40D2-BBB1-E2251878D1A2}" dt="2024-05-06T16:37:48.800" v="2010" actId="403"/>
+          <ac:spMkLst>
+            <pc:docMk/>
+            <pc:sldMk cId="4032071312" sldId="282"/>
+            <ac:spMk id="150" creationId="{BAF5B934-BF52-28AB-1746-9E255DBA0263}"/>
+          </ac:spMkLst>
+        </pc:spChg>
+        <pc:spChg chg="add mod topLvl">
+          <ac:chgData name="MARTINEZ SALCEDO, JOSEPH" userId="4d2c8988-b1c0-4e9d-83be-da9944182c7d" providerId="ADAL" clId="{724F4FA1-579B-40D2-BBB1-E2251878D1A2}" dt="2024-05-06T16:37:48.800" v="2010" actId="403"/>
+          <ac:spMkLst>
+            <pc:docMk/>
+            <pc:sldMk cId="4032071312" sldId="282"/>
+            <ac:spMk id="160" creationId="{72267259-38E3-CF2B-473A-D2F27DB73E19}"/>
+          </ac:spMkLst>
+        </pc:spChg>
+        <pc:spChg chg="add del mod">
+          <ac:chgData name="MARTINEZ SALCEDO, JOSEPH" userId="4d2c8988-b1c0-4e9d-83be-da9944182c7d" providerId="ADAL" clId="{724F4FA1-579B-40D2-BBB1-E2251878D1A2}" dt="2024-05-06T15:46:34.576" v="1211" actId="478"/>
+          <ac:spMkLst>
+            <pc:docMk/>
+            <pc:sldMk cId="4032071312" sldId="282"/>
+            <ac:spMk id="165" creationId="{8FCB7CEB-C6A0-F1AC-46B3-AFE7DE756DA5}"/>
+          </ac:spMkLst>
+        </pc:spChg>
+        <pc:spChg chg="add mod topLvl">
+          <ac:chgData name="MARTINEZ SALCEDO, JOSEPH" userId="4d2c8988-b1c0-4e9d-83be-da9944182c7d" providerId="ADAL" clId="{724F4FA1-579B-40D2-BBB1-E2251878D1A2}" dt="2024-05-06T16:37:48.800" v="2010" actId="403"/>
+          <ac:spMkLst>
+            <pc:docMk/>
+            <pc:sldMk cId="4032071312" sldId="282"/>
+            <ac:spMk id="173" creationId="{61F47A9A-72CF-6633-EA65-DFEC6318E9EB}"/>
+          </ac:spMkLst>
+        </pc:spChg>
+        <pc:spChg chg="add mod">
+          <ac:chgData name="MARTINEZ SALCEDO, JOSEPH" userId="4d2c8988-b1c0-4e9d-83be-da9944182c7d" providerId="ADAL" clId="{724F4FA1-579B-40D2-BBB1-E2251878D1A2}" dt="2024-05-06T16:10:00.501" v="1452" actId="571"/>
+          <ac:spMkLst>
+            <pc:docMk/>
+            <pc:sldMk cId="4032071312" sldId="282"/>
+            <ac:spMk id="290" creationId="{397D3710-BACB-6054-10A1-CFC63DE12FF7}"/>
+          </ac:spMkLst>
+        </pc:spChg>
+        <pc:spChg chg="add mod topLvl">
+          <ac:chgData name="MARTINEZ SALCEDO, JOSEPH" userId="4d2c8988-b1c0-4e9d-83be-da9944182c7d" providerId="ADAL" clId="{724F4FA1-579B-40D2-BBB1-E2251878D1A2}" dt="2024-05-06T16:37:48.800" v="2010" actId="403"/>
+          <ac:spMkLst>
+            <pc:docMk/>
+            <pc:sldMk cId="4032071312" sldId="282"/>
+            <ac:spMk id="291" creationId="{9055E011-A76D-65F2-509F-F4FF80556B3A}"/>
+          </ac:spMkLst>
+        </pc:spChg>
+        <pc:spChg chg="add mod topLvl">
+          <ac:chgData name="MARTINEZ SALCEDO, JOSEPH" userId="4d2c8988-b1c0-4e9d-83be-da9944182c7d" providerId="ADAL" clId="{724F4FA1-579B-40D2-BBB1-E2251878D1A2}" dt="2024-05-06T17:43:37.711" v="2093" actId="1076"/>
+          <ac:spMkLst>
+            <pc:docMk/>
+            <pc:sldMk cId="4032071312" sldId="282"/>
+            <ac:spMk id="322" creationId="{1E66C8DE-45FA-B667-4572-06B1AEDD6611}"/>
+          </ac:spMkLst>
+        </pc:spChg>
+        <pc:spChg chg="add mod topLvl">
+          <ac:chgData name="MARTINEZ SALCEDO, JOSEPH" userId="4d2c8988-b1c0-4e9d-83be-da9944182c7d" providerId="ADAL" clId="{724F4FA1-579B-40D2-BBB1-E2251878D1A2}" dt="2024-05-06T16:37:48.800" v="2010" actId="403"/>
+          <ac:spMkLst>
+            <pc:docMk/>
+            <pc:sldMk cId="4032071312" sldId="282"/>
+            <ac:spMk id="340" creationId="{B2B9AE50-DA26-A279-2092-9E73C9C580B5}"/>
+          </ac:spMkLst>
+        </pc:spChg>
+        <pc:spChg chg="add del mod">
+          <ac:chgData name="MARTINEZ SALCEDO, JOSEPH" userId="4d2c8988-b1c0-4e9d-83be-da9944182c7d" providerId="ADAL" clId="{724F4FA1-579B-40D2-BBB1-E2251878D1A2}" dt="2024-05-06T16:22:51.539" v="1760" actId="478"/>
+          <ac:spMkLst>
+            <pc:docMk/>
+            <pc:sldMk cId="4032071312" sldId="282"/>
+            <ac:spMk id="357" creationId="{11A4F882-F4A6-30D8-B95B-995DA75F5E5F}"/>
+          </ac:spMkLst>
+        </pc:spChg>
+        <pc:spChg chg="add mod topLvl">
+          <ac:chgData name="MARTINEZ SALCEDO, JOSEPH" userId="4d2c8988-b1c0-4e9d-83be-da9944182c7d" providerId="ADAL" clId="{724F4FA1-579B-40D2-BBB1-E2251878D1A2}" dt="2024-05-06T16:37:48.800" v="2010" actId="403"/>
+          <ac:spMkLst>
+            <pc:docMk/>
+            <pc:sldMk cId="4032071312" sldId="282"/>
+            <ac:spMk id="377" creationId="{B942A487-CB64-1BFA-0BBF-10FA2F72A904}"/>
+          </ac:spMkLst>
+        </pc:spChg>
+        <pc:spChg chg="add mod ord topLvl">
+          <ac:chgData name="MARTINEZ SALCEDO, JOSEPH" userId="4d2c8988-b1c0-4e9d-83be-da9944182c7d" providerId="ADAL" clId="{724F4FA1-579B-40D2-BBB1-E2251878D1A2}" dt="2024-05-06T16:37:48.800" v="2010" actId="403"/>
+          <ac:spMkLst>
+            <pc:docMk/>
+            <pc:sldMk cId="4032071312" sldId="282"/>
+            <ac:spMk id="383" creationId="{E783CCBD-2DA9-7ACD-D78A-3A5CE79FAC54}"/>
+          </ac:spMkLst>
+        </pc:spChg>
+        <pc:spChg chg="add mod topLvl">
+          <ac:chgData name="MARTINEZ SALCEDO, JOSEPH" userId="4d2c8988-b1c0-4e9d-83be-da9944182c7d" providerId="ADAL" clId="{724F4FA1-579B-40D2-BBB1-E2251878D1A2}" dt="2024-05-06T17:45:54.182" v="2136" actId="1076"/>
+          <ac:spMkLst>
+            <pc:docMk/>
+            <pc:sldMk cId="4032071312" sldId="282"/>
+            <ac:spMk id="397" creationId="{5EE1DA49-6BFD-D1BF-3FF6-16931A7CED74}"/>
+          </ac:spMkLst>
+        </pc:spChg>
+        <pc:spChg chg="add mod ord">
+          <ac:chgData name="MARTINEZ SALCEDO, JOSEPH" userId="4d2c8988-b1c0-4e9d-83be-da9944182c7d" providerId="ADAL" clId="{724F4FA1-579B-40D2-BBB1-E2251878D1A2}" dt="2024-05-06T16:48:40.440" v="2091" actId="14100"/>
+          <ac:spMkLst>
+            <pc:docMk/>
+            <pc:sldMk cId="4032071312" sldId="282"/>
+            <ac:spMk id="654" creationId="{9293A2D7-41D8-8A9D-B55B-26EE00EC3D0A}"/>
+          </ac:spMkLst>
+        </pc:spChg>
+        <pc:spChg chg="add mod ord">
+          <ac:chgData name="MARTINEZ SALCEDO, JOSEPH" userId="4d2c8988-b1c0-4e9d-83be-da9944182c7d" providerId="ADAL" clId="{724F4FA1-579B-40D2-BBB1-E2251878D1A2}" dt="2024-05-06T16:48:40.440" v="2091" actId="14100"/>
+          <ac:spMkLst>
+            <pc:docMk/>
+            <pc:sldMk cId="4032071312" sldId="282"/>
+            <ac:spMk id="655" creationId="{81082ACB-3132-74FA-7038-8825AB458083}"/>
+          </ac:spMkLst>
+        </pc:spChg>
+        <pc:spChg chg="add mod ord">
+          <ac:chgData name="MARTINEZ SALCEDO, JOSEPH" userId="4d2c8988-b1c0-4e9d-83be-da9944182c7d" providerId="ADAL" clId="{724F4FA1-579B-40D2-BBB1-E2251878D1A2}" dt="2024-05-06T17:43:40.289" v="2095" actId="1076"/>
+          <ac:spMkLst>
+            <pc:docMk/>
+            <pc:sldMk cId="4032071312" sldId="282"/>
+            <ac:spMk id="656" creationId="{55C49A56-F797-857D-DD2B-FAE762AF3EE0}"/>
+          </ac:spMkLst>
+        </pc:spChg>
+        <pc:spChg chg="add mod ord">
+          <ac:chgData name="MARTINEZ SALCEDO, JOSEPH" userId="4d2c8988-b1c0-4e9d-83be-da9944182c7d" providerId="ADAL" clId="{724F4FA1-579B-40D2-BBB1-E2251878D1A2}" dt="2024-05-06T16:48:40.440" v="2091" actId="14100"/>
+          <ac:spMkLst>
+            <pc:docMk/>
+            <pc:sldMk cId="4032071312" sldId="282"/>
+            <ac:spMk id="657" creationId="{F6AC6389-E43C-377F-91E2-A202EE314B34}"/>
+          </ac:spMkLst>
+        </pc:spChg>
+        <pc:spChg chg="add mod">
+          <ac:chgData name="MARTINEZ SALCEDO, JOSEPH" userId="4d2c8988-b1c0-4e9d-83be-da9944182c7d" providerId="ADAL" clId="{724F4FA1-579B-40D2-BBB1-E2251878D1A2}" dt="2024-05-06T17:45:15.358" v="2118" actId="571"/>
+          <ac:spMkLst>
+            <pc:docMk/>
+            <pc:sldMk cId="4032071312" sldId="282"/>
+            <ac:spMk id="718" creationId="{74C5F036-A99A-A2C0-AF7A-BC19844205E1}"/>
+          </ac:spMkLst>
+        </pc:spChg>
+        <pc:grpChg chg="add mod topLvl">
+          <ac:chgData name="MARTINEZ SALCEDO, JOSEPH" userId="4d2c8988-b1c0-4e9d-83be-da9944182c7d" providerId="ADAL" clId="{724F4FA1-579B-40D2-BBB1-E2251878D1A2}" dt="2024-05-06T17:45:36.791" v="2125" actId="1076"/>
+          <ac:grpSpMkLst>
+            <pc:docMk/>
+            <pc:sldMk cId="4032071312" sldId="282"/>
+            <ac:grpSpMk id="230" creationId="{568B5708-B0D7-880A-BA4D-CA0C105B3B33}"/>
+          </ac:grpSpMkLst>
+        </pc:grpChg>
+        <pc:grpChg chg="add mod topLvl">
+          <ac:chgData name="MARTINEZ SALCEDO, JOSEPH" userId="4d2c8988-b1c0-4e9d-83be-da9944182c7d" providerId="ADAL" clId="{724F4FA1-579B-40D2-BBB1-E2251878D1A2}" dt="2024-05-06T16:33:32.739" v="1890" actId="1076"/>
+          <ac:grpSpMkLst>
+            <pc:docMk/>
+            <pc:sldMk cId="4032071312" sldId="282"/>
+            <ac:grpSpMk id="253" creationId="{FAAF3A65-D6A4-14F2-59F9-1A5AA574842F}"/>
+          </ac:grpSpMkLst>
+        </pc:grpChg>
+        <pc:grpChg chg="add del mod">
+          <ac:chgData name="MARTINEZ SALCEDO, JOSEPH" userId="4d2c8988-b1c0-4e9d-83be-da9944182c7d" providerId="ADAL" clId="{724F4FA1-579B-40D2-BBB1-E2251878D1A2}" dt="2024-05-06T16:23:59.759" v="1778" actId="165"/>
+          <ac:grpSpMkLst>
+            <pc:docMk/>
+            <pc:sldMk cId="4032071312" sldId="282"/>
+            <ac:grpSpMk id="490" creationId="{0174AA28-E665-F01B-0E0A-74F6203B92FB}"/>
+          </ac:grpSpMkLst>
+        </pc:grpChg>
+        <pc:cxnChg chg="add del mod">
+          <ac:chgData name="MARTINEZ SALCEDO, JOSEPH" userId="4d2c8988-b1c0-4e9d-83be-da9944182c7d" providerId="ADAL" clId="{724F4FA1-579B-40D2-BBB1-E2251878D1A2}" dt="2024-05-06T14:48:04.529" v="361" actId="478"/>
+          <ac:cxnSpMkLst>
+            <pc:docMk/>
+            <pc:sldMk cId="4032071312" sldId="282"/>
+            <ac:cxnSpMk id="20" creationId="{AB4200C8-5549-7CAF-3887-B701A9779C65}"/>
+          </ac:cxnSpMkLst>
+        </pc:cxnChg>
+        <pc:cxnChg chg="add del mod">
+          <ac:chgData name="MARTINEZ SALCEDO, JOSEPH" userId="4d2c8988-b1c0-4e9d-83be-da9944182c7d" providerId="ADAL" clId="{724F4FA1-579B-40D2-BBB1-E2251878D1A2}" dt="2024-05-06T15:49:42.733" v="1254" actId="478"/>
+          <ac:cxnSpMkLst>
+            <pc:docMk/>
+            <pc:sldMk cId="4032071312" sldId="282"/>
+            <ac:cxnSpMk id="22" creationId="{B62C98A6-1463-61EB-D7B7-C495AC6E9832}"/>
+          </ac:cxnSpMkLst>
+        </pc:cxnChg>
+        <pc:cxnChg chg="add del mod">
+          <ac:chgData name="MARTINEZ SALCEDO, JOSEPH" userId="4d2c8988-b1c0-4e9d-83be-da9944182c7d" providerId="ADAL" clId="{724F4FA1-579B-40D2-BBB1-E2251878D1A2}" dt="2024-05-06T14:58:31.201" v="486" actId="478"/>
+          <ac:cxnSpMkLst>
+            <pc:docMk/>
+            <pc:sldMk cId="4032071312" sldId="282"/>
+            <ac:cxnSpMk id="31" creationId="{8AA2963D-86A1-8EF1-1658-54EF5A0B7338}"/>
+          </ac:cxnSpMkLst>
+        </pc:cxnChg>
+        <pc:cxnChg chg="add del mod">
+          <ac:chgData name="MARTINEZ SALCEDO, JOSEPH" userId="4d2c8988-b1c0-4e9d-83be-da9944182c7d" providerId="ADAL" clId="{724F4FA1-579B-40D2-BBB1-E2251878D1A2}" dt="2024-05-06T14:58:30.792" v="485" actId="478"/>
+          <ac:cxnSpMkLst>
+            <pc:docMk/>
+            <pc:sldMk cId="4032071312" sldId="282"/>
+            <ac:cxnSpMk id="32" creationId="{EB9EDABB-346B-3C55-5AD7-034296263A7A}"/>
+          </ac:cxnSpMkLst>
+        </pc:cxnChg>
+        <pc:cxnChg chg="add del mod">
+          <ac:chgData name="MARTINEZ SALCEDO, JOSEPH" userId="4d2c8988-b1c0-4e9d-83be-da9944182c7d" providerId="ADAL" clId="{724F4FA1-579B-40D2-BBB1-E2251878D1A2}" dt="2024-05-06T14:58:47.934" v="492" actId="478"/>
+          <ac:cxnSpMkLst>
+            <pc:docMk/>
+            <pc:sldMk cId="4032071312" sldId="282"/>
+            <ac:cxnSpMk id="37" creationId="{1A6A6193-884B-9704-13B4-463CB38B22FE}"/>
+          </ac:cxnSpMkLst>
+        </pc:cxnChg>
+        <pc:cxnChg chg="add mod topLvl">
+          <ac:chgData name="MARTINEZ SALCEDO, JOSEPH" userId="4d2c8988-b1c0-4e9d-83be-da9944182c7d" providerId="ADAL" clId="{724F4FA1-579B-40D2-BBB1-E2251878D1A2}" dt="2024-05-06T16:38:40.001" v="2029" actId="3064"/>
+          <ac:cxnSpMkLst>
+            <pc:docMk/>
+            <pc:sldMk cId="4032071312" sldId="282"/>
+            <ac:cxnSpMk id="39" creationId="{2533656A-C979-B64C-5512-07330ABB719A}"/>
+          </ac:cxnSpMkLst>
+        </pc:cxnChg>
+        <pc:cxnChg chg="add del mod">
+          <ac:chgData name="MARTINEZ SALCEDO, JOSEPH" userId="4d2c8988-b1c0-4e9d-83be-da9944182c7d" providerId="ADAL" clId="{724F4FA1-579B-40D2-BBB1-E2251878D1A2}" dt="2024-05-06T15:03:12.945" v="514" actId="478"/>
+          <ac:cxnSpMkLst>
+            <pc:docMk/>
+            <pc:sldMk cId="4032071312" sldId="282"/>
+            <ac:cxnSpMk id="42" creationId="{FEFFA6F7-6F25-96A1-C2D9-080C298AD324}"/>
+          </ac:cxnSpMkLst>
+        </pc:cxnChg>
+        <pc:cxnChg chg="add del mod">
+          <ac:chgData name="MARTINEZ SALCEDO, JOSEPH" userId="4d2c8988-b1c0-4e9d-83be-da9944182c7d" providerId="ADAL" clId="{724F4FA1-579B-40D2-BBB1-E2251878D1A2}" dt="2024-05-06T15:49:42.435" v="1253" actId="478"/>
+          <ac:cxnSpMkLst>
+            <pc:docMk/>
+            <pc:sldMk cId="4032071312" sldId="282"/>
+            <ac:cxnSpMk id="45" creationId="{F1963D2C-00C3-05AB-0EB2-0BF13F033E07}"/>
+          </ac:cxnSpMkLst>
+        </pc:cxnChg>
+        <pc:cxnChg chg="add del mod">
+          <ac:chgData name="MARTINEZ SALCEDO, JOSEPH" userId="4d2c8988-b1c0-4e9d-83be-da9944182c7d" providerId="ADAL" clId="{724F4FA1-579B-40D2-BBB1-E2251878D1A2}" dt="2024-05-06T15:03:23.961" v="517" actId="478"/>
+          <ac:cxnSpMkLst>
+            <pc:docMk/>
+            <pc:sldMk cId="4032071312" sldId="282"/>
+            <ac:cxnSpMk id="46" creationId="{D9657EC9-A49F-9F2D-DD68-8AF32FA3FA11}"/>
+          </ac:cxnSpMkLst>
+        </pc:cxnChg>
+        <pc:cxnChg chg="add del mod">
+          <ac:chgData name="MARTINEZ SALCEDO, JOSEPH" userId="4d2c8988-b1c0-4e9d-83be-da9944182c7d" providerId="ADAL" clId="{724F4FA1-579B-40D2-BBB1-E2251878D1A2}" dt="2024-05-06T15:03:51.654" v="523" actId="478"/>
+          <ac:cxnSpMkLst>
+            <pc:docMk/>
+            <pc:sldMk cId="4032071312" sldId="282"/>
+            <ac:cxnSpMk id="47" creationId="{632C38D1-DB32-0351-D875-290A9BF37F3B}"/>
+          </ac:cxnSpMkLst>
+        </pc:cxnChg>
+        <pc:cxnChg chg="add mod topLvl">
+          <ac:chgData name="MARTINEZ SALCEDO, JOSEPH" userId="4d2c8988-b1c0-4e9d-83be-da9944182c7d" providerId="ADAL" clId="{724F4FA1-579B-40D2-BBB1-E2251878D1A2}" dt="2024-05-06T16:37:48.800" v="2010" actId="403"/>
+          <ac:cxnSpMkLst>
+            <pc:docMk/>
+            <pc:sldMk cId="4032071312" sldId="282"/>
+            <ac:cxnSpMk id="48" creationId="{E0196D8B-1F01-1ABC-A247-1F12CB1F1467}"/>
+          </ac:cxnSpMkLst>
+        </pc:cxnChg>
+        <pc:cxnChg chg="add mod topLvl">
+          <ac:chgData name="MARTINEZ SALCEDO, JOSEPH" userId="4d2c8988-b1c0-4e9d-83be-da9944182c7d" providerId="ADAL" clId="{724F4FA1-579B-40D2-BBB1-E2251878D1A2}" dt="2024-05-06T16:37:48.800" v="2010" actId="403"/>
+          <ac:cxnSpMkLst>
+            <pc:docMk/>
+            <pc:sldMk cId="4032071312" sldId="282"/>
+            <ac:cxnSpMk id="51" creationId="{95303CC2-F3B7-042E-DD6B-3F38CACF09E2}"/>
+          </ac:cxnSpMkLst>
+        </pc:cxnChg>
+        <pc:cxnChg chg="add mod topLvl">
+          <ac:chgData name="MARTINEZ SALCEDO, JOSEPH" userId="4d2c8988-b1c0-4e9d-83be-da9944182c7d" providerId="ADAL" clId="{724F4FA1-579B-40D2-BBB1-E2251878D1A2}" dt="2024-05-06T17:45:43.714" v="2127" actId="20577"/>
+          <ac:cxnSpMkLst>
+            <pc:docMk/>
+            <pc:sldMk cId="4032071312" sldId="282"/>
+            <ac:cxnSpMk id="86" creationId="{4639A8DC-289C-01AD-1A82-4A0555F6B5DC}"/>
+          </ac:cxnSpMkLst>
+        </pc:cxnChg>
+        <pc:cxnChg chg="add mod topLvl">
+          <ac:chgData name="MARTINEZ SALCEDO, JOSEPH" userId="4d2c8988-b1c0-4e9d-83be-da9944182c7d" providerId="ADAL" clId="{724F4FA1-579B-40D2-BBB1-E2251878D1A2}" dt="2024-05-06T16:37:48.800" v="2010" actId="403"/>
+          <ac:cxnSpMkLst>
+            <pc:docMk/>
+            <pc:sldMk cId="4032071312" sldId="282"/>
+            <ac:cxnSpMk id="89" creationId="{5F895202-1CAC-EF48-7C1B-52E0E67FFD7C}"/>
+          </ac:cxnSpMkLst>
+        </pc:cxnChg>
+        <pc:cxnChg chg="add mod topLvl">
+          <ac:chgData name="MARTINEZ SALCEDO, JOSEPH" userId="4d2c8988-b1c0-4e9d-83be-da9944182c7d" providerId="ADAL" clId="{724F4FA1-579B-40D2-BBB1-E2251878D1A2}" dt="2024-05-06T16:37:48.800" v="2010" actId="403"/>
+          <ac:cxnSpMkLst>
+            <pc:docMk/>
+            <pc:sldMk cId="4032071312" sldId="282"/>
+            <ac:cxnSpMk id="92" creationId="{23170CDB-7F6B-17DC-7383-6D9184033A01}"/>
+          </ac:cxnSpMkLst>
+        </pc:cxnChg>
+        <pc:cxnChg chg="add mod topLvl">
+          <ac:chgData name="MARTINEZ SALCEDO, JOSEPH" userId="4d2c8988-b1c0-4e9d-83be-da9944182c7d" providerId="ADAL" clId="{724F4FA1-579B-40D2-BBB1-E2251878D1A2}" dt="2024-05-06T17:45:36.791" v="2125" actId="1076"/>
+          <ac:cxnSpMkLst>
+            <pc:docMk/>
+            <pc:sldMk cId="4032071312" sldId="282"/>
+            <ac:cxnSpMk id="122" creationId="{4DF28C3B-88C0-492C-2999-5E747173AA09}"/>
+          </ac:cxnSpMkLst>
+        </pc:cxnChg>
+        <pc:cxnChg chg="add del mod">
+          <ac:chgData name="MARTINEZ SALCEDO, JOSEPH" userId="4d2c8988-b1c0-4e9d-83be-da9944182c7d" providerId="ADAL" clId="{724F4FA1-579B-40D2-BBB1-E2251878D1A2}" dt="2024-05-06T16:18:17.597" v="1684" actId="478"/>
+          <ac:cxnSpMkLst>
+            <pc:docMk/>
+            <pc:sldMk cId="4032071312" sldId="282"/>
+            <ac:cxnSpMk id="125" creationId="{1CA815A0-2631-5DD2-897C-E94A6C89F1DB}"/>
+          </ac:cxnSpMkLst>
+        </pc:cxnChg>
+        <pc:cxnChg chg="add mod topLvl">
+          <ac:chgData name="MARTINEZ SALCEDO, JOSEPH" userId="4d2c8988-b1c0-4e9d-83be-da9944182c7d" providerId="ADAL" clId="{724F4FA1-579B-40D2-BBB1-E2251878D1A2}" dt="2024-05-06T17:45:54.182" v="2136" actId="1076"/>
+          <ac:cxnSpMkLst>
+            <pc:docMk/>
+            <pc:sldMk cId="4032071312" sldId="282"/>
+            <ac:cxnSpMk id="128" creationId="{1469E24F-02AD-F0ED-FB09-42933F9FC464}"/>
+          </ac:cxnSpMkLst>
+        </pc:cxnChg>
+        <pc:cxnChg chg="add mod topLvl">
+          <ac:chgData name="MARTINEZ SALCEDO, JOSEPH" userId="4d2c8988-b1c0-4e9d-83be-da9944182c7d" providerId="ADAL" clId="{724F4FA1-579B-40D2-BBB1-E2251878D1A2}" dt="2024-05-06T17:45:19.614" v="2120" actId="14100"/>
+          <ac:cxnSpMkLst>
+            <pc:docMk/>
+            <pc:sldMk cId="4032071312" sldId="282"/>
+            <ac:cxnSpMk id="131" creationId="{50529052-249D-2EFF-2CC0-B846464E0004}"/>
+          </ac:cxnSpMkLst>
+        </pc:cxnChg>
+        <pc:cxnChg chg="add mod topLvl">
+          <ac:chgData name="MARTINEZ SALCEDO, JOSEPH" userId="4d2c8988-b1c0-4e9d-83be-da9944182c7d" providerId="ADAL" clId="{724F4FA1-579B-40D2-BBB1-E2251878D1A2}" dt="2024-05-06T17:46:05.453" v="2137" actId="14100"/>
+          <ac:cxnSpMkLst>
+            <pc:docMk/>
+            <pc:sldMk cId="4032071312" sldId="282"/>
+            <ac:cxnSpMk id="151" creationId="{FB0D1D28-B32D-50D9-7F21-150DFE82DF65}"/>
+          </ac:cxnSpMkLst>
+        </pc:cxnChg>
+        <pc:cxnChg chg="add del mod">
+          <ac:chgData name="MARTINEZ SALCEDO, JOSEPH" userId="4d2c8988-b1c0-4e9d-83be-da9944182c7d" providerId="ADAL" clId="{724F4FA1-579B-40D2-BBB1-E2251878D1A2}" dt="2024-05-06T16:16:14.317" v="1647" actId="478"/>
+          <ac:cxnSpMkLst>
+            <pc:docMk/>
+            <pc:sldMk cId="4032071312" sldId="282"/>
+            <ac:cxnSpMk id="154" creationId="{C48A4493-1522-3CA8-F15D-6FCC2E9BCD4C}"/>
+          </ac:cxnSpMkLst>
+        </pc:cxnChg>
+        <pc:cxnChg chg="add del mod">
+          <ac:chgData name="MARTINEZ SALCEDO, JOSEPH" userId="4d2c8988-b1c0-4e9d-83be-da9944182c7d" providerId="ADAL" clId="{724F4FA1-579B-40D2-BBB1-E2251878D1A2}" dt="2024-05-06T16:16:10.005" v="1645" actId="478"/>
+          <ac:cxnSpMkLst>
+            <pc:docMk/>
+            <pc:sldMk cId="4032071312" sldId="282"/>
+            <ac:cxnSpMk id="157" creationId="{2AF3AD23-C239-FFD1-83BD-496CC2FD05E9}"/>
+          </ac:cxnSpMkLst>
+        </pc:cxnChg>
+        <pc:cxnChg chg="add del mod">
+          <ac:chgData name="MARTINEZ SALCEDO, JOSEPH" userId="4d2c8988-b1c0-4e9d-83be-da9944182c7d" providerId="ADAL" clId="{724F4FA1-579B-40D2-BBB1-E2251878D1A2}" dt="2024-05-06T15:46:08.068" v="1205" actId="478"/>
+          <ac:cxnSpMkLst>
+            <pc:docMk/>
+            <pc:sldMk cId="4032071312" sldId="282"/>
+            <ac:cxnSpMk id="170" creationId="{A2AD41AF-FB54-0F05-F18A-BD254421381D}"/>
+          </ac:cxnSpMkLst>
+        </pc:cxnChg>
+        <pc:cxnChg chg="add del mod">
+          <ac:chgData name="MARTINEZ SALCEDO, JOSEPH" userId="4d2c8988-b1c0-4e9d-83be-da9944182c7d" providerId="ADAL" clId="{724F4FA1-579B-40D2-BBB1-E2251878D1A2}" dt="2024-05-06T16:15:36.093" v="1630" actId="478"/>
+          <ac:cxnSpMkLst>
+            <pc:docMk/>
+            <pc:sldMk cId="4032071312" sldId="282"/>
+            <ac:cxnSpMk id="174" creationId="{7E813B5E-9613-E605-F966-D6241F39DC43}"/>
+          </ac:cxnSpMkLst>
+        </pc:cxnChg>
+        <pc:cxnChg chg="add mod topLvl">
+          <ac:chgData name="MARTINEZ SALCEDO, JOSEPH" userId="4d2c8988-b1c0-4e9d-83be-da9944182c7d" providerId="ADAL" clId="{724F4FA1-579B-40D2-BBB1-E2251878D1A2}" dt="2024-05-06T17:47:20.647" v="2152" actId="14100"/>
+          <ac:cxnSpMkLst>
+            <pc:docMk/>
+            <pc:sldMk cId="4032071312" sldId="282"/>
+            <ac:cxnSpMk id="179" creationId="{472327F6-F32C-C774-3627-63F66C6D525E}"/>
+          </ac:cxnSpMkLst>
+        </pc:cxnChg>
+        <pc:cxnChg chg="add del mod">
+          <ac:chgData name="MARTINEZ SALCEDO, JOSEPH" userId="4d2c8988-b1c0-4e9d-83be-da9944182c7d" providerId="ADAL" clId="{724F4FA1-579B-40D2-BBB1-E2251878D1A2}" dt="2024-05-06T16:06:34.710" v="1387" actId="478"/>
+          <ac:cxnSpMkLst>
+            <pc:docMk/>
+            <pc:sldMk cId="4032071312" sldId="282"/>
+            <ac:cxnSpMk id="219" creationId="{B05A1551-3794-6CA8-E08E-560D81887F19}"/>
+          </ac:cxnSpMkLst>
+        </pc:cxnChg>
+        <pc:cxnChg chg="add mod">
+          <ac:chgData name="MARTINEZ SALCEDO, JOSEPH" userId="4d2c8988-b1c0-4e9d-83be-da9944182c7d" providerId="ADAL" clId="{724F4FA1-579B-40D2-BBB1-E2251878D1A2}" dt="2024-05-06T17:45:43.714" v="2127" actId="20577"/>
+          <ac:cxnSpMkLst>
+            <pc:docMk/>
+            <pc:sldMk cId="4032071312" sldId="282"/>
+            <ac:cxnSpMk id="221" creationId="{AC2EB07B-6AC8-9EB7-D5B0-5C7ACD7C1EEB}"/>
+          </ac:cxnSpMkLst>
+        </pc:cxnChg>
+        <pc:cxnChg chg="add del mod">
+          <ac:chgData name="MARTINEZ SALCEDO, JOSEPH" userId="4d2c8988-b1c0-4e9d-83be-da9944182c7d" providerId="ADAL" clId="{724F4FA1-579B-40D2-BBB1-E2251878D1A2}" dt="2024-05-06T16:07:45.267" v="1406" actId="478"/>
+          <ac:cxnSpMkLst>
+            <pc:docMk/>
+            <pc:sldMk cId="4032071312" sldId="282"/>
+            <ac:cxnSpMk id="237" creationId="{FE374393-83F6-6716-08DD-42E048C41449}"/>
+          </ac:cxnSpMkLst>
+        </pc:cxnChg>
+        <pc:cxnChg chg="add mod">
+          <ac:chgData name="MARTINEZ SALCEDO, JOSEPH" userId="4d2c8988-b1c0-4e9d-83be-da9944182c7d" providerId="ADAL" clId="{724F4FA1-579B-40D2-BBB1-E2251878D1A2}" dt="2024-05-06T16:07:49.188" v="1408" actId="571"/>
+          <ac:cxnSpMkLst>
+            <pc:docMk/>
+            <pc:sldMk cId="4032071312" sldId="282"/>
+            <ac:cxnSpMk id="238" creationId="{006A673E-84CE-4807-2E3B-5E9A220826FE}"/>
+          </ac:cxnSpMkLst>
+        </pc:cxnChg>
+        <pc:cxnChg chg="add mod">
+          <ac:chgData name="MARTINEZ SALCEDO, JOSEPH" userId="4d2c8988-b1c0-4e9d-83be-da9944182c7d" providerId="ADAL" clId="{724F4FA1-579B-40D2-BBB1-E2251878D1A2}" dt="2024-05-06T17:44:18.895" v="2099" actId="14100"/>
+          <ac:cxnSpMkLst>
+            <pc:docMk/>
+            <pc:sldMk cId="4032071312" sldId="282"/>
+            <ac:cxnSpMk id="239" creationId="{4C1345B6-0DFE-9187-6D2D-81F8C3022393}"/>
+          </ac:cxnSpMkLst>
+        </pc:cxnChg>
+        <pc:cxnChg chg="add mod topLvl">
+          <ac:chgData name="MARTINEZ SALCEDO, JOSEPH" userId="4d2c8988-b1c0-4e9d-83be-da9944182c7d" providerId="ADAL" clId="{724F4FA1-579B-40D2-BBB1-E2251878D1A2}" dt="2024-05-06T17:47:08.815" v="2147" actId="3064"/>
+          <ac:cxnSpMkLst>
+            <pc:docMk/>
+            <pc:sldMk cId="4032071312" sldId="282"/>
+            <ac:cxnSpMk id="281" creationId="{47A6F232-B9F3-D636-8245-20059E928D87}"/>
+          </ac:cxnSpMkLst>
+        </pc:cxnChg>
+        <pc:cxnChg chg="add del mod topLvl">
+          <ac:chgData name="MARTINEZ SALCEDO, JOSEPH" userId="4d2c8988-b1c0-4e9d-83be-da9944182c7d" providerId="ADAL" clId="{724F4FA1-579B-40D2-BBB1-E2251878D1A2}" dt="2024-05-06T16:48:21.058" v="2088" actId="478"/>
+          <ac:cxnSpMkLst>
+            <pc:docMk/>
+            <pc:sldMk cId="4032071312" sldId="282"/>
+            <ac:cxnSpMk id="284" creationId="{F7113233-48EF-91ED-234B-C9ED8EAF00D9}"/>
+          </ac:cxnSpMkLst>
+        </pc:cxnChg>
+        <pc:cxnChg chg="add mod topLvl">
+          <ac:chgData name="MARTINEZ SALCEDO, JOSEPH" userId="4d2c8988-b1c0-4e9d-83be-da9944182c7d" providerId="ADAL" clId="{724F4FA1-579B-40D2-BBB1-E2251878D1A2}" dt="2024-05-06T16:48:45.321" v="2092" actId="1076"/>
+          <ac:cxnSpMkLst>
+            <pc:docMk/>
+            <pc:sldMk cId="4032071312" sldId="282"/>
+            <ac:cxnSpMk id="296" creationId="{FC4FA769-B6E2-C83B-B47C-EF37DC988E37}"/>
+          </ac:cxnSpMkLst>
+        </pc:cxnChg>
+        <pc:cxnChg chg="add mod topLvl">
+          <ac:chgData name="MARTINEZ SALCEDO, JOSEPH" userId="4d2c8988-b1c0-4e9d-83be-da9944182c7d" providerId="ADAL" clId="{724F4FA1-579B-40D2-BBB1-E2251878D1A2}" dt="2024-05-06T17:44:18.895" v="2099" actId="14100"/>
+          <ac:cxnSpMkLst>
+            <pc:docMk/>
+            <pc:sldMk cId="4032071312" sldId="282"/>
+            <ac:cxnSpMk id="302" creationId="{5E65617D-A471-AF95-9F07-9407E1077C3E}"/>
+          </ac:cxnSpMkLst>
+        </pc:cxnChg>
+        <pc:cxnChg chg="add mod topLvl">
+          <ac:chgData name="MARTINEZ SALCEDO, JOSEPH" userId="4d2c8988-b1c0-4e9d-83be-da9944182c7d" providerId="ADAL" clId="{724F4FA1-579B-40D2-BBB1-E2251878D1A2}" dt="2024-05-06T17:43:37.711" v="2093" actId="1076"/>
+          <ac:cxnSpMkLst>
+            <pc:docMk/>
+            <pc:sldMk cId="4032071312" sldId="282"/>
+            <ac:cxnSpMk id="323" creationId="{34102676-1083-7D68-BBFD-8A9518EAD4B4}"/>
+          </ac:cxnSpMkLst>
+        </pc:cxnChg>
+        <pc:cxnChg chg="add mod topLvl">
+          <ac:chgData name="MARTINEZ SALCEDO, JOSEPH" userId="4d2c8988-b1c0-4e9d-83be-da9944182c7d" providerId="ADAL" clId="{724F4FA1-579B-40D2-BBB1-E2251878D1A2}" dt="2024-05-06T17:47:32.214" v="2153" actId="14100"/>
+          <ac:cxnSpMkLst>
+            <pc:docMk/>
+            <pc:sldMk cId="4032071312" sldId="282"/>
+            <ac:cxnSpMk id="326" creationId="{56B4BBA6-8DEC-7327-D682-029AEDC37F25}"/>
+          </ac:cxnSpMkLst>
+        </pc:cxnChg>
+        <pc:cxnChg chg="add mod topLvl">
+          <ac:chgData name="MARTINEZ SALCEDO, JOSEPH" userId="4d2c8988-b1c0-4e9d-83be-da9944182c7d" providerId="ADAL" clId="{724F4FA1-579B-40D2-BBB1-E2251878D1A2}" dt="2024-05-06T17:47:20.647" v="2152" actId="14100"/>
+          <ac:cxnSpMkLst>
+            <pc:docMk/>
+            <pc:sldMk cId="4032071312" sldId="282"/>
+            <ac:cxnSpMk id="329" creationId="{9C171EE1-96F0-F976-A3FE-2F986549EA57}"/>
+          </ac:cxnSpMkLst>
+        </pc:cxnChg>
+        <pc:cxnChg chg="add del mod topLvl">
+          <ac:chgData name="MARTINEZ SALCEDO, JOSEPH" userId="4d2c8988-b1c0-4e9d-83be-da9944182c7d" providerId="ADAL" clId="{724F4FA1-579B-40D2-BBB1-E2251878D1A2}" dt="2024-05-06T16:48:27.076" v="2089" actId="478"/>
+          <ac:cxnSpMkLst>
+            <pc:docMk/>
+            <pc:sldMk cId="4032071312" sldId="282"/>
+            <ac:cxnSpMk id="333" creationId="{8BA3D6B9-A39B-C3D9-7E19-8E052E18CC15}"/>
+          </ac:cxnSpMkLst>
+        </pc:cxnChg>
+        <pc:cxnChg chg="add mod topLvl">
+          <ac:chgData name="MARTINEZ SALCEDO, JOSEPH" userId="4d2c8988-b1c0-4e9d-83be-da9944182c7d" providerId="ADAL" clId="{724F4FA1-579B-40D2-BBB1-E2251878D1A2}" dt="2024-05-06T17:47:08.815" v="2147" actId="3064"/>
+          <ac:cxnSpMkLst>
+            <pc:docMk/>
+            <pc:sldMk cId="4032071312" sldId="282"/>
+            <ac:cxnSpMk id="349" creationId="{22563191-3CA4-D64D-89B6-33B3C8944BC3}"/>
+          </ac:cxnSpMkLst>
+        </pc:cxnChg>
+        <pc:cxnChg chg="add del mod">
+          <ac:chgData name="MARTINEZ SALCEDO, JOSEPH" userId="4d2c8988-b1c0-4e9d-83be-da9944182c7d" providerId="ADAL" clId="{724F4FA1-579B-40D2-BBB1-E2251878D1A2}" dt="2024-05-06T16:13:55.589" v="1561" actId="478"/>
+          <ac:cxnSpMkLst>
+            <pc:docMk/>
+            <pc:sldMk cId="4032071312" sldId="282"/>
+            <ac:cxnSpMk id="352" creationId="{AE99915A-A76A-2FF7-22E3-DDF149A6A18C}"/>
+          </ac:cxnSpMkLst>
+        </pc:cxnChg>
+        <pc:cxnChg chg="add mod topLvl">
+          <ac:chgData name="MARTINEZ SALCEDO, JOSEPH" userId="4d2c8988-b1c0-4e9d-83be-da9944182c7d" providerId="ADAL" clId="{724F4FA1-579B-40D2-BBB1-E2251878D1A2}" dt="2024-05-06T17:43:51.142" v="2098" actId="14100"/>
+          <ac:cxnSpMkLst>
+            <pc:docMk/>
+            <pc:sldMk cId="4032071312" sldId="282"/>
+            <ac:cxnSpMk id="358" creationId="{07C17CD3-3B4E-9F53-A8BD-01956E45C80D}"/>
+          </ac:cxnSpMkLst>
+        </pc:cxnChg>
+        <pc:cxnChg chg="add mod topLvl">
+          <ac:chgData name="MARTINEZ SALCEDO, JOSEPH" userId="4d2c8988-b1c0-4e9d-83be-da9944182c7d" providerId="ADAL" clId="{724F4FA1-579B-40D2-BBB1-E2251878D1A2}" dt="2024-05-06T17:47:48.046" v="2154" actId="14100"/>
+          <ac:cxnSpMkLst>
+            <pc:docMk/>
+            <pc:sldMk cId="4032071312" sldId="282"/>
+            <ac:cxnSpMk id="367" creationId="{FCC93BEA-288F-17D7-80A3-7C1D12727CA9}"/>
+          </ac:cxnSpMkLst>
+        </pc:cxnChg>
+        <pc:cxnChg chg="add mod topLvl">
+          <ac:chgData name="MARTINEZ SALCEDO, JOSEPH" userId="4d2c8988-b1c0-4e9d-83be-da9944182c7d" providerId="ADAL" clId="{724F4FA1-579B-40D2-BBB1-E2251878D1A2}" dt="2024-05-06T16:37:48.800" v="2010" actId="403"/>
+          <ac:cxnSpMkLst>
+            <pc:docMk/>
+            <pc:sldMk cId="4032071312" sldId="282"/>
+            <ac:cxnSpMk id="392" creationId="{25D888CB-5D6E-4CE1-70C0-3137E3D52742}"/>
+          </ac:cxnSpMkLst>
+        </pc:cxnChg>
+        <pc:cxnChg chg="add mod topLvl">
+          <ac:chgData name="MARTINEZ SALCEDO, JOSEPH" userId="4d2c8988-b1c0-4e9d-83be-da9944182c7d" providerId="ADAL" clId="{724F4FA1-579B-40D2-BBB1-E2251878D1A2}" dt="2024-05-06T17:45:54.182" v="2136" actId="1076"/>
+          <ac:cxnSpMkLst>
+            <pc:docMk/>
+            <pc:sldMk cId="4032071312" sldId="282"/>
+            <ac:cxnSpMk id="399" creationId="{468528A6-47D4-7F8B-8EA6-B902B8AA32B0}"/>
+          </ac:cxnSpMkLst>
+        </pc:cxnChg>
+        <pc:cxnChg chg="add del mod topLvl">
+          <ac:chgData name="MARTINEZ SALCEDO, JOSEPH" userId="4d2c8988-b1c0-4e9d-83be-da9944182c7d" providerId="ADAL" clId="{724F4FA1-579B-40D2-BBB1-E2251878D1A2}" dt="2024-05-06T17:45:17.773" v="2119" actId="14100"/>
+          <ac:cxnSpMkLst>
+            <pc:docMk/>
+            <pc:sldMk cId="4032071312" sldId="282"/>
+            <ac:cxnSpMk id="420" creationId="{1A324B87-583C-071C-44CF-4F732BDD5BF5}"/>
+          </ac:cxnSpMkLst>
+        </pc:cxnChg>
+        <pc:cxnChg chg="add del mod topLvl">
+          <ac:chgData name="MARTINEZ SALCEDO, JOSEPH" userId="4d2c8988-b1c0-4e9d-83be-da9944182c7d" providerId="ADAL" clId="{724F4FA1-579B-40D2-BBB1-E2251878D1A2}" dt="2024-05-06T16:47:43.116" v="2086" actId="478"/>
+          <ac:cxnSpMkLst>
+            <pc:docMk/>
+            <pc:sldMk cId="4032071312" sldId="282"/>
+            <ac:cxnSpMk id="432" creationId="{A02A9128-E38A-0AC1-D8D4-C665F4622E04}"/>
+          </ac:cxnSpMkLst>
+        </pc:cxnChg>
+        <pc:cxnChg chg="add mod topLvl">
+          <ac:chgData name="MARTINEZ SALCEDO, JOSEPH" userId="4d2c8988-b1c0-4e9d-83be-da9944182c7d" providerId="ADAL" clId="{724F4FA1-579B-40D2-BBB1-E2251878D1A2}" dt="2024-05-06T16:37:48.800" v="2010" actId="403"/>
+          <ac:cxnSpMkLst>
+            <pc:docMk/>
+            <pc:sldMk cId="4032071312" sldId="282"/>
+            <ac:cxnSpMk id="437" creationId="{494585E7-5FBE-4837-D788-494B50FEBF80}"/>
+          </ac:cxnSpMkLst>
+        </pc:cxnChg>
+        <pc:cxnChg chg="add mod topLvl">
+          <ac:chgData name="MARTINEZ SALCEDO, JOSEPH" userId="4d2c8988-b1c0-4e9d-83be-da9944182c7d" providerId="ADAL" clId="{724F4FA1-579B-40D2-BBB1-E2251878D1A2}" dt="2024-05-06T16:37:48.800" v="2010" actId="403"/>
+          <ac:cxnSpMkLst>
+            <pc:docMk/>
+            <pc:sldMk cId="4032071312" sldId="282"/>
+            <ac:cxnSpMk id="440" creationId="{BE76B5B5-51C0-1D73-160A-6FDDF96DBA22}"/>
+          </ac:cxnSpMkLst>
+        </pc:cxnChg>
+        <pc:cxnChg chg="add mod topLvl">
+          <ac:chgData name="MARTINEZ SALCEDO, JOSEPH" userId="4d2c8988-b1c0-4e9d-83be-da9944182c7d" providerId="ADAL" clId="{724F4FA1-579B-40D2-BBB1-E2251878D1A2}" dt="2024-05-06T17:46:43.791" v="2139" actId="14100"/>
+          <ac:cxnSpMkLst>
+            <pc:docMk/>
+            <pc:sldMk cId="4032071312" sldId="282"/>
+            <ac:cxnSpMk id="444" creationId="{BA3A9163-9531-A31F-41EE-86CE82FA6A0C}"/>
+          </ac:cxnSpMkLst>
+        </pc:cxnChg>
+        <pc:cxnChg chg="add mod topLvl">
+          <ac:chgData name="MARTINEZ SALCEDO, JOSEPH" userId="4d2c8988-b1c0-4e9d-83be-da9944182c7d" providerId="ADAL" clId="{724F4FA1-579B-40D2-BBB1-E2251878D1A2}" dt="2024-05-06T16:44:39.330" v="2065" actId="20577"/>
+          <ac:cxnSpMkLst>
+            <pc:docMk/>
+            <pc:sldMk cId="4032071312" sldId="282"/>
+            <ac:cxnSpMk id="452" creationId="{7E8752EF-9679-2FC5-3560-88A128A7A407}"/>
+          </ac:cxnSpMkLst>
+        </pc:cxnChg>
+        <pc:cxnChg chg="add mod topLvl">
+          <ac:chgData name="MARTINEZ SALCEDO, JOSEPH" userId="4d2c8988-b1c0-4e9d-83be-da9944182c7d" providerId="ADAL" clId="{724F4FA1-579B-40D2-BBB1-E2251878D1A2}" dt="2024-05-06T16:46:28.863" v="2075" actId="14100"/>
+          <ac:cxnSpMkLst>
+            <pc:docMk/>
+            <pc:sldMk cId="4032071312" sldId="282"/>
+            <ac:cxnSpMk id="455" creationId="{2D0D55A2-B402-68D9-1866-536A3344089F}"/>
+          </ac:cxnSpMkLst>
+        </pc:cxnChg>
+        <pc:cxnChg chg="add mod">
+          <ac:chgData name="MARTINEZ SALCEDO, JOSEPH" userId="4d2c8988-b1c0-4e9d-83be-da9944182c7d" providerId="ADAL" clId="{724F4FA1-579B-40D2-BBB1-E2251878D1A2}" dt="2024-05-06T17:44:29.310" v="2116" actId="14100"/>
+          <ac:cxnSpMkLst>
+            <pc:docMk/>
+            <pc:sldMk cId="4032071312" sldId="282"/>
+            <ac:cxnSpMk id="615" creationId="{FDC7ED6F-917E-CC97-5C4A-E9629DA453A8}"/>
+          </ac:cxnSpMkLst>
+        </pc:cxnChg>
+        <pc:cxnChg chg="add del mod">
+          <ac:chgData name="MARTINEZ SALCEDO, JOSEPH" userId="4d2c8988-b1c0-4e9d-83be-da9944182c7d" providerId="ADAL" clId="{724F4FA1-579B-40D2-BBB1-E2251878D1A2}" dt="2024-05-06T16:31:17.982" v="1860" actId="478"/>
+          <ac:cxnSpMkLst>
+            <pc:docMk/>
+            <pc:sldMk cId="4032071312" sldId="282"/>
+            <ac:cxnSpMk id="634" creationId="{08CE5870-F28D-E66C-45C0-A5C0D97F35DB}"/>
+          </ac:cxnSpMkLst>
+        </pc:cxnChg>
+        <pc:cxnChg chg="add mod">
+          <ac:chgData name="MARTINEZ SALCEDO, JOSEPH" userId="4d2c8988-b1c0-4e9d-83be-da9944182c7d" providerId="ADAL" clId="{724F4FA1-579B-40D2-BBB1-E2251878D1A2}" dt="2024-05-06T17:45:43.714" v="2127" actId="20577"/>
+          <ac:cxnSpMkLst>
+            <pc:docMk/>
+            <pc:sldMk cId="4032071312" sldId="282"/>
+            <ac:cxnSpMk id="635" creationId="{6294CD8F-FDB8-C54C-EA2E-3C580F8768C7}"/>
+          </ac:cxnSpMkLst>
+        </pc:cxnChg>
+        <pc:cxnChg chg="add del mod">
+          <ac:chgData name="MARTINEZ SALCEDO, JOSEPH" userId="4d2c8988-b1c0-4e9d-83be-da9944182c7d" providerId="ADAL" clId="{724F4FA1-579B-40D2-BBB1-E2251878D1A2}" dt="2024-05-06T16:32:44.341" v="1880" actId="478"/>
+          <ac:cxnSpMkLst>
+            <pc:docMk/>
+            <pc:sldMk cId="4032071312" sldId="282"/>
+            <ac:cxnSpMk id="641" creationId="{0B24F686-4BFE-7CE8-3795-2853DCF0F081}"/>
+          </ac:cxnSpMkLst>
+        </pc:cxnChg>
+        <pc:cxnChg chg="add del mod">
+          <ac:chgData name="MARTINEZ SALCEDO, JOSEPH" userId="4d2c8988-b1c0-4e9d-83be-da9944182c7d" providerId="ADAL" clId="{724F4FA1-579B-40D2-BBB1-E2251878D1A2}" dt="2024-05-06T16:46:41.548" v="2080" actId="478"/>
+          <ac:cxnSpMkLst>
+            <pc:docMk/>
+            <pc:sldMk cId="4032071312" sldId="282"/>
+            <ac:cxnSpMk id="643" creationId="{CFA042D4-D93C-67D0-EA92-D0A9DC465B07}"/>
+          </ac:cxnSpMkLst>
+        </pc:cxnChg>
+        <pc:cxnChg chg="add del mod">
+          <ac:chgData name="MARTINEZ SALCEDO, JOSEPH" userId="4d2c8988-b1c0-4e9d-83be-da9944182c7d" providerId="ADAL" clId="{724F4FA1-579B-40D2-BBB1-E2251878D1A2}" dt="2024-05-06T16:38:09.516" v="2017" actId="478"/>
+          <ac:cxnSpMkLst>
+            <pc:docMk/>
+            <pc:sldMk cId="4032071312" sldId="282"/>
+            <ac:cxnSpMk id="669" creationId="{BE7F66BE-3AFC-DD65-248F-6E70AC17E4CD}"/>
+          </ac:cxnSpMkLst>
+        </pc:cxnChg>
+        <pc:cxnChg chg="add mod">
+          <ac:chgData name="MARTINEZ SALCEDO, JOSEPH" userId="4d2c8988-b1c0-4e9d-83be-da9944182c7d" providerId="ADAL" clId="{724F4FA1-579B-40D2-BBB1-E2251878D1A2}" dt="2024-05-06T16:38:41.666" v="2030" actId="3064"/>
+          <ac:cxnSpMkLst>
+            <pc:docMk/>
+            <pc:sldMk cId="4032071312" sldId="282"/>
+            <ac:cxnSpMk id="671" creationId="{7784DF39-CF3C-5357-01E9-03758398E767}"/>
+          </ac:cxnSpMkLst>
+        </pc:cxnChg>
+        <pc:cxnChg chg="add mod">
+          <ac:chgData name="MARTINEZ SALCEDO, JOSEPH" userId="4d2c8988-b1c0-4e9d-83be-da9944182c7d" providerId="ADAL" clId="{724F4FA1-579B-40D2-BBB1-E2251878D1A2}" dt="2024-05-06T16:48:45.321" v="2092" actId="1076"/>
+          <ac:cxnSpMkLst>
+            <pc:docMk/>
+            <pc:sldMk cId="4032071312" sldId="282"/>
+            <ac:cxnSpMk id="674" creationId="{D784EBE1-7B44-3BF9-AD97-D611FC1F8ED0}"/>
+          </ac:cxnSpMkLst>
+        </pc:cxnChg>
+        <pc:cxnChg chg="add mod">
+          <ac:chgData name="MARTINEZ SALCEDO, JOSEPH" userId="4d2c8988-b1c0-4e9d-83be-da9944182c7d" providerId="ADAL" clId="{724F4FA1-579B-40D2-BBB1-E2251878D1A2}" dt="2024-05-06T16:46:39.128" v="2079" actId="14100"/>
+          <ac:cxnSpMkLst>
+            <pc:docMk/>
+            <pc:sldMk cId="4032071312" sldId="282"/>
+            <ac:cxnSpMk id="687" creationId="{031E9BEE-2002-A5B6-E456-F8D7917FC285}"/>
+          </ac:cxnSpMkLst>
+        </pc:cxnChg>
+        <pc:cxnChg chg="add del mod">
+          <ac:chgData name="MARTINEZ SALCEDO, JOSEPH" userId="4d2c8988-b1c0-4e9d-83be-da9944182c7d" providerId="ADAL" clId="{724F4FA1-579B-40D2-BBB1-E2251878D1A2}" dt="2024-05-06T17:46:15.001" v="2138" actId="478"/>
+          <ac:cxnSpMkLst>
+            <pc:docMk/>
+            <pc:sldMk cId="4032071312" sldId="282"/>
+            <ac:cxnSpMk id="690" creationId="{6F869ABC-A708-1ABA-1037-CCB99D20FE9A}"/>
+          </ac:cxnSpMkLst>
+        </pc:cxnChg>
+        <pc:cxnChg chg="add mod">
+          <ac:chgData name="MARTINEZ SALCEDO, JOSEPH" userId="4d2c8988-b1c0-4e9d-83be-da9944182c7d" providerId="ADAL" clId="{724F4FA1-579B-40D2-BBB1-E2251878D1A2}" dt="2024-05-06T17:45:36.791" v="2125" actId="1076"/>
+          <ac:cxnSpMkLst>
+            <pc:docMk/>
+            <pc:sldMk cId="4032071312" sldId="282"/>
+            <ac:cxnSpMk id="721" creationId="{42B6A1AF-32A1-D360-0E40-1AB18292D232}"/>
           </ac:cxnSpMkLst>
         </pc:cxnChg>
       </pc:sldChg>
@@ -4620,7 +5612,7 @@
           <a:p>
             <a:fld id="{30AC936D-732D-4C09-ACBC-7722506A2A2F}" type="datetimeFigureOut">
               <a:rPr lang="en-US" smtClean="0"/>
-              <a:t>5/1/2024</a:t>
+              <a:t>5/6/2024</a:t>
             </a:fld>
             <a:endParaRPr lang="en-US"/>
           </a:p>
@@ -5118,7 +6110,7 @@
           <a:p>
             <a:fld id="{1E68176F-4D92-401E-AA8C-5902A6387237}" type="datetimeFigureOut">
               <a:rPr lang="en-US" smtClean="0"/>
-              <a:t>5/1/2024</a:t>
+              <a:t>5/6/2024</a:t>
             </a:fld>
             <a:endParaRPr lang="en-US"/>
           </a:p>
@@ -5316,7 +6308,7 @@
           <a:p>
             <a:fld id="{1E68176F-4D92-401E-AA8C-5902A6387237}" type="datetimeFigureOut">
               <a:rPr lang="en-US" smtClean="0"/>
-              <a:t>5/1/2024</a:t>
+              <a:t>5/6/2024</a:t>
             </a:fld>
             <a:endParaRPr lang="en-US"/>
           </a:p>
@@ -5524,7 +6516,7 @@
           <a:p>
             <a:fld id="{1E68176F-4D92-401E-AA8C-5902A6387237}" type="datetimeFigureOut">
               <a:rPr lang="en-US" smtClean="0"/>
-              <a:t>5/1/2024</a:t>
+              <a:t>5/6/2024</a:t>
             </a:fld>
             <a:endParaRPr lang="en-US"/>
           </a:p>
@@ -5722,7 +6714,7 @@
           <a:p>
             <a:fld id="{1E68176F-4D92-401E-AA8C-5902A6387237}" type="datetimeFigureOut">
               <a:rPr lang="en-US" smtClean="0"/>
-              <a:t>5/1/2024</a:t>
+              <a:t>5/6/2024</a:t>
             </a:fld>
             <a:endParaRPr lang="en-US"/>
           </a:p>
@@ -5997,7 +6989,7 @@
           <a:p>
             <a:fld id="{1E68176F-4D92-401E-AA8C-5902A6387237}" type="datetimeFigureOut">
               <a:rPr lang="en-US" smtClean="0"/>
-              <a:t>5/1/2024</a:t>
+              <a:t>5/6/2024</a:t>
             </a:fld>
             <a:endParaRPr lang="en-US"/>
           </a:p>
@@ -6262,7 +7254,7 @@
           <a:p>
             <a:fld id="{1E68176F-4D92-401E-AA8C-5902A6387237}" type="datetimeFigureOut">
               <a:rPr lang="en-US" smtClean="0"/>
-              <a:t>5/1/2024</a:t>
+              <a:t>5/6/2024</a:t>
             </a:fld>
             <a:endParaRPr lang="en-US"/>
           </a:p>
@@ -6674,7 +7666,7 @@
           <a:p>
             <a:fld id="{1E68176F-4D92-401E-AA8C-5902A6387237}" type="datetimeFigureOut">
               <a:rPr lang="en-US" smtClean="0"/>
-              <a:t>5/1/2024</a:t>
+              <a:t>5/6/2024</a:t>
             </a:fld>
             <a:endParaRPr lang="en-US"/>
           </a:p>
@@ -6815,7 +7807,7 @@
           <a:p>
             <a:fld id="{1E68176F-4D92-401E-AA8C-5902A6387237}" type="datetimeFigureOut">
               <a:rPr lang="en-US" smtClean="0"/>
-              <a:t>5/1/2024</a:t>
+              <a:t>5/6/2024</a:t>
             </a:fld>
             <a:endParaRPr lang="en-US"/>
           </a:p>
@@ -6928,7 +7920,7 @@
           <a:p>
             <a:fld id="{1E68176F-4D92-401E-AA8C-5902A6387237}" type="datetimeFigureOut">
               <a:rPr lang="en-US" smtClean="0"/>
-              <a:t>5/1/2024</a:t>
+              <a:t>5/6/2024</a:t>
             </a:fld>
             <a:endParaRPr lang="en-US"/>
           </a:p>
@@ -7239,7 +8231,7 @@
           <a:p>
             <a:fld id="{1E68176F-4D92-401E-AA8C-5902A6387237}" type="datetimeFigureOut">
               <a:rPr lang="en-US" smtClean="0"/>
-              <a:t>5/1/2024</a:t>
+              <a:t>5/6/2024</a:t>
             </a:fld>
             <a:endParaRPr lang="en-US"/>
           </a:p>
@@ -7527,7 +8519,7 @@
           <a:p>
             <a:fld id="{1E68176F-4D92-401E-AA8C-5902A6387237}" type="datetimeFigureOut">
               <a:rPr lang="en-US" smtClean="0"/>
-              <a:t>5/1/2024</a:t>
+              <a:t>5/6/2024</a:t>
             </a:fld>
             <a:endParaRPr lang="en-US"/>
           </a:p>
@@ -7768,7 +8760,7 @@
           <a:p>
             <a:fld id="{1E68176F-4D92-401E-AA8C-5902A6387237}" type="datetimeFigureOut">
               <a:rPr lang="en-US" smtClean="0"/>
-              <a:t>5/1/2024</a:t>
+              <a:t>5/6/2024</a:t>
             </a:fld>
             <a:endParaRPr lang="en-US"/>
           </a:p>
@@ -12938,6 +13930,4014 @@
     <p:extLst>
       <p:ext uri="{BB962C8B-B14F-4D97-AF65-F5344CB8AC3E}">
         <p14:creationId xmlns:p14="http://schemas.microsoft.com/office/powerpoint/2010/main" val="4030963660"/>
+      </p:ext>
+    </p:extLst>
+  </p:cSld>
+  <p:clrMapOvr>
+    <a:masterClrMapping/>
+  </p:clrMapOvr>
+</p:sld>
+</file>
+
+<file path=ppt/slides/slide5.xml><?xml version="1.0" encoding="utf-8"?>
+<p:sld xmlns:a="http://schemas.openxmlformats.org/drawingml/2006/main" xmlns:r="http://schemas.openxmlformats.org/officeDocument/2006/relationships" xmlns:p="http://schemas.openxmlformats.org/presentationml/2006/main">
+  <p:cSld>
+    <p:spTree>
+      <p:nvGrpSpPr>
+        <p:cNvPr id="1" name=""/>
+        <p:cNvGrpSpPr/>
+        <p:nvPr/>
+      </p:nvGrpSpPr>
+      <p:grpSpPr>
+        <a:xfrm>
+          <a:off x="0" y="0"/>
+          <a:ext cx="0" cy="0"/>
+          <a:chOff x="0" y="0"/>
+          <a:chExt cx="0" cy="0"/>
+        </a:xfrm>
+      </p:grpSpPr>
+      <p:sp>
+        <p:nvSpPr>
+          <p:cNvPr id="657" name="Rectangle 656">
+            <a:extLst>
+              <a:ext uri="{FF2B5EF4-FFF2-40B4-BE49-F238E27FC236}">
+                <a16:creationId xmlns:a16="http://schemas.microsoft.com/office/drawing/2014/main" id="{F6AC6389-E43C-377F-91E2-A202EE314B34}"/>
+              </a:ext>
+            </a:extLst>
+          </p:cNvPr>
+          <p:cNvSpPr/>
+          <p:nvPr/>
+        </p:nvSpPr>
+        <p:spPr>
+          <a:xfrm>
+            <a:off x="7247637" y="655320"/>
+            <a:ext cx="2161230" cy="4563675"/>
+          </a:xfrm>
+          <a:prstGeom prst="rect">
+            <a:avLst/>
+          </a:prstGeom>
+          <a:solidFill>
+            <a:schemeClr val="bg1">
+              <a:lumMod val="95000"/>
+            </a:schemeClr>
+          </a:solidFill>
+          <a:ln>
+            <a:noFill/>
+          </a:ln>
+        </p:spPr>
+        <p:style>
+          <a:lnRef idx="2">
+            <a:schemeClr val="accent1">
+              <a:shade val="15000"/>
+            </a:schemeClr>
+          </a:lnRef>
+          <a:fillRef idx="1">
+            <a:schemeClr val="accent1"/>
+          </a:fillRef>
+          <a:effectRef idx="0">
+            <a:schemeClr val="accent1"/>
+          </a:effectRef>
+          <a:fontRef idx="minor">
+            <a:schemeClr val="lt1"/>
+          </a:fontRef>
+        </p:style>
+        <p:txBody>
+          <a:bodyPr rtlCol="0" anchor="t"/>
+          <a:lstStyle/>
+          <a:p>
+            <a:pPr algn="ctr"/>
+            <a:r>
+              <a:rPr lang="en-US" sz="1600" dirty="0">
+                <a:solidFill>
+                  <a:sysClr val="windowText" lastClr="000000"/>
+                </a:solidFill>
+                <a:latin typeface="Aptos SemiBold" panose="020B0004020202020204" pitchFamily="34" charset="0"/>
+              </a:rPr>
+              <a:t>4) Analysis</a:t>
+            </a:r>
+          </a:p>
+        </p:txBody>
+      </p:sp>
+      <p:sp>
+        <p:nvSpPr>
+          <p:cNvPr id="656" name="Rectangle 655">
+            <a:extLst>
+              <a:ext uri="{FF2B5EF4-FFF2-40B4-BE49-F238E27FC236}">
+                <a16:creationId xmlns:a16="http://schemas.microsoft.com/office/drawing/2014/main" id="{55C49A56-F797-857D-DD2B-FAE762AF3EE0}"/>
+              </a:ext>
+            </a:extLst>
+          </p:cNvPr>
+          <p:cNvSpPr/>
+          <p:nvPr/>
+        </p:nvSpPr>
+        <p:spPr>
+          <a:xfrm>
+            <a:off x="5301063" y="655320"/>
+            <a:ext cx="1949955" cy="4563675"/>
+          </a:xfrm>
+          <a:prstGeom prst="rect">
+            <a:avLst/>
+          </a:prstGeom>
+          <a:solidFill>
+            <a:schemeClr val="bg1">
+              <a:lumMod val="85000"/>
+            </a:schemeClr>
+          </a:solidFill>
+          <a:ln>
+            <a:noFill/>
+          </a:ln>
+        </p:spPr>
+        <p:style>
+          <a:lnRef idx="2">
+            <a:schemeClr val="accent1">
+              <a:shade val="15000"/>
+            </a:schemeClr>
+          </a:lnRef>
+          <a:fillRef idx="1">
+            <a:schemeClr val="accent1"/>
+          </a:fillRef>
+          <a:effectRef idx="0">
+            <a:schemeClr val="accent1"/>
+          </a:effectRef>
+          <a:fontRef idx="minor">
+            <a:schemeClr val="lt1"/>
+          </a:fontRef>
+        </p:style>
+        <p:txBody>
+          <a:bodyPr rtlCol="0" anchor="t"/>
+          <a:lstStyle/>
+          <a:p>
+            <a:pPr algn="ctr"/>
+            <a:r>
+              <a:rPr lang="en-US" sz="1600" dirty="0">
+                <a:solidFill>
+                  <a:sysClr val="windowText" lastClr="000000"/>
+                </a:solidFill>
+                <a:latin typeface="Aptos SemiBold" panose="020B0004020202020204" pitchFamily="34" charset="0"/>
+              </a:rPr>
+              <a:t>3) Validation</a:t>
+            </a:r>
+          </a:p>
+        </p:txBody>
+      </p:sp>
+      <p:sp>
+        <p:nvSpPr>
+          <p:cNvPr id="655" name="Rectangle 654">
+            <a:extLst>
+              <a:ext uri="{FF2B5EF4-FFF2-40B4-BE49-F238E27FC236}">
+                <a16:creationId xmlns:a16="http://schemas.microsoft.com/office/drawing/2014/main" id="{81082ACB-3132-74FA-7038-8825AB458083}"/>
+              </a:ext>
+            </a:extLst>
+          </p:cNvPr>
+          <p:cNvSpPr/>
+          <p:nvPr/>
+        </p:nvSpPr>
+        <p:spPr>
+          <a:xfrm>
+            <a:off x="3236230" y="655320"/>
+            <a:ext cx="2075638" cy="4563675"/>
+          </a:xfrm>
+          <a:prstGeom prst="rect">
+            <a:avLst/>
+          </a:prstGeom>
+          <a:solidFill>
+            <a:schemeClr val="bg1">
+              <a:lumMod val="95000"/>
+            </a:schemeClr>
+          </a:solidFill>
+          <a:ln>
+            <a:noFill/>
+          </a:ln>
+        </p:spPr>
+        <p:style>
+          <a:lnRef idx="2">
+            <a:schemeClr val="accent1">
+              <a:shade val="15000"/>
+            </a:schemeClr>
+          </a:lnRef>
+          <a:fillRef idx="1">
+            <a:schemeClr val="accent1"/>
+          </a:fillRef>
+          <a:effectRef idx="0">
+            <a:schemeClr val="accent1"/>
+          </a:effectRef>
+          <a:fontRef idx="minor">
+            <a:schemeClr val="lt1"/>
+          </a:fontRef>
+        </p:style>
+        <p:txBody>
+          <a:bodyPr rtlCol="0" anchor="t"/>
+          <a:lstStyle/>
+          <a:p>
+            <a:pPr algn="ctr"/>
+            <a:r>
+              <a:rPr lang="en-US" sz="1600" dirty="0">
+                <a:solidFill>
+                  <a:sysClr val="windowText" lastClr="000000"/>
+                </a:solidFill>
+                <a:latin typeface="Aptos SemiBold" panose="020B0004020202020204" pitchFamily="34" charset="0"/>
+              </a:rPr>
+              <a:t>2) Geo-localization</a:t>
+            </a:r>
+          </a:p>
+        </p:txBody>
+      </p:sp>
+      <p:sp>
+        <p:nvSpPr>
+          <p:cNvPr id="654" name="Rectangle 653">
+            <a:extLst>
+              <a:ext uri="{FF2B5EF4-FFF2-40B4-BE49-F238E27FC236}">
+                <a16:creationId xmlns:a16="http://schemas.microsoft.com/office/drawing/2014/main" id="{9293A2D7-41D8-8A9D-B55B-26EE00EC3D0A}"/>
+              </a:ext>
+            </a:extLst>
+          </p:cNvPr>
+          <p:cNvSpPr/>
+          <p:nvPr/>
+        </p:nvSpPr>
+        <p:spPr>
+          <a:xfrm>
+            <a:off x="1188720" y="655320"/>
+            <a:ext cx="2051590" cy="4563675"/>
+          </a:xfrm>
+          <a:prstGeom prst="rect">
+            <a:avLst/>
+          </a:prstGeom>
+          <a:solidFill>
+            <a:schemeClr val="bg1">
+              <a:lumMod val="85000"/>
+            </a:schemeClr>
+          </a:solidFill>
+          <a:ln>
+            <a:noFill/>
+          </a:ln>
+        </p:spPr>
+        <p:style>
+          <a:lnRef idx="2">
+            <a:schemeClr val="accent1">
+              <a:shade val="15000"/>
+            </a:schemeClr>
+          </a:lnRef>
+          <a:fillRef idx="1">
+            <a:schemeClr val="accent1"/>
+          </a:fillRef>
+          <a:effectRef idx="0">
+            <a:schemeClr val="accent1"/>
+          </a:effectRef>
+          <a:fontRef idx="minor">
+            <a:schemeClr val="lt1"/>
+          </a:fontRef>
+        </p:style>
+        <p:txBody>
+          <a:bodyPr rtlCol="0" anchor="t"/>
+          <a:lstStyle/>
+          <a:p>
+            <a:pPr algn="ctr"/>
+            <a:r>
+              <a:rPr lang="en-US" sz="1600" dirty="0">
+                <a:solidFill>
+                  <a:sysClr val="windowText" lastClr="000000"/>
+                </a:solidFill>
+                <a:latin typeface="Aptos SemiBold" panose="020B0004020202020204" pitchFamily="34" charset="0"/>
+              </a:rPr>
+              <a:t>1) Data extraction and preprocessing</a:t>
+            </a:r>
+          </a:p>
+        </p:txBody>
+      </p:sp>
+      <p:sp>
+        <p:nvSpPr>
+          <p:cNvPr id="13" name="Rectangle 12">
+            <a:extLst>
+              <a:ext uri="{FF2B5EF4-FFF2-40B4-BE49-F238E27FC236}">
+                <a16:creationId xmlns:a16="http://schemas.microsoft.com/office/drawing/2014/main" id="{59868F44-C9CF-C796-2114-EDC4C9D005AD}"/>
+              </a:ext>
+            </a:extLst>
+          </p:cNvPr>
+          <p:cNvSpPr/>
+          <p:nvPr/>
+        </p:nvSpPr>
+        <p:spPr>
+          <a:xfrm>
+            <a:off x="4201739" y="2108380"/>
+            <a:ext cx="764607" cy="605226"/>
+          </a:xfrm>
+          <a:prstGeom prst="rect">
+            <a:avLst/>
+          </a:prstGeom>
+          <a:solidFill>
+            <a:schemeClr val="accent3"/>
+          </a:solidFill>
+          <a:ln w="9525">
+            <a:noFill/>
+          </a:ln>
+        </p:spPr>
+        <p:style>
+          <a:lnRef idx="3">
+            <a:schemeClr val="lt1"/>
+          </a:lnRef>
+          <a:fillRef idx="1">
+            <a:schemeClr val="accent5"/>
+          </a:fillRef>
+          <a:effectRef idx="1">
+            <a:schemeClr val="accent5"/>
+          </a:effectRef>
+          <a:fontRef idx="minor">
+            <a:schemeClr val="lt1"/>
+          </a:fontRef>
+        </p:style>
+        <p:txBody>
+          <a:bodyPr rtlCol="0" anchor="ctr"/>
+          <a:lstStyle/>
+          <a:p>
+            <a:r>
+              <a:rPr lang="en-US" sz="700" dirty="0">
+                <a:solidFill>
+                  <a:sysClr val="windowText" lastClr="000000"/>
+                </a:solidFill>
+                <a:latin typeface="Aptos" panose="020B0004020202020204" pitchFamily="34" charset="0"/>
+              </a:rPr>
+              <a:t>API Geolocated</a:t>
+            </a:r>
+          </a:p>
+          <a:p>
+            <a:r>
+              <a:rPr lang="en-US" sz="700" dirty="0">
+                <a:solidFill>
+                  <a:sysClr val="windowText" lastClr="000000"/>
+                </a:solidFill>
+                <a:latin typeface="Aptos" panose="020B0004020202020204" pitchFamily="34" charset="0"/>
+              </a:rPr>
+              <a:t>outside Colombia</a:t>
+            </a:r>
+          </a:p>
+          <a:p>
+            <a:r>
+              <a:rPr lang="en-US" sz="700" dirty="0">
+                <a:solidFill>
+                  <a:sysClr val="windowText" lastClr="000000"/>
+                </a:solidFill>
+                <a:latin typeface="Aptos" panose="020B0004020202020204" pitchFamily="34" charset="0"/>
+              </a:rPr>
+              <a:t>2M</a:t>
+            </a:r>
+          </a:p>
+        </p:txBody>
+      </p:sp>
+      <p:sp>
+        <p:nvSpPr>
+          <p:cNvPr id="2" name="Rectangle 1">
+            <a:extLst>
+              <a:ext uri="{FF2B5EF4-FFF2-40B4-BE49-F238E27FC236}">
+                <a16:creationId xmlns:a16="http://schemas.microsoft.com/office/drawing/2014/main" id="{25B1FB8E-4A19-B150-1098-9848C192B246}"/>
+              </a:ext>
+            </a:extLst>
+          </p:cNvPr>
+          <p:cNvSpPr/>
+          <p:nvPr/>
+        </p:nvSpPr>
+        <p:spPr>
+          <a:xfrm>
+            <a:off x="1267462" y="2730124"/>
+            <a:ext cx="764607" cy="630942"/>
+          </a:xfrm>
+          <a:prstGeom prst="rect">
+            <a:avLst/>
+          </a:prstGeom>
+          <a:solidFill>
+            <a:schemeClr val="bg1"/>
+          </a:solidFill>
+          <a:ln w="9525">
+            <a:noFill/>
+          </a:ln>
+        </p:spPr>
+        <p:style>
+          <a:lnRef idx="3">
+            <a:schemeClr val="lt1"/>
+          </a:lnRef>
+          <a:fillRef idx="1">
+            <a:schemeClr val="accent5"/>
+          </a:fillRef>
+          <a:effectRef idx="1">
+            <a:schemeClr val="accent5"/>
+          </a:effectRef>
+          <a:fontRef idx="minor">
+            <a:schemeClr val="lt1"/>
+          </a:fontRef>
+        </p:style>
+        <p:txBody>
+          <a:bodyPr rtlCol="0" anchor="ctr">
+            <a:spAutoFit/>
+          </a:bodyPr>
+          <a:lstStyle/>
+          <a:p>
+            <a:pPr algn="ctr"/>
+            <a:r>
+              <a:rPr lang="en-US" sz="700" dirty="0">
+                <a:solidFill>
+                  <a:sysClr val="windowText" lastClr="000000"/>
+                </a:solidFill>
+                <a:latin typeface="Aptos" panose="020B0004020202020204" pitchFamily="34" charset="0"/>
+              </a:rPr>
+              <a:t>Extracted tweets</a:t>
+            </a:r>
+          </a:p>
+          <a:p>
+            <a:pPr algn="ctr"/>
+            <a:r>
+              <a:rPr lang="en-US" sz="700" dirty="0">
+                <a:solidFill>
+                  <a:sysClr val="windowText" lastClr="000000"/>
+                </a:solidFill>
+                <a:latin typeface="Aptos" panose="020B0004020202020204" pitchFamily="34" charset="0"/>
+              </a:rPr>
+              <a:t>7.4M</a:t>
+            </a:r>
+          </a:p>
+          <a:p>
+            <a:pPr algn="ctr"/>
+            <a:r>
+              <a:rPr lang="en-US" sz="700" dirty="0">
+                <a:solidFill>
+                  <a:sysClr val="windowText" lastClr="000000"/>
+                </a:solidFill>
+                <a:latin typeface="Aptos" panose="020B0004020202020204" pitchFamily="34" charset="0"/>
+              </a:rPr>
+              <a:t>1/2014 - 6/2022</a:t>
+            </a:r>
+          </a:p>
+        </p:txBody>
+      </p:sp>
+      <p:sp>
+        <p:nvSpPr>
+          <p:cNvPr id="3" name="Rectangle 2">
+            <a:extLst>
+              <a:ext uri="{FF2B5EF4-FFF2-40B4-BE49-F238E27FC236}">
+                <a16:creationId xmlns:a16="http://schemas.microsoft.com/office/drawing/2014/main" id="{61E2C978-8279-80BF-3EC6-3764E43F8EF9}"/>
+              </a:ext>
+            </a:extLst>
+          </p:cNvPr>
+          <p:cNvSpPr/>
+          <p:nvPr/>
+        </p:nvSpPr>
+        <p:spPr>
+          <a:xfrm>
+            <a:off x="2340377" y="1796647"/>
+            <a:ext cx="764607" cy="523220"/>
+          </a:xfrm>
+          <a:prstGeom prst="rect">
+            <a:avLst/>
+          </a:prstGeom>
+          <a:solidFill>
+            <a:schemeClr val="bg1"/>
+          </a:solidFill>
+          <a:ln w="9525">
+            <a:noFill/>
+          </a:ln>
+        </p:spPr>
+        <p:style>
+          <a:lnRef idx="3">
+            <a:schemeClr val="lt1"/>
+          </a:lnRef>
+          <a:fillRef idx="1">
+            <a:schemeClr val="accent5"/>
+          </a:fillRef>
+          <a:effectRef idx="1">
+            <a:schemeClr val="accent5"/>
+          </a:effectRef>
+          <a:fontRef idx="minor">
+            <a:schemeClr val="lt1"/>
+          </a:fontRef>
+        </p:style>
+        <p:txBody>
+          <a:bodyPr rtlCol="0" anchor="ctr">
+            <a:spAutoFit/>
+          </a:bodyPr>
+          <a:lstStyle/>
+          <a:p>
+            <a:pPr algn="ctr"/>
+            <a:r>
+              <a:rPr lang="en-US" sz="700" dirty="0">
+                <a:solidFill>
+                  <a:sysClr val="windowText" lastClr="000000"/>
+                </a:solidFill>
+                <a:latin typeface="Aptos" panose="020B0004020202020204" pitchFamily="34" charset="0"/>
+              </a:rPr>
+              <a:t>Tweets with Geolocation activated</a:t>
+            </a:r>
+          </a:p>
+          <a:p>
+            <a:pPr algn="ctr"/>
+            <a:r>
+              <a:rPr lang="en-US" sz="700" dirty="0">
+                <a:solidFill>
+                  <a:sysClr val="windowText" lastClr="000000"/>
+                </a:solidFill>
+                <a:latin typeface="Aptos" panose="020B0004020202020204" pitchFamily="34" charset="0"/>
+              </a:rPr>
+              <a:t>2.35M</a:t>
+            </a:r>
+          </a:p>
+        </p:txBody>
+      </p:sp>
+      <p:sp>
+        <p:nvSpPr>
+          <p:cNvPr id="4" name="Rectangle 3">
+            <a:extLst>
+              <a:ext uri="{FF2B5EF4-FFF2-40B4-BE49-F238E27FC236}">
+                <a16:creationId xmlns:a16="http://schemas.microsoft.com/office/drawing/2014/main" id="{B54371BA-9FBF-60F8-9FC9-042359EF6D1C}"/>
+              </a:ext>
+            </a:extLst>
+          </p:cNvPr>
+          <p:cNvSpPr/>
+          <p:nvPr/>
+        </p:nvSpPr>
+        <p:spPr>
+          <a:xfrm>
+            <a:off x="2331424" y="3514624"/>
+            <a:ext cx="764607" cy="523220"/>
+          </a:xfrm>
+          <a:prstGeom prst="rect">
+            <a:avLst/>
+          </a:prstGeom>
+          <a:solidFill>
+            <a:schemeClr val="bg1"/>
+          </a:solidFill>
+          <a:ln w="9525">
+            <a:noFill/>
+          </a:ln>
+        </p:spPr>
+        <p:style>
+          <a:lnRef idx="3">
+            <a:schemeClr val="lt1"/>
+          </a:lnRef>
+          <a:fillRef idx="1">
+            <a:schemeClr val="accent5"/>
+          </a:fillRef>
+          <a:effectRef idx="1">
+            <a:schemeClr val="accent5"/>
+          </a:effectRef>
+          <a:fontRef idx="minor">
+            <a:schemeClr val="lt1"/>
+          </a:fontRef>
+        </p:style>
+        <p:txBody>
+          <a:bodyPr rtlCol="0" anchor="ctr">
+            <a:spAutoFit/>
+          </a:bodyPr>
+          <a:lstStyle/>
+          <a:p>
+            <a:pPr algn="ctr"/>
+            <a:r>
+              <a:rPr lang="en-US" sz="700" dirty="0">
+                <a:solidFill>
+                  <a:sysClr val="windowText" lastClr="000000"/>
+                </a:solidFill>
+                <a:latin typeface="Aptos" panose="020B0004020202020204" pitchFamily="34" charset="0"/>
+              </a:rPr>
+              <a:t>Tweets with Geolocation deactivated</a:t>
+            </a:r>
+          </a:p>
+          <a:p>
+            <a:pPr algn="ctr"/>
+            <a:r>
+              <a:rPr lang="en-US" sz="700" dirty="0">
+                <a:solidFill>
+                  <a:sysClr val="windowText" lastClr="000000"/>
+                </a:solidFill>
+                <a:latin typeface="Aptos" panose="020B0004020202020204" pitchFamily="34" charset="0"/>
+              </a:rPr>
+              <a:t>5.1M</a:t>
+            </a:r>
+          </a:p>
+        </p:txBody>
+      </p:sp>
+      <p:sp>
+        <p:nvSpPr>
+          <p:cNvPr id="12" name="Rectangle 11">
+            <a:extLst>
+              <a:ext uri="{FF2B5EF4-FFF2-40B4-BE49-F238E27FC236}">
+                <a16:creationId xmlns:a16="http://schemas.microsoft.com/office/drawing/2014/main" id="{D0238C52-382F-3883-C447-F007D0DD083D}"/>
+              </a:ext>
+            </a:extLst>
+          </p:cNvPr>
+          <p:cNvSpPr/>
+          <p:nvPr/>
+        </p:nvSpPr>
+        <p:spPr>
+          <a:xfrm>
+            <a:off x="4197872" y="1342675"/>
+            <a:ext cx="764607" cy="592659"/>
+          </a:xfrm>
+          <a:prstGeom prst="rect">
+            <a:avLst/>
+          </a:prstGeom>
+          <a:solidFill>
+            <a:schemeClr val="accent4"/>
+          </a:solidFill>
+          <a:ln w="9525">
+            <a:noFill/>
+          </a:ln>
+        </p:spPr>
+        <p:style>
+          <a:lnRef idx="3">
+            <a:schemeClr val="lt1"/>
+          </a:lnRef>
+          <a:fillRef idx="1">
+            <a:schemeClr val="accent5"/>
+          </a:fillRef>
+          <a:effectRef idx="1">
+            <a:schemeClr val="accent5"/>
+          </a:effectRef>
+          <a:fontRef idx="minor">
+            <a:schemeClr val="lt1"/>
+          </a:fontRef>
+        </p:style>
+        <p:txBody>
+          <a:bodyPr rtlCol="0" anchor="ctr"/>
+          <a:lstStyle/>
+          <a:p>
+            <a:r>
+              <a:rPr lang="en-US" sz="700" dirty="0">
+                <a:solidFill>
+                  <a:sysClr val="windowText" lastClr="000000"/>
+                </a:solidFill>
+                <a:latin typeface="Aptos" panose="020B0004020202020204" pitchFamily="34" charset="0"/>
+              </a:rPr>
+              <a:t>API Geolocated from Colombia</a:t>
+            </a:r>
+          </a:p>
+          <a:p>
+            <a:pPr algn="ctr"/>
+            <a:r>
+              <a:rPr lang="en-US" sz="700" dirty="0">
+                <a:solidFill>
+                  <a:sysClr val="windowText" lastClr="000000"/>
+                </a:solidFill>
+                <a:latin typeface="Aptos" panose="020B0004020202020204" pitchFamily="34" charset="0"/>
+              </a:rPr>
+              <a:t>350K</a:t>
+            </a:r>
+          </a:p>
+        </p:txBody>
+      </p:sp>
+      <p:cxnSp>
+        <p:nvCxnSpPr>
+          <p:cNvPr id="39" name="Straight Arrow Connector 38">
+            <a:extLst>
+              <a:ext uri="{FF2B5EF4-FFF2-40B4-BE49-F238E27FC236}">
+                <a16:creationId xmlns:a16="http://schemas.microsoft.com/office/drawing/2014/main" id="{2533656A-C979-B64C-5512-07330ABB719A}"/>
+              </a:ext>
+            </a:extLst>
+          </p:cNvPr>
+          <p:cNvCxnSpPr>
+            <a:cxnSpLocks/>
+            <a:stCxn id="3" idx="3"/>
+            <a:endCxn id="85" idx="1"/>
+          </p:cNvCxnSpPr>
+          <p:nvPr/>
+        </p:nvCxnSpPr>
+        <p:spPr>
+          <a:xfrm>
+            <a:off x="3104984" y="2058257"/>
+            <a:ext cx="139370" cy="1"/>
+          </a:xfrm>
+          <a:prstGeom prst="straightConnector1">
+            <a:avLst/>
+          </a:prstGeom>
+          <a:ln w="9525" cap="sq" cmpd="sng">
+            <a:solidFill>
+              <a:schemeClr val="tx1"/>
+            </a:solidFill>
+            <a:miter lim="800000"/>
+            <a:headEnd w="lg" len="lg"/>
+            <a:tailEnd type="none"/>
+          </a:ln>
+        </p:spPr>
+        <p:style>
+          <a:lnRef idx="3">
+            <a:schemeClr val="accent3"/>
+          </a:lnRef>
+          <a:fillRef idx="0">
+            <a:schemeClr val="accent3"/>
+          </a:fillRef>
+          <a:effectRef idx="2">
+            <a:schemeClr val="accent3"/>
+          </a:effectRef>
+          <a:fontRef idx="minor">
+            <a:schemeClr val="tx1"/>
+          </a:fontRef>
+        </p:style>
+      </p:cxnSp>
+      <p:cxnSp>
+        <p:nvCxnSpPr>
+          <p:cNvPr id="48" name="Connector: Elbow 47">
+            <a:extLst>
+              <a:ext uri="{FF2B5EF4-FFF2-40B4-BE49-F238E27FC236}">
+                <a16:creationId xmlns:a16="http://schemas.microsoft.com/office/drawing/2014/main" id="{E0196D8B-1F01-1ABC-A247-1F12CB1F1467}"/>
+              </a:ext>
+            </a:extLst>
+          </p:cNvPr>
+          <p:cNvCxnSpPr>
+            <a:cxnSpLocks/>
+            <a:stCxn id="85" idx="3"/>
+            <a:endCxn id="13" idx="1"/>
+          </p:cNvCxnSpPr>
+          <p:nvPr/>
+        </p:nvCxnSpPr>
+        <p:spPr>
+          <a:xfrm>
+            <a:off x="3892060" y="2058258"/>
+            <a:ext cx="309679" cy="352735"/>
+          </a:xfrm>
+          <a:prstGeom prst="bentConnector3">
+            <a:avLst>
+              <a:gd name="adj1" fmla="val 50000"/>
+            </a:avLst>
+          </a:prstGeom>
+          <a:ln w="9525" cap="sq" cmpd="sng">
+            <a:solidFill>
+              <a:schemeClr val="tx1"/>
+            </a:solidFill>
+            <a:miter lim="800000"/>
+            <a:headEnd w="lg" len="lg"/>
+            <a:tailEnd type="triangle"/>
+          </a:ln>
+        </p:spPr>
+        <p:style>
+          <a:lnRef idx="3">
+            <a:schemeClr val="accent3"/>
+          </a:lnRef>
+          <a:fillRef idx="0">
+            <a:schemeClr val="accent3"/>
+          </a:fillRef>
+          <a:effectRef idx="2">
+            <a:schemeClr val="accent3"/>
+          </a:effectRef>
+          <a:fontRef idx="minor">
+            <a:schemeClr val="tx1"/>
+          </a:fontRef>
+        </p:style>
+      </p:cxnSp>
+      <p:cxnSp>
+        <p:nvCxnSpPr>
+          <p:cNvPr id="51" name="Connector: Elbow 50">
+            <a:extLst>
+              <a:ext uri="{FF2B5EF4-FFF2-40B4-BE49-F238E27FC236}">
+                <a16:creationId xmlns:a16="http://schemas.microsoft.com/office/drawing/2014/main" id="{95303CC2-F3B7-042E-DD6B-3F38CACF09E2}"/>
+              </a:ext>
+            </a:extLst>
+          </p:cNvPr>
+          <p:cNvCxnSpPr>
+            <a:cxnSpLocks/>
+            <a:stCxn id="85" idx="3"/>
+            <a:endCxn id="12" idx="1"/>
+          </p:cNvCxnSpPr>
+          <p:nvPr/>
+        </p:nvCxnSpPr>
+        <p:spPr>
+          <a:xfrm flipV="1">
+            <a:off x="3892060" y="1639005"/>
+            <a:ext cx="305812" cy="419253"/>
+          </a:xfrm>
+          <a:prstGeom prst="bentConnector3">
+            <a:avLst>
+              <a:gd name="adj1" fmla="val 50000"/>
+            </a:avLst>
+          </a:prstGeom>
+          <a:ln w="9525" cap="sq" cmpd="sng">
+            <a:solidFill>
+              <a:schemeClr val="tx1"/>
+            </a:solidFill>
+            <a:miter lim="800000"/>
+            <a:headEnd w="lg" len="lg"/>
+            <a:tailEnd type="triangle"/>
+          </a:ln>
+        </p:spPr>
+        <p:style>
+          <a:lnRef idx="3">
+            <a:schemeClr val="accent3"/>
+          </a:lnRef>
+          <a:fillRef idx="0">
+            <a:schemeClr val="accent3"/>
+          </a:fillRef>
+          <a:effectRef idx="2">
+            <a:schemeClr val="accent3"/>
+          </a:effectRef>
+          <a:fontRef idx="minor">
+            <a:schemeClr val="tx1"/>
+          </a:fontRef>
+        </p:style>
+      </p:cxnSp>
+      <p:sp>
+        <p:nvSpPr>
+          <p:cNvPr id="85" name="Rectangle 84">
+            <a:extLst>
+              <a:ext uri="{FF2B5EF4-FFF2-40B4-BE49-F238E27FC236}">
+                <a16:creationId xmlns:a16="http://schemas.microsoft.com/office/drawing/2014/main" id="{5642B847-6F0E-3D48-C995-D56EAA913BC6}"/>
+              </a:ext>
+            </a:extLst>
+          </p:cNvPr>
+          <p:cNvSpPr/>
+          <p:nvPr/>
+        </p:nvSpPr>
+        <p:spPr>
+          <a:xfrm>
+            <a:off x="3244354" y="1950536"/>
+            <a:ext cx="647706" cy="215444"/>
+          </a:xfrm>
+          <a:prstGeom prst="rect">
+            <a:avLst/>
+          </a:prstGeom>
+          <a:noFill/>
+          <a:ln w="9525">
+            <a:noFill/>
+          </a:ln>
+        </p:spPr>
+        <p:style>
+          <a:lnRef idx="3">
+            <a:schemeClr val="lt1"/>
+          </a:lnRef>
+          <a:fillRef idx="1">
+            <a:schemeClr val="accent5"/>
+          </a:fillRef>
+          <a:effectRef idx="1">
+            <a:schemeClr val="accent5"/>
+          </a:effectRef>
+          <a:fontRef idx="minor">
+            <a:schemeClr val="lt1"/>
+          </a:fontRef>
+        </p:style>
+        <p:txBody>
+          <a:bodyPr wrap="square" lIns="0" tIns="0" rIns="0" bIns="0" rtlCol="0" anchor="ctr">
+            <a:spAutoFit/>
+          </a:bodyPr>
+          <a:lstStyle/>
+          <a:p>
+            <a:pPr algn="ctr"/>
+            <a:r>
+              <a:rPr lang="en-US" sz="700" dirty="0">
+                <a:solidFill>
+                  <a:sysClr val="windowText" lastClr="000000"/>
+                </a:solidFill>
+                <a:latin typeface="Aptos" panose="020B0004020202020204" pitchFamily="34" charset="0"/>
+              </a:rPr>
+              <a:t>Geo-localization</a:t>
+            </a:r>
+          </a:p>
+          <a:p>
+            <a:pPr algn="ctr"/>
+            <a:r>
+              <a:rPr lang="en-US" sz="700" dirty="0">
+                <a:solidFill>
+                  <a:sysClr val="windowText" lastClr="000000"/>
+                </a:solidFill>
+                <a:latin typeface="Aptos" panose="020B0004020202020204" pitchFamily="34" charset="0"/>
+              </a:rPr>
+              <a:t>Nominatim API</a:t>
+            </a:r>
+          </a:p>
+        </p:txBody>
+      </p:sp>
+      <p:cxnSp>
+        <p:nvCxnSpPr>
+          <p:cNvPr id="86" name="Connector: Elbow 85">
+            <a:extLst>
+              <a:ext uri="{FF2B5EF4-FFF2-40B4-BE49-F238E27FC236}">
+                <a16:creationId xmlns:a16="http://schemas.microsoft.com/office/drawing/2014/main" id="{4639A8DC-289C-01AD-1A82-4A0555F6B5DC}"/>
+              </a:ext>
+            </a:extLst>
+          </p:cNvPr>
+          <p:cNvCxnSpPr>
+            <a:cxnSpLocks/>
+            <a:stCxn id="12" idx="3"/>
+            <a:endCxn id="84" idx="1"/>
+          </p:cNvCxnSpPr>
+          <p:nvPr/>
+        </p:nvCxnSpPr>
+        <p:spPr>
+          <a:xfrm flipV="1">
+            <a:off x="4962479" y="1539567"/>
+            <a:ext cx="571268" cy="99438"/>
+          </a:xfrm>
+          <a:prstGeom prst="bentConnector3">
+            <a:avLst>
+              <a:gd name="adj1" fmla="val 50000"/>
+            </a:avLst>
+          </a:prstGeom>
+          <a:ln w="9525" cap="sq" cmpd="sng">
+            <a:solidFill>
+              <a:schemeClr val="tx1"/>
+            </a:solidFill>
+            <a:miter lim="800000"/>
+            <a:headEnd w="lg" len="lg"/>
+            <a:tailEnd type="none"/>
+          </a:ln>
+        </p:spPr>
+        <p:style>
+          <a:lnRef idx="3">
+            <a:schemeClr val="accent3"/>
+          </a:lnRef>
+          <a:fillRef idx="0">
+            <a:schemeClr val="accent3"/>
+          </a:fillRef>
+          <a:effectRef idx="2">
+            <a:schemeClr val="accent3"/>
+          </a:effectRef>
+          <a:fontRef idx="minor">
+            <a:schemeClr val="tx1"/>
+          </a:fontRef>
+        </p:style>
+      </p:cxnSp>
+      <p:cxnSp>
+        <p:nvCxnSpPr>
+          <p:cNvPr id="89" name="Connector: Elbow 88">
+            <a:extLst>
+              <a:ext uri="{FF2B5EF4-FFF2-40B4-BE49-F238E27FC236}">
+                <a16:creationId xmlns:a16="http://schemas.microsoft.com/office/drawing/2014/main" id="{5F895202-1CAC-EF48-7C1B-52E0E67FFD7C}"/>
+              </a:ext>
+            </a:extLst>
+          </p:cNvPr>
+          <p:cNvCxnSpPr>
+            <a:cxnSpLocks/>
+            <a:stCxn id="13" idx="3"/>
+            <a:endCxn id="112" idx="3"/>
+          </p:cNvCxnSpPr>
+          <p:nvPr/>
+        </p:nvCxnSpPr>
+        <p:spPr>
+          <a:xfrm flipH="1">
+            <a:off x="4578918" y="2410993"/>
+            <a:ext cx="387428" cy="655213"/>
+          </a:xfrm>
+          <a:prstGeom prst="bentConnector3">
+            <a:avLst>
+              <a:gd name="adj1" fmla="val -59005"/>
+            </a:avLst>
+          </a:prstGeom>
+          <a:ln w="9525" cap="sq" cmpd="sng">
+            <a:solidFill>
+              <a:schemeClr val="tx1"/>
+            </a:solidFill>
+            <a:miter lim="800000"/>
+            <a:headEnd w="lg" len="lg"/>
+            <a:tailEnd type="none"/>
+          </a:ln>
+        </p:spPr>
+        <p:style>
+          <a:lnRef idx="3">
+            <a:schemeClr val="accent3"/>
+          </a:lnRef>
+          <a:fillRef idx="0">
+            <a:schemeClr val="accent3"/>
+          </a:fillRef>
+          <a:effectRef idx="2">
+            <a:schemeClr val="accent3"/>
+          </a:effectRef>
+          <a:fontRef idx="minor">
+            <a:schemeClr val="tx1"/>
+          </a:fontRef>
+        </p:style>
+      </p:cxnSp>
+      <p:cxnSp>
+        <p:nvCxnSpPr>
+          <p:cNvPr id="92" name="Connector: Elbow 91">
+            <a:extLst>
+              <a:ext uri="{FF2B5EF4-FFF2-40B4-BE49-F238E27FC236}">
+                <a16:creationId xmlns:a16="http://schemas.microsoft.com/office/drawing/2014/main" id="{23170CDB-7F6B-17DC-7383-6D9184033A01}"/>
+              </a:ext>
+            </a:extLst>
+          </p:cNvPr>
+          <p:cNvCxnSpPr>
+            <a:cxnSpLocks/>
+            <a:stCxn id="12" idx="3"/>
+            <a:endCxn id="112" idx="3"/>
+          </p:cNvCxnSpPr>
+          <p:nvPr/>
+        </p:nvCxnSpPr>
+        <p:spPr>
+          <a:xfrm flipH="1">
+            <a:off x="4578918" y="1639005"/>
+            <a:ext cx="383561" cy="1427201"/>
+          </a:xfrm>
+          <a:prstGeom prst="bentConnector3">
+            <a:avLst>
+              <a:gd name="adj1" fmla="val -59599"/>
+            </a:avLst>
+          </a:prstGeom>
+          <a:ln w="9525" cap="sq" cmpd="sng">
+            <a:solidFill>
+              <a:schemeClr val="tx1"/>
+            </a:solidFill>
+            <a:miter lim="800000"/>
+            <a:headEnd w="lg" len="lg"/>
+            <a:tailEnd type="none"/>
+          </a:ln>
+        </p:spPr>
+        <p:style>
+          <a:lnRef idx="3">
+            <a:schemeClr val="accent3"/>
+          </a:lnRef>
+          <a:fillRef idx="0">
+            <a:schemeClr val="accent3"/>
+          </a:fillRef>
+          <a:effectRef idx="2">
+            <a:schemeClr val="accent3"/>
+          </a:effectRef>
+          <a:fontRef idx="minor">
+            <a:schemeClr val="tx1"/>
+          </a:fontRef>
+        </p:style>
+      </p:cxnSp>
+      <p:sp>
+        <p:nvSpPr>
+          <p:cNvPr id="119" name="Rectangle: Diagonal Corners Snipped 118">
+            <a:extLst>
+              <a:ext uri="{FF2B5EF4-FFF2-40B4-BE49-F238E27FC236}">
+                <a16:creationId xmlns:a16="http://schemas.microsoft.com/office/drawing/2014/main" id="{8653A827-0E73-9276-671B-31DA27B8A569}"/>
+              </a:ext>
+            </a:extLst>
+          </p:cNvPr>
+          <p:cNvSpPr/>
+          <p:nvPr/>
+        </p:nvSpPr>
+        <p:spPr>
+          <a:xfrm>
+            <a:off x="8328252" y="2443162"/>
+            <a:ext cx="637742" cy="438805"/>
+          </a:xfrm>
+          <a:prstGeom prst="snip2DiagRect">
+            <a:avLst>
+              <a:gd name="adj1" fmla="val 0"/>
+              <a:gd name="adj2" fmla="val 26643"/>
+            </a:avLst>
+          </a:prstGeom>
+          <a:solidFill>
+            <a:schemeClr val="accent6"/>
+          </a:solidFill>
+          <a:ln w="9525">
+            <a:noFill/>
+          </a:ln>
+        </p:spPr>
+        <p:style>
+          <a:lnRef idx="3">
+            <a:schemeClr val="lt1"/>
+          </a:lnRef>
+          <a:fillRef idx="1">
+            <a:schemeClr val="accent5"/>
+          </a:fillRef>
+          <a:effectRef idx="1">
+            <a:schemeClr val="accent5"/>
+          </a:effectRef>
+          <a:fontRef idx="minor">
+            <a:schemeClr val="lt1"/>
+          </a:fontRef>
+        </p:style>
+        <p:txBody>
+          <a:bodyPr wrap="square" lIns="0" tIns="0" rIns="0" bIns="0" rtlCol="0" anchor="ctr">
+            <a:spAutoFit/>
+          </a:bodyPr>
+          <a:lstStyle/>
+          <a:p>
+            <a:pPr algn="ctr"/>
+            <a:r>
+              <a:rPr lang="en-US" sz="700" dirty="0">
+                <a:solidFill>
+                  <a:sysClr val="windowText" lastClr="000000"/>
+                </a:solidFill>
+                <a:latin typeface="Aptos" panose="020B0004020202020204" pitchFamily="34" charset="0"/>
+              </a:rPr>
+              <a:t>Topic classification</a:t>
+            </a:r>
+          </a:p>
+          <a:p>
+            <a:pPr algn="ctr"/>
+            <a:r>
+              <a:rPr lang="en-US" sz="700" dirty="0">
+                <a:solidFill>
+                  <a:sysClr val="windowText" lastClr="000000"/>
+                </a:solidFill>
+                <a:latin typeface="Aptos" panose="020B0004020202020204" pitchFamily="34" charset="0"/>
+              </a:rPr>
+              <a:t>model</a:t>
+            </a:r>
+          </a:p>
+        </p:txBody>
+      </p:sp>
+      <p:sp>
+        <p:nvSpPr>
+          <p:cNvPr id="121" name="Rectangle 120">
+            <a:extLst>
+              <a:ext uri="{FF2B5EF4-FFF2-40B4-BE49-F238E27FC236}">
+                <a16:creationId xmlns:a16="http://schemas.microsoft.com/office/drawing/2014/main" id="{E1A2AD21-58E5-9CD1-8257-2B9A66016122}"/>
+              </a:ext>
+            </a:extLst>
+          </p:cNvPr>
+          <p:cNvSpPr/>
+          <p:nvPr/>
+        </p:nvSpPr>
+        <p:spPr>
+          <a:xfrm>
+            <a:off x="7998455" y="1419727"/>
+            <a:ext cx="764607" cy="248301"/>
+          </a:xfrm>
+          <a:prstGeom prst="rect">
+            <a:avLst/>
+          </a:prstGeom>
+          <a:solidFill>
+            <a:schemeClr val="accent2"/>
+          </a:solidFill>
+          <a:ln w="9525">
+            <a:noFill/>
+          </a:ln>
+        </p:spPr>
+        <p:style>
+          <a:lnRef idx="3">
+            <a:schemeClr val="lt1"/>
+          </a:lnRef>
+          <a:fillRef idx="1">
+            <a:schemeClr val="accent5"/>
+          </a:fillRef>
+          <a:effectRef idx="1">
+            <a:schemeClr val="accent5"/>
+          </a:effectRef>
+          <a:fontRef idx="minor">
+            <a:schemeClr val="lt1"/>
+          </a:fontRef>
+        </p:style>
+        <p:txBody>
+          <a:bodyPr rtlCol="0" anchor="ctr"/>
+          <a:lstStyle/>
+          <a:p>
+            <a:pPr algn="ctr"/>
+            <a:r>
+              <a:rPr lang="en-US" sz="700" dirty="0">
+                <a:solidFill>
+                  <a:sysClr val="windowText" lastClr="000000"/>
+                </a:solidFill>
+                <a:latin typeface="Aptos" panose="020B0004020202020204" pitchFamily="34" charset="0"/>
+              </a:rPr>
+              <a:t>Pejorative terms analysis</a:t>
+            </a:r>
+          </a:p>
+        </p:txBody>
+      </p:sp>
+      <p:cxnSp>
+        <p:nvCxnSpPr>
+          <p:cNvPr id="122" name="Connector: Elbow 121">
+            <a:extLst>
+              <a:ext uri="{FF2B5EF4-FFF2-40B4-BE49-F238E27FC236}">
+                <a16:creationId xmlns:a16="http://schemas.microsoft.com/office/drawing/2014/main" id="{4DF28C3B-88C0-492C-2999-5E747173AA09}"/>
+              </a:ext>
+            </a:extLst>
+          </p:cNvPr>
+          <p:cNvCxnSpPr>
+            <a:cxnSpLocks/>
+            <a:stCxn id="66" idx="3"/>
+            <a:endCxn id="121" idx="1"/>
+          </p:cNvCxnSpPr>
+          <p:nvPr/>
+        </p:nvCxnSpPr>
+        <p:spPr>
+          <a:xfrm>
+            <a:off x="7063520" y="1539568"/>
+            <a:ext cx="934935" cy="4310"/>
+          </a:xfrm>
+          <a:prstGeom prst="bentConnector3">
+            <a:avLst>
+              <a:gd name="adj1" fmla="val 50000"/>
+            </a:avLst>
+          </a:prstGeom>
+          <a:ln w="9525" cap="sq" cmpd="sng">
+            <a:solidFill>
+              <a:schemeClr val="accent2"/>
+            </a:solidFill>
+            <a:prstDash val="sysDash"/>
+            <a:miter lim="800000"/>
+            <a:headEnd w="lg" len="lg"/>
+            <a:tailEnd type="triangle"/>
+          </a:ln>
+        </p:spPr>
+        <p:style>
+          <a:lnRef idx="3">
+            <a:schemeClr val="accent3"/>
+          </a:lnRef>
+          <a:fillRef idx="0">
+            <a:schemeClr val="accent3"/>
+          </a:fillRef>
+          <a:effectRef idx="2">
+            <a:schemeClr val="accent3"/>
+          </a:effectRef>
+          <a:fontRef idx="minor">
+            <a:schemeClr val="tx1"/>
+          </a:fontRef>
+        </p:style>
+      </p:cxnSp>
+      <p:cxnSp>
+        <p:nvCxnSpPr>
+          <p:cNvPr id="128" name="Connector: Elbow 127">
+            <a:extLst>
+              <a:ext uri="{FF2B5EF4-FFF2-40B4-BE49-F238E27FC236}">
+                <a16:creationId xmlns:a16="http://schemas.microsoft.com/office/drawing/2014/main" id="{1469E24F-02AD-F0ED-FB09-42933F9FC464}"/>
+              </a:ext>
+            </a:extLst>
+          </p:cNvPr>
+          <p:cNvCxnSpPr>
+            <a:cxnSpLocks/>
+            <a:stCxn id="397" idx="2"/>
+            <a:endCxn id="118" idx="0"/>
+          </p:cNvCxnSpPr>
+          <p:nvPr/>
+        </p:nvCxnSpPr>
+        <p:spPr>
+          <a:xfrm rot="5400000">
+            <a:off x="6329789" y="2071109"/>
+            <a:ext cx="37041" cy="446350"/>
+          </a:xfrm>
+          <a:prstGeom prst="bentConnector2">
+            <a:avLst/>
+          </a:prstGeom>
+          <a:ln w="9525" cap="sq" cmpd="sng">
+            <a:solidFill>
+              <a:schemeClr val="tx1"/>
+            </a:solidFill>
+            <a:miter lim="800000"/>
+            <a:headEnd w="lg" len="lg"/>
+            <a:tailEnd type="triangle"/>
+          </a:ln>
+        </p:spPr>
+        <p:style>
+          <a:lnRef idx="3">
+            <a:schemeClr val="accent3"/>
+          </a:lnRef>
+          <a:fillRef idx="0">
+            <a:schemeClr val="accent3"/>
+          </a:fillRef>
+          <a:effectRef idx="2">
+            <a:schemeClr val="accent3"/>
+          </a:effectRef>
+          <a:fontRef idx="minor">
+            <a:schemeClr val="tx1"/>
+          </a:fontRef>
+        </p:style>
+      </p:cxnSp>
+      <p:cxnSp>
+        <p:nvCxnSpPr>
+          <p:cNvPr id="131" name="Connector: Elbow 130">
+            <a:extLst>
+              <a:ext uri="{FF2B5EF4-FFF2-40B4-BE49-F238E27FC236}">
+                <a16:creationId xmlns:a16="http://schemas.microsoft.com/office/drawing/2014/main" id="{50529052-249D-2EFF-2CC0-B846464E0004}"/>
+              </a:ext>
+            </a:extLst>
+          </p:cNvPr>
+          <p:cNvCxnSpPr>
+            <a:cxnSpLocks/>
+            <a:stCxn id="718" idx="2"/>
+            <a:endCxn id="119" idx="3"/>
+          </p:cNvCxnSpPr>
+          <p:nvPr/>
+        </p:nvCxnSpPr>
+        <p:spPr>
+          <a:xfrm rot="16200000" flipH="1">
+            <a:off x="8130397" y="1926435"/>
+            <a:ext cx="304275" cy="729178"/>
+          </a:xfrm>
+          <a:prstGeom prst="bentConnector3">
+            <a:avLst>
+              <a:gd name="adj1" fmla="val 50000"/>
+            </a:avLst>
+          </a:prstGeom>
+          <a:ln w="9525" cap="sq" cmpd="sng">
+            <a:solidFill>
+              <a:schemeClr val="tx1"/>
+            </a:solidFill>
+            <a:miter lim="800000"/>
+            <a:headEnd w="lg" len="lg"/>
+            <a:tailEnd type="triangle"/>
+          </a:ln>
+        </p:spPr>
+        <p:style>
+          <a:lnRef idx="3">
+            <a:schemeClr val="accent3"/>
+          </a:lnRef>
+          <a:fillRef idx="0">
+            <a:schemeClr val="accent3"/>
+          </a:fillRef>
+          <a:effectRef idx="2">
+            <a:schemeClr val="accent3"/>
+          </a:effectRef>
+          <a:fontRef idx="minor">
+            <a:schemeClr val="tx1"/>
+          </a:fontRef>
+        </p:style>
+      </p:cxnSp>
+      <p:sp>
+        <p:nvSpPr>
+          <p:cNvPr id="140" name="Rectangle 139">
+            <a:extLst>
+              <a:ext uri="{FF2B5EF4-FFF2-40B4-BE49-F238E27FC236}">
+                <a16:creationId xmlns:a16="http://schemas.microsoft.com/office/drawing/2014/main" id="{D802D05B-C8E9-8B2D-39A5-88CE4369BF30}"/>
+              </a:ext>
+            </a:extLst>
+          </p:cNvPr>
+          <p:cNvSpPr/>
+          <p:nvPr/>
+        </p:nvSpPr>
+        <p:spPr>
+          <a:xfrm>
+            <a:off x="4212446" y="3585424"/>
+            <a:ext cx="764607" cy="323165"/>
+          </a:xfrm>
+          <a:prstGeom prst="rect">
+            <a:avLst/>
+          </a:prstGeom>
+          <a:ln w="9525">
+            <a:noFill/>
+          </a:ln>
+        </p:spPr>
+        <p:style>
+          <a:lnRef idx="3">
+            <a:schemeClr val="lt1"/>
+          </a:lnRef>
+          <a:fillRef idx="1">
+            <a:schemeClr val="accent5"/>
+          </a:fillRef>
+          <a:effectRef idx="1">
+            <a:schemeClr val="accent5"/>
+          </a:effectRef>
+          <a:fontRef idx="minor">
+            <a:schemeClr val="lt1"/>
+          </a:fontRef>
+        </p:style>
+        <p:txBody>
+          <a:bodyPr lIns="0" tIns="0" rIns="0" bIns="0" rtlCol="0" anchor="ctr">
+            <a:spAutoFit/>
+          </a:bodyPr>
+          <a:lstStyle/>
+          <a:p>
+            <a:pPr algn="ctr"/>
+            <a:r>
+              <a:rPr lang="en-US" sz="700" dirty="0">
+                <a:solidFill>
+                  <a:sysClr val="windowText" lastClr="000000"/>
+                </a:solidFill>
+                <a:latin typeface="Aptos" panose="020B0004020202020204" pitchFamily="34" charset="0"/>
+              </a:rPr>
+              <a:t>NLP Geolocated from Colombia</a:t>
+            </a:r>
+          </a:p>
+          <a:p>
+            <a:pPr algn="ctr"/>
+            <a:r>
+              <a:rPr lang="en-US" sz="700" dirty="0">
+                <a:solidFill>
+                  <a:sysClr val="windowText" lastClr="000000"/>
+                </a:solidFill>
+                <a:latin typeface="Aptos" panose="020B0004020202020204" pitchFamily="34" charset="0"/>
+              </a:rPr>
+              <a:t>(1.65M)</a:t>
+            </a:r>
+          </a:p>
+        </p:txBody>
+      </p:sp>
+      <p:sp>
+        <p:nvSpPr>
+          <p:cNvPr id="145" name="Rectangle 144">
+            <a:extLst>
+              <a:ext uri="{FF2B5EF4-FFF2-40B4-BE49-F238E27FC236}">
+                <a16:creationId xmlns:a16="http://schemas.microsoft.com/office/drawing/2014/main" id="{95D31D96-6146-4E35-52F3-DCAE08340847}"/>
+              </a:ext>
+            </a:extLst>
+          </p:cNvPr>
+          <p:cNvSpPr/>
+          <p:nvPr/>
+        </p:nvSpPr>
+        <p:spPr>
+          <a:xfrm>
+            <a:off x="6207722" y="3251252"/>
+            <a:ext cx="840350" cy="558169"/>
+          </a:xfrm>
+          <a:prstGeom prst="rect">
+            <a:avLst/>
+          </a:prstGeom>
+          <a:solidFill>
+            <a:schemeClr val="accent4"/>
+          </a:solidFill>
+          <a:ln w="9525">
+            <a:noFill/>
+          </a:ln>
+        </p:spPr>
+        <p:style>
+          <a:lnRef idx="3">
+            <a:schemeClr val="lt1"/>
+          </a:lnRef>
+          <a:fillRef idx="1">
+            <a:schemeClr val="accent5"/>
+          </a:fillRef>
+          <a:effectRef idx="1">
+            <a:schemeClr val="accent5"/>
+          </a:effectRef>
+          <a:fontRef idx="minor">
+            <a:schemeClr val="lt1"/>
+          </a:fontRef>
+        </p:style>
+        <p:txBody>
+          <a:bodyPr rtlCol="0" anchor="ctr"/>
+          <a:lstStyle/>
+          <a:p>
+            <a:r>
+              <a:rPr lang="en-US" sz="700" dirty="0">
+                <a:solidFill>
+                  <a:sysClr val="windowText" lastClr="000000"/>
+                </a:solidFill>
+                <a:latin typeface="Aptos" panose="020B0004020202020204" pitchFamily="34" charset="0"/>
+              </a:rPr>
+              <a:t>NLP-validated</a:t>
+            </a:r>
+            <a:br>
+              <a:rPr lang="en-US" sz="700" dirty="0">
+                <a:solidFill>
+                  <a:sysClr val="windowText" lastClr="000000"/>
+                </a:solidFill>
+                <a:latin typeface="Aptos" panose="020B0004020202020204" pitchFamily="34" charset="0"/>
+              </a:rPr>
+            </a:br>
+            <a:r>
+              <a:rPr lang="en-US" sz="700" dirty="0">
+                <a:solidFill>
+                  <a:sysClr val="windowText" lastClr="000000"/>
+                </a:solidFill>
+                <a:latin typeface="Aptos" panose="020B0004020202020204" pitchFamily="34" charset="0"/>
+              </a:rPr>
+              <a:t>API Geolocated from Colombia</a:t>
+            </a:r>
+          </a:p>
+          <a:p>
+            <a:r>
+              <a:rPr lang="en-US" sz="700" dirty="0">
+                <a:solidFill>
+                  <a:sysClr val="windowText" lastClr="000000"/>
+                </a:solidFill>
+                <a:latin typeface="Aptos" panose="020B0004020202020204" pitchFamily="34" charset="0"/>
+              </a:rPr>
+              <a:t>About migration</a:t>
+            </a:r>
+          </a:p>
+          <a:p>
+            <a:r>
+              <a:rPr lang="en-US" sz="700" dirty="0">
+                <a:solidFill>
+                  <a:sysClr val="windowText" lastClr="000000"/>
+                </a:solidFill>
+                <a:latin typeface="Aptos" panose="020B0004020202020204" pitchFamily="34" charset="0"/>
+              </a:rPr>
+              <a:t>(200K)</a:t>
+            </a:r>
+          </a:p>
+        </p:txBody>
+      </p:sp>
+      <p:sp>
+        <p:nvSpPr>
+          <p:cNvPr id="147" name="Rectangle 146">
+            <a:extLst>
+              <a:ext uri="{FF2B5EF4-FFF2-40B4-BE49-F238E27FC236}">
+                <a16:creationId xmlns:a16="http://schemas.microsoft.com/office/drawing/2014/main" id="{D9AB210E-1047-1C71-E92A-82E1D9DECCCF}"/>
+              </a:ext>
+            </a:extLst>
+          </p:cNvPr>
+          <p:cNvSpPr/>
+          <p:nvPr/>
+        </p:nvSpPr>
+        <p:spPr>
+          <a:xfrm>
+            <a:off x="6202791" y="4081350"/>
+            <a:ext cx="845085" cy="538609"/>
+          </a:xfrm>
+          <a:prstGeom prst="rect">
+            <a:avLst/>
+          </a:prstGeom>
+          <a:ln w="9525">
+            <a:noFill/>
+          </a:ln>
+        </p:spPr>
+        <p:style>
+          <a:lnRef idx="3">
+            <a:schemeClr val="lt1"/>
+          </a:lnRef>
+          <a:fillRef idx="1">
+            <a:schemeClr val="accent5"/>
+          </a:fillRef>
+          <a:effectRef idx="1">
+            <a:schemeClr val="accent5"/>
+          </a:effectRef>
+          <a:fontRef idx="minor">
+            <a:schemeClr val="lt1"/>
+          </a:fontRef>
+        </p:style>
+        <p:txBody>
+          <a:bodyPr wrap="square" lIns="0" tIns="0" rIns="0" bIns="0" rtlCol="0" anchor="ctr">
+            <a:spAutoFit/>
+          </a:bodyPr>
+          <a:lstStyle/>
+          <a:p>
+            <a:pPr algn="ctr"/>
+            <a:r>
+              <a:rPr lang="en-US" sz="700" dirty="0">
+                <a:solidFill>
+                  <a:sysClr val="windowText" lastClr="000000"/>
+                </a:solidFill>
+                <a:latin typeface="Aptos" panose="020B0004020202020204" pitchFamily="34" charset="0"/>
+              </a:rPr>
+              <a:t>NLP-validated </a:t>
+            </a:r>
+            <a:br>
+              <a:rPr lang="en-US" sz="700" dirty="0">
+                <a:solidFill>
+                  <a:sysClr val="windowText" lastClr="000000"/>
+                </a:solidFill>
+                <a:latin typeface="Aptos" panose="020B0004020202020204" pitchFamily="34" charset="0"/>
+              </a:rPr>
+            </a:br>
+            <a:r>
+              <a:rPr lang="en-US" sz="700" dirty="0">
+                <a:solidFill>
+                  <a:sysClr val="windowText" lastClr="000000"/>
+                </a:solidFill>
+                <a:latin typeface="Aptos" panose="020B0004020202020204" pitchFamily="34" charset="0"/>
+              </a:rPr>
+              <a:t>NLP Geolocated</a:t>
+            </a:r>
+          </a:p>
+          <a:p>
+            <a:pPr algn="ctr"/>
+            <a:r>
+              <a:rPr lang="en-US" sz="700" dirty="0">
+                <a:solidFill>
+                  <a:sysClr val="windowText" lastClr="000000"/>
+                </a:solidFill>
+                <a:latin typeface="Aptos" panose="020B0004020202020204" pitchFamily="34" charset="0"/>
+              </a:rPr>
+              <a:t>from Colombia</a:t>
+            </a:r>
+          </a:p>
+          <a:p>
+            <a:pPr algn="ctr"/>
+            <a:r>
+              <a:rPr lang="en-US" sz="700" dirty="0">
+                <a:solidFill>
+                  <a:sysClr val="windowText" lastClr="000000"/>
+                </a:solidFill>
+                <a:latin typeface="Aptos" panose="020B0004020202020204" pitchFamily="34" charset="0"/>
+              </a:rPr>
+              <a:t>About migration</a:t>
+            </a:r>
+          </a:p>
+          <a:p>
+            <a:pPr algn="ctr"/>
+            <a:r>
+              <a:rPr lang="en-US" sz="700" dirty="0">
+                <a:solidFill>
+                  <a:sysClr val="windowText" lastClr="000000"/>
+                </a:solidFill>
+                <a:latin typeface="Aptos" panose="020B0004020202020204" pitchFamily="34" charset="0"/>
+              </a:rPr>
+              <a:t>(1.45 M)</a:t>
+            </a:r>
+          </a:p>
+        </p:txBody>
+      </p:sp>
+      <p:sp>
+        <p:nvSpPr>
+          <p:cNvPr id="150" name="Rectangle 149">
+            <a:extLst>
+              <a:ext uri="{FF2B5EF4-FFF2-40B4-BE49-F238E27FC236}">
+                <a16:creationId xmlns:a16="http://schemas.microsoft.com/office/drawing/2014/main" id="{BAF5B934-BF52-28AB-1746-9E255DBA0263}"/>
+              </a:ext>
+            </a:extLst>
+          </p:cNvPr>
+          <p:cNvSpPr/>
+          <p:nvPr/>
+        </p:nvSpPr>
+        <p:spPr>
+          <a:xfrm>
+            <a:off x="8448980" y="3934968"/>
+            <a:ext cx="764607" cy="178408"/>
+          </a:xfrm>
+          <a:prstGeom prst="rect">
+            <a:avLst/>
+          </a:prstGeom>
+          <a:solidFill>
+            <a:schemeClr val="accent2"/>
+          </a:solidFill>
+          <a:ln w="9525">
+            <a:noFill/>
+          </a:ln>
+        </p:spPr>
+        <p:style>
+          <a:lnRef idx="3">
+            <a:schemeClr val="lt1"/>
+          </a:lnRef>
+          <a:fillRef idx="1">
+            <a:schemeClr val="accent5"/>
+          </a:fillRef>
+          <a:effectRef idx="1">
+            <a:schemeClr val="accent5"/>
+          </a:effectRef>
+          <a:fontRef idx="minor">
+            <a:schemeClr val="lt1"/>
+          </a:fontRef>
+        </p:style>
+        <p:txBody>
+          <a:bodyPr rtlCol="0" anchor="ctr"/>
+          <a:lstStyle/>
+          <a:p>
+            <a:pPr algn="ctr"/>
+            <a:r>
+              <a:rPr lang="en-US" sz="700" dirty="0" err="1">
+                <a:solidFill>
+                  <a:sysClr val="windowText" lastClr="000000"/>
+                </a:solidFill>
+                <a:latin typeface="Aptos" panose="020B0004020202020204" pitchFamily="34" charset="0"/>
+              </a:rPr>
+              <a:t>Spatio</a:t>
+            </a:r>
+            <a:r>
+              <a:rPr lang="en-US" sz="700" dirty="0">
+                <a:solidFill>
+                  <a:sysClr val="windowText" lastClr="000000"/>
+                </a:solidFill>
+                <a:latin typeface="Aptos" panose="020B0004020202020204" pitchFamily="34" charset="0"/>
+              </a:rPr>
+              <a:t>-temporal analysis</a:t>
+            </a:r>
+          </a:p>
+        </p:txBody>
+      </p:sp>
+      <p:cxnSp>
+        <p:nvCxnSpPr>
+          <p:cNvPr id="151" name="Connector: Elbow 150">
+            <a:extLst>
+              <a:ext uri="{FF2B5EF4-FFF2-40B4-BE49-F238E27FC236}">
+                <a16:creationId xmlns:a16="http://schemas.microsoft.com/office/drawing/2014/main" id="{FB0D1D28-B32D-50D9-7F21-150DFE82DF65}"/>
+              </a:ext>
+            </a:extLst>
+          </p:cNvPr>
+          <p:cNvCxnSpPr>
+            <a:cxnSpLocks/>
+            <a:endCxn id="383" idx="1"/>
+          </p:cNvCxnSpPr>
+          <p:nvPr/>
+        </p:nvCxnSpPr>
+        <p:spPr>
+          <a:xfrm>
+            <a:off x="7037806" y="3385637"/>
+            <a:ext cx="624456" cy="64490"/>
+          </a:xfrm>
+          <a:prstGeom prst="bentConnector3">
+            <a:avLst>
+              <a:gd name="adj1" fmla="val 50000"/>
+            </a:avLst>
+          </a:prstGeom>
+          <a:ln w="9525" cap="sq" cmpd="sng">
+            <a:solidFill>
+              <a:schemeClr val="tx1"/>
+            </a:solidFill>
+            <a:miter lim="800000"/>
+            <a:headEnd w="lg" len="lg"/>
+            <a:tailEnd type="triangle"/>
+          </a:ln>
+        </p:spPr>
+        <p:style>
+          <a:lnRef idx="3">
+            <a:schemeClr val="accent3"/>
+          </a:lnRef>
+          <a:fillRef idx="0">
+            <a:schemeClr val="accent3"/>
+          </a:fillRef>
+          <a:effectRef idx="2">
+            <a:schemeClr val="accent3"/>
+          </a:effectRef>
+          <a:fontRef idx="minor">
+            <a:schemeClr val="tx1"/>
+          </a:fontRef>
+        </p:style>
+      </p:cxnSp>
+      <p:sp>
+        <p:nvSpPr>
+          <p:cNvPr id="160" name="Rectangle 159">
+            <a:extLst>
+              <a:ext uri="{FF2B5EF4-FFF2-40B4-BE49-F238E27FC236}">
+                <a16:creationId xmlns:a16="http://schemas.microsoft.com/office/drawing/2014/main" id="{72267259-38E3-CF2B-473A-D2F27DB73E19}"/>
+              </a:ext>
+            </a:extLst>
+          </p:cNvPr>
+          <p:cNvSpPr/>
+          <p:nvPr/>
+        </p:nvSpPr>
+        <p:spPr>
+          <a:xfrm>
+            <a:off x="8452327" y="4253272"/>
+            <a:ext cx="764607" cy="178408"/>
+          </a:xfrm>
+          <a:prstGeom prst="rect">
+            <a:avLst/>
+          </a:prstGeom>
+          <a:solidFill>
+            <a:schemeClr val="accent2"/>
+          </a:solidFill>
+          <a:ln w="9525">
+            <a:noFill/>
+          </a:ln>
+        </p:spPr>
+        <p:style>
+          <a:lnRef idx="3">
+            <a:schemeClr val="lt1"/>
+          </a:lnRef>
+          <a:fillRef idx="1">
+            <a:schemeClr val="accent5"/>
+          </a:fillRef>
+          <a:effectRef idx="1">
+            <a:schemeClr val="accent5"/>
+          </a:effectRef>
+          <a:fontRef idx="minor">
+            <a:schemeClr val="lt1"/>
+          </a:fontRef>
+        </p:style>
+        <p:txBody>
+          <a:bodyPr rtlCol="0" anchor="ctr"/>
+          <a:lstStyle/>
+          <a:p>
+            <a:pPr algn="ctr"/>
+            <a:r>
+              <a:rPr lang="en-US" sz="700" dirty="0">
+                <a:solidFill>
+                  <a:sysClr val="windowText" lastClr="000000"/>
+                </a:solidFill>
+                <a:latin typeface="Aptos" panose="020B0004020202020204" pitchFamily="34" charset="0"/>
+              </a:rPr>
+              <a:t>Temporal analysis</a:t>
+            </a:r>
+          </a:p>
+        </p:txBody>
+      </p:sp>
+      <p:sp>
+        <p:nvSpPr>
+          <p:cNvPr id="173" name="Rectangle 172">
+            <a:extLst>
+              <a:ext uri="{FF2B5EF4-FFF2-40B4-BE49-F238E27FC236}">
+                <a16:creationId xmlns:a16="http://schemas.microsoft.com/office/drawing/2014/main" id="{61F47A9A-72CF-6633-EA65-DFEC6318E9EB}"/>
+              </a:ext>
+            </a:extLst>
+          </p:cNvPr>
+          <p:cNvSpPr/>
+          <p:nvPr/>
+        </p:nvSpPr>
+        <p:spPr>
+          <a:xfrm>
+            <a:off x="8452327" y="4894250"/>
+            <a:ext cx="764607" cy="178408"/>
+          </a:xfrm>
+          <a:prstGeom prst="rect">
+            <a:avLst/>
+          </a:prstGeom>
+          <a:solidFill>
+            <a:schemeClr val="accent2"/>
+          </a:solidFill>
+          <a:ln w="9525">
+            <a:noFill/>
+          </a:ln>
+        </p:spPr>
+        <p:style>
+          <a:lnRef idx="3">
+            <a:schemeClr val="lt1"/>
+          </a:lnRef>
+          <a:fillRef idx="1">
+            <a:schemeClr val="accent5"/>
+          </a:fillRef>
+          <a:effectRef idx="1">
+            <a:schemeClr val="accent5"/>
+          </a:effectRef>
+          <a:fontRef idx="minor">
+            <a:schemeClr val="lt1"/>
+          </a:fontRef>
+        </p:style>
+        <p:txBody>
+          <a:bodyPr rtlCol="0" anchor="ctr"/>
+          <a:lstStyle/>
+          <a:p>
+            <a:pPr algn="ctr"/>
+            <a:r>
+              <a:rPr lang="en-US" sz="700" dirty="0">
+                <a:solidFill>
+                  <a:sysClr val="windowText" lastClr="000000"/>
+                </a:solidFill>
+                <a:latin typeface="Aptos" panose="020B0004020202020204" pitchFamily="34" charset="0"/>
+              </a:rPr>
+              <a:t>Social Network Analysis</a:t>
+            </a:r>
+          </a:p>
+        </p:txBody>
+      </p:sp>
+      <p:cxnSp>
+        <p:nvCxnSpPr>
+          <p:cNvPr id="179" name="Connector: Elbow 178">
+            <a:extLst>
+              <a:ext uri="{FF2B5EF4-FFF2-40B4-BE49-F238E27FC236}">
+                <a16:creationId xmlns:a16="http://schemas.microsoft.com/office/drawing/2014/main" id="{472327F6-F32C-C774-3627-63F66C6D525E}"/>
+              </a:ext>
+            </a:extLst>
+          </p:cNvPr>
+          <p:cNvCxnSpPr>
+            <a:cxnSpLocks/>
+            <a:stCxn id="147" idx="3"/>
+            <a:endCxn id="377" idx="1"/>
+          </p:cNvCxnSpPr>
+          <p:nvPr/>
+        </p:nvCxnSpPr>
+        <p:spPr>
+          <a:xfrm>
+            <a:off x="7047876" y="4350655"/>
+            <a:ext cx="614190" cy="208877"/>
+          </a:xfrm>
+          <a:prstGeom prst="bentConnector3">
+            <a:avLst>
+              <a:gd name="adj1" fmla="val 50000"/>
+            </a:avLst>
+          </a:prstGeom>
+          <a:ln w="9525" cap="sq" cmpd="sng">
+            <a:solidFill>
+              <a:schemeClr val="tx1"/>
+            </a:solidFill>
+            <a:miter lim="800000"/>
+            <a:headEnd w="lg" len="lg"/>
+            <a:tailEnd type="triangle"/>
+          </a:ln>
+        </p:spPr>
+        <p:style>
+          <a:lnRef idx="3">
+            <a:schemeClr val="accent3"/>
+          </a:lnRef>
+          <a:fillRef idx="0">
+            <a:schemeClr val="accent3"/>
+          </a:fillRef>
+          <a:effectRef idx="2">
+            <a:schemeClr val="accent3"/>
+          </a:effectRef>
+          <a:fontRef idx="minor">
+            <a:schemeClr val="tx1"/>
+          </a:fontRef>
+        </p:style>
+      </p:cxnSp>
+      <p:grpSp>
+        <p:nvGrpSpPr>
+          <p:cNvPr id="230" name="Group 229">
+            <a:extLst>
+              <a:ext uri="{FF2B5EF4-FFF2-40B4-BE49-F238E27FC236}">
+                <a16:creationId xmlns:a16="http://schemas.microsoft.com/office/drawing/2014/main" id="{568B5708-B0D7-880A-BA4D-CA0C105B3B33}"/>
+              </a:ext>
+            </a:extLst>
+          </p:cNvPr>
+          <p:cNvGrpSpPr/>
+          <p:nvPr/>
+        </p:nvGrpSpPr>
+        <p:grpSpPr>
+          <a:xfrm>
+            <a:off x="5533747" y="1281858"/>
+            <a:ext cx="1529773" cy="515420"/>
+            <a:chOff x="6535951" y="912614"/>
+            <a:chExt cx="2744202" cy="924593"/>
+          </a:xfrm>
+        </p:grpSpPr>
+        <p:sp>
+          <p:nvSpPr>
+            <p:cNvPr id="66" name="Rectangle 65">
+              <a:extLst>
+                <a:ext uri="{FF2B5EF4-FFF2-40B4-BE49-F238E27FC236}">
+                  <a16:creationId xmlns:a16="http://schemas.microsoft.com/office/drawing/2014/main" id="{0E32ACDC-F1FE-BCBB-4D24-23D165AA0647}"/>
+                </a:ext>
+              </a:extLst>
+            </p:cNvPr>
+            <p:cNvSpPr/>
+            <p:nvPr/>
+          </p:nvSpPr>
+          <p:spPr>
+            <a:xfrm>
+              <a:off x="7699660" y="912614"/>
+              <a:ext cx="1580493" cy="924593"/>
+            </a:xfrm>
+            <a:prstGeom prst="rect">
+              <a:avLst/>
+            </a:prstGeom>
+            <a:solidFill>
+              <a:schemeClr val="accent4"/>
+            </a:solidFill>
+            <a:ln w="9525">
+              <a:noFill/>
+            </a:ln>
+          </p:spPr>
+          <p:style>
+            <a:lnRef idx="3">
+              <a:schemeClr val="lt1"/>
+            </a:lnRef>
+            <a:fillRef idx="1">
+              <a:schemeClr val="accent5"/>
+            </a:fillRef>
+            <a:effectRef idx="1">
+              <a:schemeClr val="accent5"/>
+            </a:effectRef>
+            <a:fontRef idx="minor">
+              <a:schemeClr val="lt1"/>
+            </a:fontRef>
+          </p:style>
+          <p:txBody>
+            <a:bodyPr rtlCol="0" anchor="ctr"/>
+            <a:lstStyle/>
+            <a:p>
+              <a:r>
+                <a:rPr lang="en-US" sz="700" dirty="0">
+                  <a:solidFill>
+                    <a:sysClr val="windowText" lastClr="000000"/>
+                  </a:solidFill>
+                  <a:latin typeface="Aptos" panose="020B0004020202020204" pitchFamily="34" charset="0"/>
+                </a:rPr>
+                <a:t>Manually labeled sample (5K) for:</a:t>
+              </a:r>
+              <a:br>
+                <a:rPr lang="en-US" sz="700" dirty="0">
+                  <a:solidFill>
+                    <a:sysClr val="windowText" lastClr="000000"/>
+                  </a:solidFill>
+                  <a:latin typeface="Aptos" panose="020B0004020202020204" pitchFamily="34" charset="0"/>
+                </a:rPr>
+              </a:br>
+              <a:r>
+                <a:rPr lang="en-US" sz="700" dirty="0">
+                  <a:solidFill>
+                    <a:sysClr val="windowText" lastClr="000000"/>
+                  </a:solidFill>
+                  <a:latin typeface="Aptos" panose="020B0004020202020204" pitchFamily="34" charset="0"/>
+                </a:rPr>
+                <a:t>- Valid</a:t>
+              </a:r>
+            </a:p>
+            <a:p>
+              <a:r>
+                <a:rPr lang="en-US" sz="700" dirty="0">
+                  <a:solidFill>
+                    <a:sysClr val="windowText" lastClr="000000"/>
+                  </a:solidFill>
+                  <a:latin typeface="Aptos" panose="020B0004020202020204" pitchFamily="34" charset="0"/>
+                </a:rPr>
+                <a:t>- Tone</a:t>
+              </a:r>
+            </a:p>
+            <a:p>
+              <a:r>
+                <a:rPr lang="en-US" sz="700" dirty="0">
+                  <a:solidFill>
+                    <a:sysClr val="windowText" lastClr="000000"/>
+                  </a:solidFill>
+                  <a:latin typeface="Aptos" panose="020B0004020202020204" pitchFamily="34" charset="0"/>
+                </a:rPr>
+                <a:t>- Topic</a:t>
+              </a:r>
+            </a:p>
+          </p:txBody>
+        </p:sp>
+        <p:sp>
+          <p:nvSpPr>
+            <p:cNvPr id="84" name="Rectangle 83">
+              <a:extLst>
+                <a:ext uri="{FF2B5EF4-FFF2-40B4-BE49-F238E27FC236}">
+                  <a16:creationId xmlns:a16="http://schemas.microsoft.com/office/drawing/2014/main" id="{B78D0054-4630-25C1-DB58-79AEB767E7D8}"/>
+                </a:ext>
+              </a:extLst>
+            </p:cNvPr>
+            <p:cNvSpPr/>
+            <p:nvPr/>
+          </p:nvSpPr>
+          <p:spPr>
+            <a:xfrm>
+              <a:off x="6535951" y="1181670"/>
+              <a:ext cx="565210" cy="386477"/>
+            </a:xfrm>
+            <a:prstGeom prst="rect">
+              <a:avLst/>
+            </a:prstGeom>
+            <a:solidFill>
+              <a:schemeClr val="bg1"/>
+            </a:solidFill>
+            <a:ln w="9525">
+              <a:noFill/>
+            </a:ln>
+          </p:spPr>
+          <p:style>
+            <a:lnRef idx="3">
+              <a:schemeClr val="lt1"/>
+            </a:lnRef>
+            <a:fillRef idx="1">
+              <a:schemeClr val="accent5"/>
+            </a:fillRef>
+            <a:effectRef idx="1">
+              <a:schemeClr val="accent5"/>
+            </a:effectRef>
+            <a:fontRef idx="minor">
+              <a:schemeClr val="lt1"/>
+            </a:fontRef>
+          </p:style>
+          <p:txBody>
+            <a:bodyPr wrap="square" lIns="0" tIns="0" rIns="0" bIns="0" rtlCol="0" anchor="ctr">
+              <a:spAutoFit/>
+            </a:bodyPr>
+            <a:lstStyle/>
+            <a:p>
+              <a:pPr algn="ctr"/>
+              <a:r>
+                <a:rPr lang="en-US" sz="700" dirty="0">
+                  <a:solidFill>
+                    <a:sysClr val="windowText" lastClr="000000"/>
+                  </a:solidFill>
+                  <a:latin typeface="Aptos" panose="020B0004020202020204" pitchFamily="34" charset="0"/>
+                </a:rPr>
+                <a:t>Manual labeling</a:t>
+              </a:r>
+            </a:p>
+          </p:txBody>
+        </p:sp>
+        <p:cxnSp>
+          <p:nvCxnSpPr>
+            <p:cNvPr id="221" name="Straight Arrow Connector 220">
+              <a:extLst>
+                <a:ext uri="{FF2B5EF4-FFF2-40B4-BE49-F238E27FC236}">
+                  <a16:creationId xmlns:a16="http://schemas.microsoft.com/office/drawing/2014/main" id="{AC2EB07B-6AC8-9EB7-D5B0-5C7ACD7C1EEB}"/>
+                </a:ext>
+              </a:extLst>
+            </p:cNvPr>
+            <p:cNvCxnSpPr>
+              <a:cxnSpLocks/>
+              <a:stCxn id="84" idx="3"/>
+              <a:endCxn id="66" idx="1"/>
+            </p:cNvCxnSpPr>
+            <p:nvPr/>
+          </p:nvCxnSpPr>
+          <p:spPr>
+            <a:xfrm>
+              <a:off x="7101161" y="1374909"/>
+              <a:ext cx="598499" cy="2"/>
+            </a:xfrm>
+            <a:prstGeom prst="straightConnector1">
+              <a:avLst/>
+            </a:prstGeom>
+            <a:ln w="9525" cap="sq" cmpd="sng">
+              <a:noFill/>
+              <a:miter lim="800000"/>
+              <a:headEnd w="lg" len="lg"/>
+              <a:tailEnd type="triangle"/>
+            </a:ln>
+          </p:spPr>
+          <p:style>
+            <a:lnRef idx="3">
+              <a:schemeClr val="accent3"/>
+            </a:lnRef>
+            <a:fillRef idx="0">
+              <a:schemeClr val="accent3"/>
+            </a:fillRef>
+            <a:effectRef idx="2">
+              <a:schemeClr val="accent3"/>
+            </a:effectRef>
+            <a:fontRef idx="minor">
+              <a:schemeClr val="tx1"/>
+            </a:fontRef>
+          </p:style>
+        </p:cxnSp>
+      </p:grpSp>
+      <p:grpSp>
+        <p:nvGrpSpPr>
+          <p:cNvPr id="253" name="Group 252">
+            <a:extLst>
+              <a:ext uri="{FF2B5EF4-FFF2-40B4-BE49-F238E27FC236}">
+                <a16:creationId xmlns:a16="http://schemas.microsoft.com/office/drawing/2014/main" id="{FAAF3A65-D6A4-14F2-59F9-1A5AA574842F}"/>
+              </a:ext>
+            </a:extLst>
+          </p:cNvPr>
+          <p:cNvGrpSpPr/>
+          <p:nvPr/>
+        </p:nvGrpSpPr>
+        <p:grpSpPr>
+          <a:xfrm>
+            <a:off x="3286495" y="2911141"/>
+            <a:ext cx="1292422" cy="308610"/>
+            <a:chOff x="7042807" y="2373415"/>
+            <a:chExt cx="2318428" cy="553604"/>
+          </a:xfrm>
+        </p:grpSpPr>
+        <p:sp>
+          <p:nvSpPr>
+            <p:cNvPr id="67" name="Rectangle: Diagonal Corners Snipped 66">
+              <a:extLst>
+                <a:ext uri="{FF2B5EF4-FFF2-40B4-BE49-F238E27FC236}">
+                  <a16:creationId xmlns:a16="http://schemas.microsoft.com/office/drawing/2014/main" id="{0BDED70E-E8A6-F88C-0605-9AEBDDB041FB}"/>
+                </a:ext>
+              </a:extLst>
+            </p:cNvPr>
+            <p:cNvSpPr/>
+            <p:nvPr/>
+          </p:nvSpPr>
+          <p:spPr>
+            <a:xfrm>
+              <a:off x="7042807" y="2373415"/>
+              <a:ext cx="1434866" cy="553604"/>
+            </a:xfrm>
+            <a:prstGeom prst="snip2DiagRect">
+              <a:avLst>
+                <a:gd name="adj1" fmla="val 0"/>
+                <a:gd name="adj2" fmla="val 44383"/>
+              </a:avLst>
+            </a:prstGeom>
+            <a:solidFill>
+              <a:schemeClr val="accent6"/>
+            </a:solidFill>
+            <a:ln w="9525">
+              <a:noFill/>
+            </a:ln>
+          </p:spPr>
+          <p:style>
+            <a:lnRef idx="3">
+              <a:schemeClr val="lt1"/>
+            </a:lnRef>
+            <a:fillRef idx="1">
+              <a:schemeClr val="accent5"/>
+            </a:fillRef>
+            <a:effectRef idx="1">
+              <a:schemeClr val="accent5"/>
+            </a:effectRef>
+            <a:fontRef idx="minor">
+              <a:schemeClr val="lt1"/>
+            </a:fontRef>
+          </p:style>
+          <p:txBody>
+            <a:bodyPr rtlCol="0" anchor="ctr"/>
+            <a:lstStyle/>
+            <a:p>
+              <a:pPr algn="ctr"/>
+              <a:r>
+                <a:rPr lang="en-US" sz="700" dirty="0">
+                  <a:solidFill>
+                    <a:sysClr val="windowText" lastClr="000000"/>
+                  </a:solidFill>
+                  <a:latin typeface="Aptos" panose="020B0004020202020204" pitchFamily="34" charset="0"/>
+                </a:rPr>
+                <a:t>Text geolocation model</a:t>
+              </a:r>
+            </a:p>
+          </p:txBody>
+        </p:sp>
+        <p:sp>
+          <p:nvSpPr>
+            <p:cNvPr id="112" name="Rectangle 111">
+              <a:extLst>
+                <a:ext uri="{FF2B5EF4-FFF2-40B4-BE49-F238E27FC236}">
+                  <a16:creationId xmlns:a16="http://schemas.microsoft.com/office/drawing/2014/main" id="{41FBE825-4BF6-F891-302D-64FD63141361}"/>
+                </a:ext>
+              </a:extLst>
+            </p:cNvPr>
+            <p:cNvSpPr/>
+            <p:nvPr/>
+          </p:nvSpPr>
+          <p:spPr>
+            <a:xfrm>
+              <a:off x="8796025" y="2458342"/>
+              <a:ext cx="565210" cy="386477"/>
+            </a:xfrm>
+            <a:prstGeom prst="rect">
+              <a:avLst/>
+            </a:prstGeom>
+            <a:solidFill>
+              <a:schemeClr val="bg1"/>
+            </a:solidFill>
+            <a:ln w="9525">
+              <a:noFill/>
+            </a:ln>
+          </p:spPr>
+          <p:style>
+            <a:lnRef idx="3">
+              <a:schemeClr val="lt1"/>
+            </a:lnRef>
+            <a:fillRef idx="1">
+              <a:schemeClr val="accent5"/>
+            </a:fillRef>
+            <a:effectRef idx="1">
+              <a:schemeClr val="accent5"/>
+            </a:effectRef>
+            <a:fontRef idx="minor">
+              <a:schemeClr val="lt1"/>
+            </a:fontRef>
+          </p:style>
+          <p:txBody>
+            <a:bodyPr wrap="square" lIns="0" tIns="0" rIns="0" bIns="0" rtlCol="0" anchor="ctr">
+              <a:spAutoFit/>
+            </a:bodyPr>
+            <a:lstStyle/>
+            <a:p>
+              <a:pPr algn="ctr"/>
+              <a:r>
+                <a:rPr lang="en-US" sz="700" dirty="0">
+                  <a:solidFill>
+                    <a:sysClr val="windowText" lastClr="000000"/>
+                  </a:solidFill>
+                  <a:latin typeface="Aptos" panose="020B0004020202020204" pitchFamily="34" charset="0"/>
+                </a:rPr>
+                <a:t>Model training</a:t>
+              </a:r>
+            </a:p>
+          </p:txBody>
+        </p:sp>
+        <p:cxnSp>
+          <p:nvCxnSpPr>
+            <p:cNvPr id="239" name="Straight Arrow Connector 238">
+              <a:extLst>
+                <a:ext uri="{FF2B5EF4-FFF2-40B4-BE49-F238E27FC236}">
+                  <a16:creationId xmlns:a16="http://schemas.microsoft.com/office/drawing/2014/main" id="{4C1345B6-0DFE-9187-6D2D-81F8C3022393}"/>
+                </a:ext>
+              </a:extLst>
+            </p:cNvPr>
+            <p:cNvCxnSpPr>
+              <a:cxnSpLocks/>
+              <a:stCxn id="112" idx="1"/>
+              <a:endCxn id="67" idx="0"/>
+            </p:cNvCxnSpPr>
+            <p:nvPr/>
+          </p:nvCxnSpPr>
+          <p:spPr>
+            <a:xfrm flipH="1" flipV="1">
+              <a:off x="8477673" y="2650217"/>
+              <a:ext cx="318351" cy="1363"/>
+            </a:xfrm>
+            <a:prstGeom prst="straightConnector1">
+              <a:avLst/>
+            </a:prstGeom>
+            <a:ln w="9525" cap="sq" cmpd="sng">
+              <a:solidFill>
+                <a:schemeClr val="tx1"/>
+              </a:solidFill>
+              <a:miter lim="800000"/>
+              <a:headEnd w="lg" len="lg"/>
+              <a:tailEnd type="triangle"/>
+            </a:ln>
+          </p:spPr>
+          <p:style>
+            <a:lnRef idx="3">
+              <a:schemeClr val="accent3"/>
+            </a:lnRef>
+            <a:fillRef idx="0">
+              <a:schemeClr val="accent3"/>
+            </a:fillRef>
+            <a:effectRef idx="2">
+              <a:schemeClr val="accent3"/>
+            </a:effectRef>
+            <a:fontRef idx="minor">
+              <a:schemeClr val="tx1"/>
+            </a:fontRef>
+          </p:style>
+        </p:cxnSp>
+      </p:grpSp>
+      <p:cxnSp>
+        <p:nvCxnSpPr>
+          <p:cNvPr id="281" name="Connector: Elbow 280">
+            <a:extLst>
+              <a:ext uri="{FF2B5EF4-FFF2-40B4-BE49-F238E27FC236}">
+                <a16:creationId xmlns:a16="http://schemas.microsoft.com/office/drawing/2014/main" id="{47A6F232-B9F3-D636-8245-20059E928D87}"/>
+              </a:ext>
+            </a:extLst>
+          </p:cNvPr>
+          <p:cNvCxnSpPr>
+            <a:cxnSpLocks/>
+            <a:stCxn id="291" idx="3"/>
+            <a:endCxn id="140" idx="1"/>
+          </p:cNvCxnSpPr>
+          <p:nvPr/>
+        </p:nvCxnSpPr>
+        <p:spPr>
+          <a:xfrm flipV="1">
+            <a:off x="4056153" y="3747007"/>
+            <a:ext cx="156293" cy="204142"/>
+          </a:xfrm>
+          <a:prstGeom prst="bentConnector3">
+            <a:avLst>
+              <a:gd name="adj1" fmla="val 50000"/>
+            </a:avLst>
+          </a:prstGeom>
+          <a:ln w="9525" cap="sq" cmpd="sng">
+            <a:solidFill>
+              <a:schemeClr val="tx1"/>
+            </a:solidFill>
+            <a:miter lim="800000"/>
+            <a:headEnd w="lg" len="lg"/>
+            <a:tailEnd type="triangle"/>
+          </a:ln>
+        </p:spPr>
+        <p:style>
+          <a:lnRef idx="3">
+            <a:schemeClr val="accent3"/>
+          </a:lnRef>
+          <a:fillRef idx="0">
+            <a:schemeClr val="accent3"/>
+          </a:fillRef>
+          <a:effectRef idx="2">
+            <a:schemeClr val="accent3"/>
+          </a:effectRef>
+          <a:fontRef idx="minor">
+            <a:schemeClr val="tx1"/>
+          </a:fontRef>
+        </p:style>
+      </p:cxnSp>
+      <p:sp>
+        <p:nvSpPr>
+          <p:cNvPr id="291" name="Rectangle 290">
+            <a:extLst>
+              <a:ext uri="{FF2B5EF4-FFF2-40B4-BE49-F238E27FC236}">
+                <a16:creationId xmlns:a16="http://schemas.microsoft.com/office/drawing/2014/main" id="{9055E011-A76D-65F2-509F-F4FF80556B3A}"/>
+              </a:ext>
+            </a:extLst>
+          </p:cNvPr>
+          <p:cNvSpPr/>
+          <p:nvPr/>
+        </p:nvSpPr>
+        <p:spPr>
+          <a:xfrm>
+            <a:off x="3339030" y="3843427"/>
+            <a:ext cx="717123" cy="215444"/>
+          </a:xfrm>
+          <a:prstGeom prst="rect">
+            <a:avLst/>
+          </a:prstGeom>
+          <a:solidFill>
+            <a:schemeClr val="bg1"/>
+          </a:solidFill>
+          <a:ln w="9525">
+            <a:noFill/>
+          </a:ln>
+        </p:spPr>
+        <p:style>
+          <a:lnRef idx="3">
+            <a:schemeClr val="lt1"/>
+          </a:lnRef>
+          <a:fillRef idx="1">
+            <a:schemeClr val="accent5"/>
+          </a:fillRef>
+          <a:effectRef idx="1">
+            <a:schemeClr val="accent5"/>
+          </a:effectRef>
+          <a:fontRef idx="minor">
+            <a:schemeClr val="lt1"/>
+          </a:fontRef>
+        </p:style>
+        <p:txBody>
+          <a:bodyPr wrap="square" lIns="0" tIns="0" rIns="0" bIns="0" rtlCol="0" anchor="ctr">
+            <a:spAutoFit/>
+          </a:bodyPr>
+          <a:lstStyle/>
+          <a:p>
+            <a:pPr algn="ctr"/>
+            <a:r>
+              <a:rPr lang="en-US" sz="700" dirty="0">
+                <a:solidFill>
+                  <a:sysClr val="windowText" lastClr="000000"/>
+                </a:solidFill>
+                <a:latin typeface="Aptos" panose="020B0004020202020204" pitchFamily="34" charset="0"/>
+              </a:rPr>
+              <a:t>NLP</a:t>
+            </a:r>
+          </a:p>
+          <a:p>
+            <a:pPr algn="ctr"/>
+            <a:r>
+              <a:rPr lang="en-US" sz="700" dirty="0">
+                <a:solidFill>
+                  <a:sysClr val="windowText" lastClr="000000"/>
+                </a:solidFill>
+                <a:latin typeface="Aptos" panose="020B0004020202020204" pitchFamily="34" charset="0"/>
+              </a:rPr>
+              <a:t>Geolocation</a:t>
+            </a:r>
+          </a:p>
+        </p:txBody>
+      </p:sp>
+      <p:cxnSp>
+        <p:nvCxnSpPr>
+          <p:cNvPr id="296" name="Connector: Elbow 295">
+            <a:extLst>
+              <a:ext uri="{FF2B5EF4-FFF2-40B4-BE49-F238E27FC236}">
+                <a16:creationId xmlns:a16="http://schemas.microsoft.com/office/drawing/2014/main" id="{FC4FA769-B6E2-C83B-B47C-EF37DC988E37}"/>
+              </a:ext>
+            </a:extLst>
+          </p:cNvPr>
+          <p:cNvCxnSpPr>
+            <a:cxnSpLocks/>
+            <a:stCxn id="4" idx="3"/>
+            <a:endCxn id="291" idx="1"/>
+          </p:cNvCxnSpPr>
+          <p:nvPr/>
+        </p:nvCxnSpPr>
+        <p:spPr>
+          <a:xfrm>
+            <a:off x="3096031" y="3776234"/>
+            <a:ext cx="242999" cy="174915"/>
+          </a:xfrm>
+          <a:prstGeom prst="bentConnector3">
+            <a:avLst>
+              <a:gd name="adj1" fmla="val 50000"/>
+            </a:avLst>
+          </a:prstGeom>
+          <a:ln w="9525" cap="sq" cmpd="sng">
+            <a:solidFill>
+              <a:schemeClr val="tx1"/>
+            </a:solidFill>
+            <a:miter lim="800000"/>
+            <a:headEnd w="lg" len="lg"/>
+            <a:tailEnd type="none"/>
+          </a:ln>
+        </p:spPr>
+        <p:style>
+          <a:lnRef idx="3">
+            <a:schemeClr val="accent3"/>
+          </a:lnRef>
+          <a:fillRef idx="0">
+            <a:schemeClr val="accent3"/>
+          </a:fillRef>
+          <a:effectRef idx="2">
+            <a:schemeClr val="accent3"/>
+          </a:effectRef>
+          <a:fontRef idx="minor">
+            <a:schemeClr val="tx1"/>
+          </a:fontRef>
+        </p:style>
+      </p:cxnSp>
+      <p:cxnSp>
+        <p:nvCxnSpPr>
+          <p:cNvPr id="302" name="Connector: Elbow 301">
+            <a:extLst>
+              <a:ext uri="{FF2B5EF4-FFF2-40B4-BE49-F238E27FC236}">
+                <a16:creationId xmlns:a16="http://schemas.microsoft.com/office/drawing/2014/main" id="{5E65617D-A471-AF95-9F07-9407E1077C3E}"/>
+              </a:ext>
+            </a:extLst>
+          </p:cNvPr>
+          <p:cNvCxnSpPr>
+            <a:cxnSpLocks/>
+            <a:stCxn id="67" idx="1"/>
+            <a:endCxn id="291" idx="0"/>
+          </p:cNvCxnSpPr>
+          <p:nvPr/>
+        </p:nvCxnSpPr>
+        <p:spPr>
+          <a:xfrm rot="16200000" flipH="1">
+            <a:off x="3380174" y="3526009"/>
+            <a:ext cx="623676" cy="11159"/>
+          </a:xfrm>
+          <a:prstGeom prst="bentConnector3">
+            <a:avLst>
+              <a:gd name="adj1" fmla="val 50000"/>
+            </a:avLst>
+          </a:prstGeom>
+          <a:ln w="9525" cap="sq" cmpd="sng">
+            <a:solidFill>
+              <a:schemeClr val="accent6"/>
+            </a:solidFill>
+            <a:prstDash val="sysDash"/>
+            <a:miter lim="800000"/>
+            <a:headEnd w="lg" len="lg"/>
+            <a:tailEnd type="triangle"/>
+          </a:ln>
+        </p:spPr>
+        <p:style>
+          <a:lnRef idx="3">
+            <a:schemeClr val="accent3"/>
+          </a:lnRef>
+          <a:fillRef idx="0">
+            <a:schemeClr val="accent3"/>
+          </a:fillRef>
+          <a:effectRef idx="2">
+            <a:schemeClr val="accent3"/>
+          </a:effectRef>
+          <a:fontRef idx="minor">
+            <a:schemeClr val="tx1"/>
+          </a:fontRef>
+        </p:style>
+      </p:cxnSp>
+      <p:sp>
+        <p:nvSpPr>
+          <p:cNvPr id="322" name="Rectangle 321">
+            <a:extLst>
+              <a:ext uri="{FF2B5EF4-FFF2-40B4-BE49-F238E27FC236}">
+                <a16:creationId xmlns:a16="http://schemas.microsoft.com/office/drawing/2014/main" id="{1E66C8DE-45FA-B667-4572-06B1AEDD6611}"/>
+              </a:ext>
+            </a:extLst>
+          </p:cNvPr>
+          <p:cNvSpPr/>
+          <p:nvPr/>
+        </p:nvSpPr>
+        <p:spPr>
+          <a:xfrm>
+            <a:off x="5580253" y="2777282"/>
+            <a:ext cx="448324" cy="215444"/>
+          </a:xfrm>
+          <a:prstGeom prst="rect">
+            <a:avLst/>
+          </a:prstGeom>
+          <a:solidFill>
+            <a:schemeClr val="bg1"/>
+          </a:solidFill>
+          <a:ln w="9525">
+            <a:noFill/>
+          </a:ln>
+        </p:spPr>
+        <p:style>
+          <a:lnRef idx="3">
+            <a:schemeClr val="lt1"/>
+          </a:lnRef>
+          <a:fillRef idx="1">
+            <a:schemeClr val="accent5"/>
+          </a:fillRef>
+          <a:effectRef idx="1">
+            <a:schemeClr val="accent5"/>
+          </a:effectRef>
+          <a:fontRef idx="minor">
+            <a:schemeClr val="lt1"/>
+          </a:fontRef>
+        </p:style>
+        <p:txBody>
+          <a:bodyPr wrap="square" lIns="0" tIns="0" rIns="0" bIns="0" rtlCol="0" anchor="ctr">
+            <a:spAutoFit/>
+          </a:bodyPr>
+          <a:lstStyle/>
+          <a:p>
+            <a:pPr algn="ctr"/>
+            <a:r>
+              <a:rPr lang="en-US" sz="700" dirty="0">
+                <a:solidFill>
+                  <a:sysClr val="windowText" lastClr="000000"/>
+                </a:solidFill>
+                <a:latin typeface="Aptos" panose="020B0004020202020204" pitchFamily="34" charset="0"/>
+              </a:rPr>
+              <a:t>NLP</a:t>
+            </a:r>
+          </a:p>
+          <a:p>
+            <a:pPr algn="ctr"/>
+            <a:r>
+              <a:rPr lang="en-US" sz="700" dirty="0">
+                <a:solidFill>
+                  <a:sysClr val="windowText" lastClr="000000"/>
+                </a:solidFill>
+                <a:latin typeface="Aptos" panose="020B0004020202020204" pitchFamily="34" charset="0"/>
+              </a:rPr>
+              <a:t>Validation</a:t>
+            </a:r>
+          </a:p>
+        </p:txBody>
+      </p:sp>
+      <p:cxnSp>
+        <p:nvCxnSpPr>
+          <p:cNvPr id="323" name="Connector: Elbow 322">
+            <a:extLst>
+              <a:ext uri="{FF2B5EF4-FFF2-40B4-BE49-F238E27FC236}">
+                <a16:creationId xmlns:a16="http://schemas.microsoft.com/office/drawing/2014/main" id="{34102676-1083-7D68-BBFD-8A9518EAD4B4}"/>
+              </a:ext>
+            </a:extLst>
+          </p:cNvPr>
+          <p:cNvCxnSpPr>
+            <a:cxnSpLocks/>
+            <a:stCxn id="12" idx="3"/>
+            <a:endCxn id="322" idx="1"/>
+          </p:cNvCxnSpPr>
+          <p:nvPr/>
+        </p:nvCxnSpPr>
+        <p:spPr>
+          <a:xfrm>
+            <a:off x="4962479" y="1639005"/>
+            <a:ext cx="617774" cy="1245999"/>
+          </a:xfrm>
+          <a:prstGeom prst="bentConnector3">
+            <a:avLst>
+              <a:gd name="adj1" fmla="val 50000"/>
+            </a:avLst>
+          </a:prstGeom>
+          <a:ln w="9525" cap="sq" cmpd="sng">
+            <a:solidFill>
+              <a:schemeClr val="tx1"/>
+            </a:solidFill>
+            <a:miter lim="800000"/>
+            <a:headEnd w="lg" len="lg"/>
+            <a:tailEnd type="none"/>
+          </a:ln>
+        </p:spPr>
+        <p:style>
+          <a:lnRef idx="3">
+            <a:schemeClr val="accent3"/>
+          </a:lnRef>
+          <a:fillRef idx="0">
+            <a:schemeClr val="accent3"/>
+          </a:fillRef>
+          <a:effectRef idx="2">
+            <a:schemeClr val="accent3"/>
+          </a:effectRef>
+          <a:fontRef idx="minor">
+            <a:schemeClr val="tx1"/>
+          </a:fontRef>
+        </p:style>
+      </p:cxnSp>
+      <p:cxnSp>
+        <p:nvCxnSpPr>
+          <p:cNvPr id="326" name="Connector: Elbow 325">
+            <a:extLst>
+              <a:ext uri="{FF2B5EF4-FFF2-40B4-BE49-F238E27FC236}">
+                <a16:creationId xmlns:a16="http://schemas.microsoft.com/office/drawing/2014/main" id="{56B4BBA6-8DEC-7327-D682-029AEDC37F25}"/>
+              </a:ext>
+            </a:extLst>
+          </p:cNvPr>
+          <p:cNvCxnSpPr>
+            <a:cxnSpLocks/>
+            <a:stCxn id="322" idx="2"/>
+            <a:endCxn id="145" idx="1"/>
+          </p:cNvCxnSpPr>
+          <p:nvPr/>
+        </p:nvCxnSpPr>
+        <p:spPr>
+          <a:xfrm rot="16200000" flipH="1">
+            <a:off x="5737263" y="3059877"/>
+            <a:ext cx="537611" cy="403307"/>
+          </a:xfrm>
+          <a:prstGeom prst="bentConnector2">
+            <a:avLst/>
+          </a:prstGeom>
+          <a:ln w="9525" cap="sq" cmpd="sng">
+            <a:solidFill>
+              <a:schemeClr val="tx1"/>
+            </a:solidFill>
+            <a:miter lim="800000"/>
+            <a:headEnd w="lg" len="lg"/>
+            <a:tailEnd type="triangle"/>
+          </a:ln>
+        </p:spPr>
+        <p:style>
+          <a:lnRef idx="3">
+            <a:schemeClr val="accent3"/>
+          </a:lnRef>
+          <a:fillRef idx="0">
+            <a:schemeClr val="accent3"/>
+          </a:fillRef>
+          <a:effectRef idx="2">
+            <a:schemeClr val="accent3"/>
+          </a:effectRef>
+          <a:fontRef idx="minor">
+            <a:schemeClr val="tx1"/>
+          </a:fontRef>
+        </p:style>
+      </p:cxnSp>
+      <p:cxnSp>
+        <p:nvCxnSpPr>
+          <p:cNvPr id="329" name="Connector: Elbow 328">
+            <a:extLst>
+              <a:ext uri="{FF2B5EF4-FFF2-40B4-BE49-F238E27FC236}">
+                <a16:creationId xmlns:a16="http://schemas.microsoft.com/office/drawing/2014/main" id="{9C171EE1-96F0-F976-A3FE-2F986549EA57}"/>
+              </a:ext>
+            </a:extLst>
+          </p:cNvPr>
+          <p:cNvCxnSpPr>
+            <a:cxnSpLocks/>
+            <a:stCxn id="340" idx="3"/>
+            <a:endCxn id="147" idx="1"/>
+          </p:cNvCxnSpPr>
+          <p:nvPr/>
+        </p:nvCxnSpPr>
+        <p:spPr>
+          <a:xfrm>
+            <a:off x="5892434" y="4014954"/>
+            <a:ext cx="310357" cy="335701"/>
+          </a:xfrm>
+          <a:prstGeom prst="bentConnector3">
+            <a:avLst>
+              <a:gd name="adj1" fmla="val 50000"/>
+            </a:avLst>
+          </a:prstGeom>
+          <a:ln w="9525" cap="sq" cmpd="sng">
+            <a:solidFill>
+              <a:schemeClr val="tx1"/>
+            </a:solidFill>
+            <a:miter lim="800000"/>
+            <a:headEnd w="lg" len="lg"/>
+            <a:tailEnd type="triangle"/>
+          </a:ln>
+        </p:spPr>
+        <p:style>
+          <a:lnRef idx="3">
+            <a:schemeClr val="accent3"/>
+          </a:lnRef>
+          <a:fillRef idx="0">
+            <a:schemeClr val="accent3"/>
+          </a:fillRef>
+          <a:effectRef idx="2">
+            <a:schemeClr val="accent3"/>
+          </a:effectRef>
+          <a:fontRef idx="minor">
+            <a:schemeClr val="tx1"/>
+          </a:fontRef>
+        </p:style>
+      </p:cxnSp>
+      <p:sp>
+        <p:nvSpPr>
+          <p:cNvPr id="340" name="Rectangle 339">
+            <a:extLst>
+              <a:ext uri="{FF2B5EF4-FFF2-40B4-BE49-F238E27FC236}">
+                <a16:creationId xmlns:a16="http://schemas.microsoft.com/office/drawing/2014/main" id="{B2B9AE50-DA26-A279-2092-9E73C9C580B5}"/>
+              </a:ext>
+            </a:extLst>
+          </p:cNvPr>
+          <p:cNvSpPr/>
+          <p:nvPr/>
+        </p:nvSpPr>
+        <p:spPr>
+          <a:xfrm>
+            <a:off x="5444110" y="3907232"/>
+            <a:ext cx="448324" cy="215444"/>
+          </a:xfrm>
+          <a:prstGeom prst="rect">
+            <a:avLst/>
+          </a:prstGeom>
+          <a:solidFill>
+            <a:schemeClr val="bg1"/>
+          </a:solidFill>
+          <a:ln w="9525">
+            <a:noFill/>
+          </a:ln>
+        </p:spPr>
+        <p:style>
+          <a:lnRef idx="3">
+            <a:schemeClr val="lt1"/>
+          </a:lnRef>
+          <a:fillRef idx="1">
+            <a:schemeClr val="accent5"/>
+          </a:fillRef>
+          <a:effectRef idx="1">
+            <a:schemeClr val="accent5"/>
+          </a:effectRef>
+          <a:fontRef idx="minor">
+            <a:schemeClr val="lt1"/>
+          </a:fontRef>
+        </p:style>
+        <p:txBody>
+          <a:bodyPr wrap="square" lIns="0" tIns="0" rIns="0" bIns="0" rtlCol="0" anchor="ctr">
+            <a:spAutoFit/>
+          </a:bodyPr>
+          <a:lstStyle/>
+          <a:p>
+            <a:pPr algn="ctr"/>
+            <a:r>
+              <a:rPr lang="en-US" sz="700" dirty="0">
+                <a:solidFill>
+                  <a:sysClr val="windowText" lastClr="000000"/>
+                </a:solidFill>
+                <a:latin typeface="Aptos" panose="020B0004020202020204" pitchFamily="34" charset="0"/>
+              </a:rPr>
+              <a:t>NLP</a:t>
+            </a:r>
+          </a:p>
+          <a:p>
+            <a:pPr algn="ctr"/>
+            <a:r>
+              <a:rPr lang="en-US" sz="700" dirty="0">
+                <a:solidFill>
+                  <a:sysClr val="windowText" lastClr="000000"/>
+                </a:solidFill>
+                <a:latin typeface="Aptos" panose="020B0004020202020204" pitchFamily="34" charset="0"/>
+              </a:rPr>
+              <a:t>Validation</a:t>
+            </a:r>
+          </a:p>
+        </p:txBody>
+      </p:sp>
+      <p:cxnSp>
+        <p:nvCxnSpPr>
+          <p:cNvPr id="349" name="Connector: Elbow 348">
+            <a:extLst>
+              <a:ext uri="{FF2B5EF4-FFF2-40B4-BE49-F238E27FC236}">
+                <a16:creationId xmlns:a16="http://schemas.microsoft.com/office/drawing/2014/main" id="{22563191-3CA4-D64D-89B6-33B3C8944BC3}"/>
+              </a:ext>
+            </a:extLst>
+          </p:cNvPr>
+          <p:cNvCxnSpPr>
+            <a:cxnSpLocks/>
+            <a:stCxn id="140" idx="3"/>
+            <a:endCxn id="340" idx="1"/>
+          </p:cNvCxnSpPr>
+          <p:nvPr/>
+        </p:nvCxnSpPr>
+        <p:spPr>
+          <a:xfrm>
+            <a:off x="4977053" y="3747007"/>
+            <a:ext cx="467057" cy="267947"/>
+          </a:xfrm>
+          <a:prstGeom prst="bentConnector3">
+            <a:avLst>
+              <a:gd name="adj1" fmla="val 50000"/>
+            </a:avLst>
+          </a:prstGeom>
+          <a:ln w="9525" cap="sq" cmpd="sng">
+            <a:solidFill>
+              <a:schemeClr val="tx1"/>
+            </a:solidFill>
+            <a:miter lim="800000"/>
+            <a:headEnd w="lg" len="lg"/>
+            <a:tailEnd type="none"/>
+          </a:ln>
+        </p:spPr>
+        <p:style>
+          <a:lnRef idx="3">
+            <a:schemeClr val="accent3"/>
+          </a:lnRef>
+          <a:fillRef idx="0">
+            <a:schemeClr val="accent3"/>
+          </a:fillRef>
+          <a:effectRef idx="2">
+            <a:schemeClr val="accent3"/>
+          </a:effectRef>
+          <a:fontRef idx="minor">
+            <a:schemeClr val="tx1"/>
+          </a:fontRef>
+        </p:style>
+      </p:cxnSp>
+      <p:cxnSp>
+        <p:nvCxnSpPr>
+          <p:cNvPr id="358" name="Connector: Elbow 357">
+            <a:extLst>
+              <a:ext uri="{FF2B5EF4-FFF2-40B4-BE49-F238E27FC236}">
+                <a16:creationId xmlns:a16="http://schemas.microsoft.com/office/drawing/2014/main" id="{07C17CD3-3B4E-9F53-A8BD-01956E45C80D}"/>
+              </a:ext>
+            </a:extLst>
+          </p:cNvPr>
+          <p:cNvCxnSpPr>
+            <a:cxnSpLocks/>
+            <a:stCxn id="118" idx="1"/>
+            <a:endCxn id="322" idx="0"/>
+          </p:cNvCxnSpPr>
+          <p:nvPr/>
+        </p:nvCxnSpPr>
+        <p:spPr>
+          <a:xfrm rot="16200000" flipH="1">
+            <a:off x="5586632" y="2559498"/>
+            <a:ext cx="391343" cy="44224"/>
+          </a:xfrm>
+          <a:prstGeom prst="bentConnector3">
+            <a:avLst>
+              <a:gd name="adj1" fmla="val 50000"/>
+            </a:avLst>
+          </a:prstGeom>
+          <a:ln w="9525" cap="sq" cmpd="sng">
+            <a:solidFill>
+              <a:schemeClr val="accent6"/>
+            </a:solidFill>
+            <a:prstDash val="sysDash"/>
+            <a:miter lim="800000"/>
+            <a:headEnd w="lg" len="lg"/>
+            <a:tailEnd type="triangle"/>
+          </a:ln>
+        </p:spPr>
+        <p:style>
+          <a:lnRef idx="3">
+            <a:schemeClr val="accent3"/>
+          </a:lnRef>
+          <a:fillRef idx="0">
+            <a:schemeClr val="accent3"/>
+          </a:fillRef>
+          <a:effectRef idx="2">
+            <a:schemeClr val="accent3"/>
+          </a:effectRef>
+          <a:fontRef idx="minor">
+            <a:schemeClr val="tx1"/>
+          </a:fontRef>
+        </p:style>
+      </p:cxnSp>
+      <p:cxnSp>
+        <p:nvCxnSpPr>
+          <p:cNvPr id="367" name="Connector: Elbow 366">
+            <a:extLst>
+              <a:ext uri="{FF2B5EF4-FFF2-40B4-BE49-F238E27FC236}">
+                <a16:creationId xmlns:a16="http://schemas.microsoft.com/office/drawing/2014/main" id="{FCC93BEA-288F-17D7-80A3-7C1D12727CA9}"/>
+              </a:ext>
+            </a:extLst>
+          </p:cNvPr>
+          <p:cNvCxnSpPr>
+            <a:cxnSpLocks/>
+            <a:stCxn id="118" idx="1"/>
+            <a:endCxn id="147" idx="1"/>
+          </p:cNvCxnSpPr>
+          <p:nvPr/>
+        </p:nvCxnSpPr>
+        <p:spPr>
+          <a:xfrm rot="16200000" flipH="1">
+            <a:off x="4999133" y="3146997"/>
+            <a:ext cx="1964716" cy="442600"/>
+          </a:xfrm>
+          <a:prstGeom prst="bentConnector2">
+            <a:avLst/>
+          </a:prstGeom>
+          <a:ln w="9525" cap="sq" cmpd="sng">
+            <a:solidFill>
+              <a:schemeClr val="accent6"/>
+            </a:solidFill>
+            <a:prstDash val="sysDash"/>
+            <a:miter lim="800000"/>
+            <a:headEnd w="lg" len="lg"/>
+            <a:tailEnd type="triangle"/>
+          </a:ln>
+        </p:spPr>
+        <p:style>
+          <a:lnRef idx="3">
+            <a:schemeClr val="accent3"/>
+          </a:lnRef>
+          <a:fillRef idx="0">
+            <a:schemeClr val="accent3"/>
+          </a:fillRef>
+          <a:effectRef idx="2">
+            <a:schemeClr val="accent3"/>
+          </a:effectRef>
+          <a:fontRef idx="minor">
+            <a:schemeClr val="tx1"/>
+          </a:fontRef>
+        </p:style>
+      </p:cxnSp>
+      <p:sp>
+        <p:nvSpPr>
+          <p:cNvPr id="377" name="Rectangle 376">
+            <a:extLst>
+              <a:ext uri="{FF2B5EF4-FFF2-40B4-BE49-F238E27FC236}">
+                <a16:creationId xmlns:a16="http://schemas.microsoft.com/office/drawing/2014/main" id="{B942A487-CB64-1BFA-0BBF-10FA2F72A904}"/>
+              </a:ext>
+            </a:extLst>
+          </p:cNvPr>
+          <p:cNvSpPr/>
+          <p:nvPr/>
+        </p:nvSpPr>
+        <p:spPr>
+          <a:xfrm>
+            <a:off x="7662066" y="4451810"/>
+            <a:ext cx="519373" cy="215444"/>
+          </a:xfrm>
+          <a:prstGeom prst="rect">
+            <a:avLst/>
+          </a:prstGeom>
+          <a:solidFill>
+            <a:schemeClr val="bg1"/>
+          </a:solidFill>
+          <a:ln w="9525">
+            <a:noFill/>
+          </a:ln>
+        </p:spPr>
+        <p:style>
+          <a:lnRef idx="3">
+            <a:schemeClr val="lt1"/>
+          </a:lnRef>
+          <a:fillRef idx="1">
+            <a:schemeClr val="accent5"/>
+          </a:fillRef>
+          <a:effectRef idx="1">
+            <a:schemeClr val="accent5"/>
+          </a:effectRef>
+          <a:fontRef idx="minor">
+            <a:schemeClr val="lt1"/>
+          </a:fontRef>
+        </p:style>
+        <p:txBody>
+          <a:bodyPr wrap="square" lIns="0" tIns="0" rIns="0" bIns="0" rtlCol="0" anchor="ctr">
+            <a:spAutoFit/>
+          </a:bodyPr>
+          <a:lstStyle/>
+          <a:p>
+            <a:pPr algn="ctr"/>
+            <a:r>
+              <a:rPr lang="en-US" sz="700" dirty="0">
+                <a:solidFill>
+                  <a:sysClr val="windowText" lastClr="000000"/>
+                </a:solidFill>
+                <a:latin typeface="Aptos" panose="020B0004020202020204" pitchFamily="34" charset="0"/>
+              </a:rPr>
+              <a:t>Tone &amp; topic classification</a:t>
+            </a:r>
+          </a:p>
+        </p:txBody>
+      </p:sp>
+      <p:cxnSp>
+        <p:nvCxnSpPr>
+          <p:cNvPr id="392" name="Connector: Elbow 391">
+            <a:extLst>
+              <a:ext uri="{FF2B5EF4-FFF2-40B4-BE49-F238E27FC236}">
+                <a16:creationId xmlns:a16="http://schemas.microsoft.com/office/drawing/2014/main" id="{25D888CB-5D6E-4CE1-70C0-3137E3D52742}"/>
+              </a:ext>
+            </a:extLst>
+          </p:cNvPr>
+          <p:cNvCxnSpPr>
+            <a:cxnSpLocks/>
+            <a:stCxn id="383" idx="3"/>
+            <a:endCxn id="150" idx="1"/>
+          </p:cNvCxnSpPr>
+          <p:nvPr/>
+        </p:nvCxnSpPr>
+        <p:spPr>
+          <a:xfrm>
+            <a:off x="8181635" y="3450127"/>
+            <a:ext cx="267345" cy="574045"/>
+          </a:xfrm>
+          <a:prstGeom prst="bentConnector3">
+            <a:avLst>
+              <a:gd name="adj1" fmla="val 50000"/>
+            </a:avLst>
+          </a:prstGeom>
+          <a:ln w="9525" cap="sq" cmpd="sng">
+            <a:solidFill>
+              <a:schemeClr val="accent2"/>
+            </a:solidFill>
+            <a:prstDash val="sysDash"/>
+            <a:miter lim="800000"/>
+            <a:headEnd w="lg" len="lg"/>
+            <a:tailEnd type="triangle"/>
+          </a:ln>
+        </p:spPr>
+        <p:style>
+          <a:lnRef idx="3">
+            <a:schemeClr val="accent3"/>
+          </a:lnRef>
+          <a:fillRef idx="0">
+            <a:schemeClr val="accent3"/>
+          </a:fillRef>
+          <a:effectRef idx="2">
+            <a:schemeClr val="accent3"/>
+          </a:effectRef>
+          <a:fontRef idx="minor">
+            <a:schemeClr val="tx1"/>
+          </a:fontRef>
+        </p:style>
+      </p:cxnSp>
+      <p:sp>
+        <p:nvSpPr>
+          <p:cNvPr id="397" name="Rectangle 396">
+            <a:extLst>
+              <a:ext uri="{FF2B5EF4-FFF2-40B4-BE49-F238E27FC236}">
+                <a16:creationId xmlns:a16="http://schemas.microsoft.com/office/drawing/2014/main" id="{5EE1DA49-6BFD-D1BF-3FF6-16931A7CED74}"/>
+              </a:ext>
+            </a:extLst>
+          </p:cNvPr>
+          <p:cNvSpPr/>
+          <p:nvPr/>
+        </p:nvSpPr>
+        <p:spPr>
+          <a:xfrm>
+            <a:off x="6413944" y="2060320"/>
+            <a:ext cx="315080" cy="215444"/>
+          </a:xfrm>
+          <a:prstGeom prst="rect">
+            <a:avLst/>
+          </a:prstGeom>
+          <a:solidFill>
+            <a:schemeClr val="bg1"/>
+          </a:solidFill>
+          <a:ln w="9525">
+            <a:noFill/>
+          </a:ln>
+        </p:spPr>
+        <p:style>
+          <a:lnRef idx="3">
+            <a:schemeClr val="lt1"/>
+          </a:lnRef>
+          <a:fillRef idx="1">
+            <a:schemeClr val="accent5"/>
+          </a:fillRef>
+          <a:effectRef idx="1">
+            <a:schemeClr val="accent5"/>
+          </a:effectRef>
+          <a:fontRef idx="minor">
+            <a:schemeClr val="lt1"/>
+          </a:fontRef>
+        </p:style>
+        <p:txBody>
+          <a:bodyPr wrap="square" lIns="0" tIns="0" rIns="0" bIns="0" rtlCol="0" anchor="ctr">
+            <a:spAutoFit/>
+          </a:bodyPr>
+          <a:lstStyle/>
+          <a:p>
+            <a:pPr algn="ctr"/>
+            <a:r>
+              <a:rPr lang="en-US" sz="700" dirty="0">
+                <a:solidFill>
+                  <a:sysClr val="windowText" lastClr="000000"/>
+                </a:solidFill>
+                <a:latin typeface="Aptos" panose="020B0004020202020204" pitchFamily="34" charset="0"/>
+              </a:rPr>
+              <a:t>Model training</a:t>
+            </a:r>
+          </a:p>
+        </p:txBody>
+      </p:sp>
+      <p:cxnSp>
+        <p:nvCxnSpPr>
+          <p:cNvPr id="399" name="Connector: Elbow 398">
+            <a:extLst>
+              <a:ext uri="{FF2B5EF4-FFF2-40B4-BE49-F238E27FC236}">
+                <a16:creationId xmlns:a16="http://schemas.microsoft.com/office/drawing/2014/main" id="{468528A6-47D4-7F8B-8EA6-B902B8AA32B0}"/>
+              </a:ext>
+            </a:extLst>
+          </p:cNvPr>
+          <p:cNvCxnSpPr>
+            <a:cxnSpLocks/>
+            <a:stCxn id="66" idx="2"/>
+            <a:endCxn id="397" idx="0"/>
+          </p:cNvCxnSpPr>
+          <p:nvPr/>
+        </p:nvCxnSpPr>
+        <p:spPr>
+          <a:xfrm rot="5400000">
+            <a:off x="6465717" y="1903045"/>
+            <a:ext cx="263042" cy="51508"/>
+          </a:xfrm>
+          <a:prstGeom prst="bentConnector3">
+            <a:avLst>
+              <a:gd name="adj1" fmla="val 50000"/>
+            </a:avLst>
+          </a:prstGeom>
+          <a:ln w="9525" cap="sq" cmpd="sng">
+            <a:solidFill>
+              <a:schemeClr val="tx1"/>
+            </a:solidFill>
+            <a:miter lim="800000"/>
+            <a:headEnd w="lg" len="lg"/>
+            <a:tailEnd type="none"/>
+          </a:ln>
+        </p:spPr>
+        <p:style>
+          <a:lnRef idx="3">
+            <a:schemeClr val="accent3"/>
+          </a:lnRef>
+          <a:fillRef idx="0">
+            <a:schemeClr val="accent3"/>
+          </a:fillRef>
+          <a:effectRef idx="2">
+            <a:schemeClr val="accent3"/>
+          </a:effectRef>
+          <a:fontRef idx="minor">
+            <a:schemeClr val="tx1"/>
+          </a:fontRef>
+        </p:style>
+      </p:cxnSp>
+      <p:cxnSp>
+        <p:nvCxnSpPr>
+          <p:cNvPr id="420" name="Connector: Elbow 419">
+            <a:extLst>
+              <a:ext uri="{FF2B5EF4-FFF2-40B4-BE49-F238E27FC236}">
+                <a16:creationId xmlns:a16="http://schemas.microsoft.com/office/drawing/2014/main" id="{1A324B87-583C-071C-44CF-4F732BDD5BF5}"/>
+              </a:ext>
+            </a:extLst>
+          </p:cNvPr>
+          <p:cNvCxnSpPr>
+            <a:cxnSpLocks/>
+            <a:stCxn id="718" idx="2"/>
+            <a:endCxn id="115" idx="3"/>
+          </p:cNvCxnSpPr>
+          <p:nvPr/>
+        </p:nvCxnSpPr>
+        <p:spPr>
+          <a:xfrm rot="5400000">
+            <a:off x="7726552" y="2243744"/>
+            <a:ext cx="296250" cy="86537"/>
+          </a:xfrm>
+          <a:prstGeom prst="bentConnector3">
+            <a:avLst>
+              <a:gd name="adj1" fmla="val 50000"/>
+            </a:avLst>
+          </a:prstGeom>
+          <a:ln w="9525" cap="sq" cmpd="sng">
+            <a:solidFill>
+              <a:schemeClr val="tx1"/>
+            </a:solidFill>
+            <a:miter lim="800000"/>
+            <a:headEnd w="lg" len="lg"/>
+            <a:tailEnd type="triangle"/>
+          </a:ln>
+        </p:spPr>
+        <p:style>
+          <a:lnRef idx="3">
+            <a:schemeClr val="accent3"/>
+          </a:lnRef>
+          <a:fillRef idx="0">
+            <a:schemeClr val="accent3"/>
+          </a:fillRef>
+          <a:effectRef idx="2">
+            <a:schemeClr val="accent3"/>
+          </a:effectRef>
+          <a:fontRef idx="minor">
+            <a:schemeClr val="tx1"/>
+          </a:fontRef>
+        </p:style>
+      </p:cxnSp>
+      <p:sp>
+        <p:nvSpPr>
+          <p:cNvPr id="118" name="Rectangle: Diagonal Corners Snipped 117">
+            <a:extLst>
+              <a:ext uri="{FF2B5EF4-FFF2-40B4-BE49-F238E27FC236}">
+                <a16:creationId xmlns:a16="http://schemas.microsoft.com/office/drawing/2014/main" id="{2A133F58-96BA-ECC3-3E2D-D8F02FEB32E2}"/>
+              </a:ext>
+            </a:extLst>
+          </p:cNvPr>
+          <p:cNvSpPr/>
+          <p:nvPr/>
+        </p:nvSpPr>
+        <p:spPr>
+          <a:xfrm>
+            <a:off x="5395247" y="2239671"/>
+            <a:ext cx="729887" cy="146268"/>
+          </a:xfrm>
+          <a:prstGeom prst="snip2DiagRect">
+            <a:avLst>
+              <a:gd name="adj1" fmla="val 0"/>
+              <a:gd name="adj2" fmla="val 26643"/>
+            </a:avLst>
+          </a:prstGeom>
+          <a:solidFill>
+            <a:schemeClr val="accent6"/>
+          </a:solidFill>
+          <a:ln w="9525">
+            <a:noFill/>
+          </a:ln>
+        </p:spPr>
+        <p:style>
+          <a:lnRef idx="3">
+            <a:schemeClr val="lt1"/>
+          </a:lnRef>
+          <a:fillRef idx="1">
+            <a:schemeClr val="accent5"/>
+          </a:fillRef>
+          <a:effectRef idx="1">
+            <a:schemeClr val="accent5"/>
+          </a:effectRef>
+          <a:fontRef idx="minor">
+            <a:schemeClr val="lt1"/>
+          </a:fontRef>
+        </p:style>
+        <p:txBody>
+          <a:bodyPr wrap="square" lIns="0" tIns="0" rIns="0" bIns="0" rtlCol="0" anchor="ctr">
+            <a:spAutoFit/>
+          </a:bodyPr>
+          <a:lstStyle/>
+          <a:p>
+            <a:pPr algn="ctr"/>
+            <a:r>
+              <a:rPr lang="en-US" sz="700" dirty="0">
+                <a:solidFill>
+                  <a:sysClr val="windowText" lastClr="000000"/>
+                </a:solidFill>
+                <a:latin typeface="Aptos" panose="020B0004020202020204" pitchFamily="34" charset="0"/>
+              </a:rPr>
+              <a:t>Validation model</a:t>
+            </a:r>
+          </a:p>
+        </p:txBody>
+      </p:sp>
+      <p:cxnSp>
+        <p:nvCxnSpPr>
+          <p:cNvPr id="437" name="Connector: Elbow 436">
+            <a:extLst>
+              <a:ext uri="{FF2B5EF4-FFF2-40B4-BE49-F238E27FC236}">
+                <a16:creationId xmlns:a16="http://schemas.microsoft.com/office/drawing/2014/main" id="{494585E7-5FBE-4837-D788-494B50FEBF80}"/>
+              </a:ext>
+            </a:extLst>
+          </p:cNvPr>
+          <p:cNvCxnSpPr>
+            <a:cxnSpLocks/>
+            <a:stCxn id="377" idx="3"/>
+            <a:endCxn id="160" idx="1"/>
+          </p:cNvCxnSpPr>
+          <p:nvPr/>
+        </p:nvCxnSpPr>
+        <p:spPr>
+          <a:xfrm flipV="1">
+            <a:off x="8181439" y="4342476"/>
+            <a:ext cx="270888" cy="217056"/>
+          </a:xfrm>
+          <a:prstGeom prst="bentConnector3">
+            <a:avLst>
+              <a:gd name="adj1" fmla="val 50000"/>
+            </a:avLst>
+          </a:prstGeom>
+          <a:ln w="9525" cap="sq" cmpd="sng">
+            <a:solidFill>
+              <a:schemeClr val="accent2"/>
+            </a:solidFill>
+            <a:prstDash val="sysDash"/>
+            <a:miter lim="800000"/>
+            <a:headEnd w="lg" len="lg"/>
+            <a:tailEnd type="triangle"/>
+          </a:ln>
+        </p:spPr>
+        <p:style>
+          <a:lnRef idx="3">
+            <a:schemeClr val="accent3"/>
+          </a:lnRef>
+          <a:fillRef idx="0">
+            <a:schemeClr val="accent3"/>
+          </a:fillRef>
+          <a:effectRef idx="2">
+            <a:schemeClr val="accent3"/>
+          </a:effectRef>
+          <a:fontRef idx="minor">
+            <a:schemeClr val="tx1"/>
+          </a:fontRef>
+        </p:style>
+      </p:cxnSp>
+      <p:cxnSp>
+        <p:nvCxnSpPr>
+          <p:cNvPr id="440" name="Connector: Elbow 439">
+            <a:extLst>
+              <a:ext uri="{FF2B5EF4-FFF2-40B4-BE49-F238E27FC236}">
+                <a16:creationId xmlns:a16="http://schemas.microsoft.com/office/drawing/2014/main" id="{BE76B5B5-51C0-1D73-160A-6FDDF96DBA22}"/>
+              </a:ext>
+            </a:extLst>
+          </p:cNvPr>
+          <p:cNvCxnSpPr>
+            <a:cxnSpLocks/>
+            <a:stCxn id="377" idx="3"/>
+            <a:endCxn id="173" idx="1"/>
+          </p:cNvCxnSpPr>
+          <p:nvPr/>
+        </p:nvCxnSpPr>
+        <p:spPr>
+          <a:xfrm>
+            <a:off x="8181439" y="4559532"/>
+            <a:ext cx="270888" cy="423922"/>
+          </a:xfrm>
+          <a:prstGeom prst="bentConnector3">
+            <a:avLst>
+              <a:gd name="adj1" fmla="val 50000"/>
+            </a:avLst>
+          </a:prstGeom>
+          <a:ln w="9525" cap="sq" cmpd="sng">
+            <a:solidFill>
+              <a:schemeClr val="accent2"/>
+            </a:solidFill>
+            <a:prstDash val="sysDash"/>
+            <a:miter lim="800000"/>
+            <a:headEnd w="lg" len="lg"/>
+            <a:tailEnd type="triangle"/>
+          </a:ln>
+        </p:spPr>
+        <p:style>
+          <a:lnRef idx="3">
+            <a:schemeClr val="accent3"/>
+          </a:lnRef>
+          <a:fillRef idx="0">
+            <a:schemeClr val="accent3"/>
+          </a:fillRef>
+          <a:effectRef idx="2">
+            <a:schemeClr val="accent3"/>
+          </a:effectRef>
+          <a:fontRef idx="minor">
+            <a:schemeClr val="tx1"/>
+          </a:fontRef>
+        </p:style>
+      </p:cxnSp>
+      <p:cxnSp>
+        <p:nvCxnSpPr>
+          <p:cNvPr id="444" name="Connector: Elbow 443">
+            <a:extLst>
+              <a:ext uri="{FF2B5EF4-FFF2-40B4-BE49-F238E27FC236}">
+                <a16:creationId xmlns:a16="http://schemas.microsoft.com/office/drawing/2014/main" id="{BA3A9163-9531-A31F-41EE-86CE82FA6A0C}"/>
+              </a:ext>
+            </a:extLst>
+          </p:cNvPr>
+          <p:cNvCxnSpPr>
+            <a:cxnSpLocks/>
+            <a:stCxn id="145" idx="3"/>
+            <a:endCxn id="377" idx="1"/>
+          </p:cNvCxnSpPr>
+          <p:nvPr/>
+        </p:nvCxnSpPr>
+        <p:spPr>
+          <a:xfrm>
+            <a:off x="7048072" y="3530337"/>
+            <a:ext cx="613994" cy="1029195"/>
+          </a:xfrm>
+          <a:prstGeom prst="bentConnector3">
+            <a:avLst>
+              <a:gd name="adj1" fmla="val 50000"/>
+            </a:avLst>
+          </a:prstGeom>
+          <a:ln w="9525" cap="sq" cmpd="sng">
+            <a:solidFill>
+              <a:schemeClr val="tx1"/>
+            </a:solidFill>
+            <a:miter lim="800000"/>
+            <a:headEnd w="lg" len="lg"/>
+            <a:tailEnd type="triangle"/>
+          </a:ln>
+        </p:spPr>
+        <p:style>
+          <a:lnRef idx="3">
+            <a:schemeClr val="accent3"/>
+          </a:lnRef>
+          <a:fillRef idx="0">
+            <a:schemeClr val="accent3"/>
+          </a:fillRef>
+          <a:effectRef idx="2">
+            <a:schemeClr val="accent3"/>
+          </a:effectRef>
+          <a:fontRef idx="minor">
+            <a:schemeClr val="tx1"/>
+          </a:fontRef>
+        </p:style>
+      </p:cxnSp>
+      <p:cxnSp>
+        <p:nvCxnSpPr>
+          <p:cNvPr id="452" name="Connector: Elbow 451">
+            <a:extLst>
+              <a:ext uri="{FF2B5EF4-FFF2-40B4-BE49-F238E27FC236}">
+                <a16:creationId xmlns:a16="http://schemas.microsoft.com/office/drawing/2014/main" id="{7E8752EF-9679-2FC5-3560-88A128A7A407}"/>
+              </a:ext>
+            </a:extLst>
+          </p:cNvPr>
+          <p:cNvCxnSpPr>
+            <a:cxnSpLocks/>
+            <a:stCxn id="119" idx="1"/>
+            <a:endCxn id="383" idx="0"/>
+          </p:cNvCxnSpPr>
+          <p:nvPr/>
+        </p:nvCxnSpPr>
+        <p:spPr>
+          <a:xfrm rot="5400000">
+            <a:off x="8054317" y="2749599"/>
+            <a:ext cx="460438" cy="725174"/>
+          </a:xfrm>
+          <a:prstGeom prst="bentConnector3">
+            <a:avLst>
+              <a:gd name="adj1" fmla="val 50000"/>
+            </a:avLst>
+          </a:prstGeom>
+          <a:ln w="9525" cap="sq" cmpd="sng">
+            <a:solidFill>
+              <a:schemeClr val="accent6"/>
+            </a:solidFill>
+            <a:prstDash val="sysDash"/>
+            <a:miter lim="800000"/>
+            <a:headEnd w="lg" len="lg"/>
+            <a:tailEnd type="none"/>
+          </a:ln>
+        </p:spPr>
+        <p:style>
+          <a:lnRef idx="3">
+            <a:schemeClr val="accent3"/>
+          </a:lnRef>
+          <a:fillRef idx="0">
+            <a:schemeClr val="accent3"/>
+          </a:fillRef>
+          <a:effectRef idx="2">
+            <a:schemeClr val="accent3"/>
+          </a:effectRef>
+          <a:fontRef idx="minor">
+            <a:schemeClr val="tx1"/>
+          </a:fontRef>
+        </p:style>
+      </p:cxnSp>
+      <p:sp>
+        <p:nvSpPr>
+          <p:cNvPr id="115" name="Rectangle: Diagonal Corners Snipped 114">
+            <a:extLst>
+              <a:ext uri="{FF2B5EF4-FFF2-40B4-BE49-F238E27FC236}">
+                <a16:creationId xmlns:a16="http://schemas.microsoft.com/office/drawing/2014/main" id="{D124230F-AE70-EEDC-3CA3-717626B022E7}"/>
+              </a:ext>
+            </a:extLst>
+          </p:cNvPr>
+          <p:cNvSpPr/>
+          <p:nvPr/>
+        </p:nvSpPr>
+        <p:spPr>
+          <a:xfrm>
+            <a:off x="7481377" y="2435137"/>
+            <a:ext cx="700061" cy="438805"/>
+          </a:xfrm>
+          <a:prstGeom prst="snip2DiagRect">
+            <a:avLst>
+              <a:gd name="adj1" fmla="val 0"/>
+              <a:gd name="adj2" fmla="val 26643"/>
+            </a:avLst>
+          </a:prstGeom>
+          <a:solidFill>
+            <a:schemeClr val="accent6"/>
+          </a:solidFill>
+          <a:ln w="9525">
+            <a:noFill/>
+          </a:ln>
+        </p:spPr>
+        <p:style>
+          <a:lnRef idx="3">
+            <a:schemeClr val="lt1"/>
+          </a:lnRef>
+          <a:fillRef idx="1">
+            <a:schemeClr val="accent5"/>
+          </a:fillRef>
+          <a:effectRef idx="1">
+            <a:schemeClr val="accent5"/>
+          </a:effectRef>
+          <a:fontRef idx="minor">
+            <a:schemeClr val="lt1"/>
+          </a:fontRef>
+        </p:style>
+        <p:txBody>
+          <a:bodyPr wrap="square" lIns="0" tIns="0" rIns="0" bIns="0" rtlCol="0" anchor="ctr">
+            <a:spAutoFit/>
+          </a:bodyPr>
+          <a:lstStyle/>
+          <a:p>
+            <a:pPr algn="ctr"/>
+            <a:r>
+              <a:rPr lang="en-US" sz="700" dirty="0">
+                <a:solidFill>
+                  <a:sysClr val="windowText" lastClr="000000"/>
+                </a:solidFill>
+                <a:latin typeface="Aptos" panose="020B0004020202020204" pitchFamily="34" charset="0"/>
+              </a:rPr>
+              <a:t>Tone classification model</a:t>
+            </a:r>
+          </a:p>
+        </p:txBody>
+      </p:sp>
+      <p:cxnSp>
+        <p:nvCxnSpPr>
+          <p:cNvPr id="455" name="Connector: Elbow 454">
+            <a:extLst>
+              <a:ext uri="{FF2B5EF4-FFF2-40B4-BE49-F238E27FC236}">
+                <a16:creationId xmlns:a16="http://schemas.microsoft.com/office/drawing/2014/main" id="{2D0D55A2-B402-68D9-1866-536A3344089F}"/>
+              </a:ext>
+            </a:extLst>
+          </p:cNvPr>
+          <p:cNvCxnSpPr>
+            <a:cxnSpLocks/>
+            <a:stCxn id="119" idx="1"/>
+            <a:endCxn id="377" idx="0"/>
+          </p:cNvCxnSpPr>
+          <p:nvPr/>
+        </p:nvCxnSpPr>
+        <p:spPr>
+          <a:xfrm rot="5400000">
+            <a:off x="7499517" y="3304203"/>
+            <a:ext cx="1569843" cy="725370"/>
+          </a:xfrm>
+          <a:prstGeom prst="bentConnector3">
+            <a:avLst>
+              <a:gd name="adj1" fmla="val 3402"/>
+            </a:avLst>
+          </a:prstGeom>
+          <a:ln w="9525" cap="sq" cmpd="sng">
+            <a:noFill/>
+            <a:prstDash val="sysDash"/>
+            <a:miter lim="800000"/>
+            <a:headEnd w="lg" len="lg"/>
+            <a:tailEnd type="triangle"/>
+          </a:ln>
+        </p:spPr>
+        <p:style>
+          <a:lnRef idx="3">
+            <a:schemeClr val="accent3"/>
+          </a:lnRef>
+          <a:fillRef idx="0">
+            <a:schemeClr val="accent3"/>
+          </a:fillRef>
+          <a:effectRef idx="2">
+            <a:schemeClr val="accent3"/>
+          </a:effectRef>
+          <a:fontRef idx="minor">
+            <a:schemeClr val="tx1"/>
+          </a:fontRef>
+        </p:style>
+      </p:cxnSp>
+      <p:sp>
+        <p:nvSpPr>
+          <p:cNvPr id="383" name="Rectangle 382">
+            <a:extLst>
+              <a:ext uri="{FF2B5EF4-FFF2-40B4-BE49-F238E27FC236}">
+                <a16:creationId xmlns:a16="http://schemas.microsoft.com/office/drawing/2014/main" id="{E783CCBD-2DA9-7ACD-D78A-3A5CE79FAC54}"/>
+              </a:ext>
+            </a:extLst>
+          </p:cNvPr>
+          <p:cNvSpPr/>
+          <p:nvPr/>
+        </p:nvSpPr>
+        <p:spPr>
+          <a:xfrm>
+            <a:off x="7662262" y="3342405"/>
+            <a:ext cx="519373" cy="215444"/>
+          </a:xfrm>
+          <a:prstGeom prst="rect">
+            <a:avLst/>
+          </a:prstGeom>
+          <a:solidFill>
+            <a:schemeClr val="bg1"/>
+          </a:solidFill>
+          <a:ln w="9525">
+            <a:noFill/>
+          </a:ln>
+        </p:spPr>
+        <p:style>
+          <a:lnRef idx="3">
+            <a:schemeClr val="lt1"/>
+          </a:lnRef>
+          <a:fillRef idx="1">
+            <a:schemeClr val="accent5"/>
+          </a:fillRef>
+          <a:effectRef idx="1">
+            <a:schemeClr val="accent5"/>
+          </a:effectRef>
+          <a:fontRef idx="minor">
+            <a:schemeClr val="lt1"/>
+          </a:fontRef>
+        </p:style>
+        <p:txBody>
+          <a:bodyPr wrap="square" lIns="0" tIns="0" rIns="0" bIns="0" rtlCol="0" anchor="ctr">
+            <a:spAutoFit/>
+          </a:bodyPr>
+          <a:lstStyle/>
+          <a:p>
+            <a:pPr algn="ctr"/>
+            <a:r>
+              <a:rPr lang="en-US" sz="700" dirty="0">
+                <a:solidFill>
+                  <a:sysClr val="windowText" lastClr="000000"/>
+                </a:solidFill>
+                <a:latin typeface="Aptos" panose="020B0004020202020204" pitchFamily="34" charset="0"/>
+              </a:rPr>
+              <a:t>Tone &amp; topic classification</a:t>
+            </a:r>
+          </a:p>
+        </p:txBody>
+      </p:sp>
+      <p:cxnSp>
+        <p:nvCxnSpPr>
+          <p:cNvPr id="615" name="Connector: Elbow 614">
+            <a:extLst>
+              <a:ext uri="{FF2B5EF4-FFF2-40B4-BE49-F238E27FC236}">
+                <a16:creationId xmlns:a16="http://schemas.microsoft.com/office/drawing/2014/main" id="{FDC7ED6F-917E-CC97-5C4A-E9629DA453A8}"/>
+              </a:ext>
+            </a:extLst>
+          </p:cNvPr>
+          <p:cNvCxnSpPr>
+            <a:cxnSpLocks/>
+            <a:stCxn id="115" idx="1"/>
+            <a:endCxn id="383" idx="0"/>
+          </p:cNvCxnSpPr>
+          <p:nvPr/>
+        </p:nvCxnSpPr>
+        <p:spPr>
+          <a:xfrm rot="16200000" flipH="1">
+            <a:off x="7642447" y="3062902"/>
+            <a:ext cx="468463" cy="90541"/>
+          </a:xfrm>
+          <a:prstGeom prst="bentConnector3">
+            <a:avLst>
+              <a:gd name="adj1" fmla="val 50000"/>
+            </a:avLst>
+          </a:prstGeom>
+          <a:ln w="9525" cap="sq" cmpd="sng">
+            <a:solidFill>
+              <a:schemeClr val="accent6"/>
+            </a:solidFill>
+            <a:prstDash val="sysDash"/>
+            <a:miter lim="800000"/>
+            <a:headEnd w="lg" len="lg"/>
+            <a:tailEnd type="none"/>
+          </a:ln>
+        </p:spPr>
+        <p:style>
+          <a:lnRef idx="3">
+            <a:schemeClr val="accent3"/>
+          </a:lnRef>
+          <a:fillRef idx="0">
+            <a:schemeClr val="accent3"/>
+          </a:fillRef>
+          <a:effectRef idx="2">
+            <a:schemeClr val="accent3"/>
+          </a:effectRef>
+          <a:fontRef idx="minor">
+            <a:schemeClr val="tx1"/>
+          </a:fontRef>
+        </p:style>
+      </p:cxnSp>
+      <p:cxnSp>
+        <p:nvCxnSpPr>
+          <p:cNvPr id="635" name="Straight Arrow Connector 634">
+            <a:extLst>
+              <a:ext uri="{FF2B5EF4-FFF2-40B4-BE49-F238E27FC236}">
+                <a16:creationId xmlns:a16="http://schemas.microsoft.com/office/drawing/2014/main" id="{6294CD8F-FDB8-C54C-EA2E-3C580F8768C7}"/>
+              </a:ext>
+            </a:extLst>
+          </p:cNvPr>
+          <p:cNvCxnSpPr>
+            <a:cxnSpLocks/>
+            <a:stCxn id="84" idx="3"/>
+            <a:endCxn id="66" idx="1"/>
+          </p:cNvCxnSpPr>
+          <p:nvPr/>
+        </p:nvCxnSpPr>
+        <p:spPr>
+          <a:xfrm>
+            <a:off x="5848827" y="1539567"/>
+            <a:ext cx="333637" cy="1"/>
+          </a:xfrm>
+          <a:prstGeom prst="straightConnector1">
+            <a:avLst/>
+          </a:prstGeom>
+          <a:ln w="9525" cap="sq" cmpd="sng">
+            <a:solidFill>
+              <a:schemeClr val="tx1"/>
+            </a:solidFill>
+            <a:miter lim="800000"/>
+            <a:headEnd w="lg" len="lg"/>
+            <a:tailEnd type="triangle"/>
+          </a:ln>
+        </p:spPr>
+        <p:style>
+          <a:lnRef idx="3">
+            <a:schemeClr val="accent3"/>
+          </a:lnRef>
+          <a:fillRef idx="0">
+            <a:schemeClr val="accent3"/>
+          </a:fillRef>
+          <a:effectRef idx="2">
+            <a:schemeClr val="accent3"/>
+          </a:effectRef>
+          <a:fontRef idx="minor">
+            <a:schemeClr val="tx1"/>
+          </a:fontRef>
+        </p:style>
+      </p:cxnSp>
+      <p:cxnSp>
+        <p:nvCxnSpPr>
+          <p:cNvPr id="671" name="Connector: Elbow 670">
+            <a:extLst>
+              <a:ext uri="{FF2B5EF4-FFF2-40B4-BE49-F238E27FC236}">
+                <a16:creationId xmlns:a16="http://schemas.microsoft.com/office/drawing/2014/main" id="{7784DF39-CF3C-5357-01E9-03758398E767}"/>
+              </a:ext>
+            </a:extLst>
+          </p:cNvPr>
+          <p:cNvCxnSpPr>
+            <a:cxnSpLocks/>
+            <a:stCxn id="2" idx="3"/>
+            <a:endCxn id="3" idx="1"/>
+          </p:cNvCxnSpPr>
+          <p:nvPr/>
+        </p:nvCxnSpPr>
+        <p:spPr>
+          <a:xfrm flipV="1">
+            <a:off x="2032069" y="2058257"/>
+            <a:ext cx="308308" cy="987338"/>
+          </a:xfrm>
+          <a:prstGeom prst="bentConnector3">
+            <a:avLst>
+              <a:gd name="adj1" fmla="val 50000"/>
+            </a:avLst>
+          </a:prstGeom>
+          <a:ln w="9525" cap="sq" cmpd="sng">
+            <a:solidFill>
+              <a:schemeClr val="tx1"/>
+            </a:solidFill>
+            <a:miter lim="800000"/>
+            <a:headEnd w="lg" len="lg"/>
+            <a:tailEnd type="triangle"/>
+          </a:ln>
+        </p:spPr>
+        <p:style>
+          <a:lnRef idx="3">
+            <a:schemeClr val="accent3"/>
+          </a:lnRef>
+          <a:fillRef idx="0">
+            <a:schemeClr val="accent3"/>
+          </a:fillRef>
+          <a:effectRef idx="2">
+            <a:schemeClr val="accent3"/>
+          </a:effectRef>
+          <a:fontRef idx="minor">
+            <a:schemeClr val="tx1"/>
+          </a:fontRef>
+        </p:style>
+      </p:cxnSp>
+      <p:cxnSp>
+        <p:nvCxnSpPr>
+          <p:cNvPr id="674" name="Connector: Elbow 673">
+            <a:extLst>
+              <a:ext uri="{FF2B5EF4-FFF2-40B4-BE49-F238E27FC236}">
+                <a16:creationId xmlns:a16="http://schemas.microsoft.com/office/drawing/2014/main" id="{D784EBE1-7B44-3BF9-AD97-D611FC1F8ED0}"/>
+              </a:ext>
+            </a:extLst>
+          </p:cNvPr>
+          <p:cNvCxnSpPr>
+            <a:cxnSpLocks/>
+            <a:stCxn id="2" idx="3"/>
+            <a:endCxn id="4" idx="1"/>
+          </p:cNvCxnSpPr>
+          <p:nvPr/>
+        </p:nvCxnSpPr>
+        <p:spPr>
+          <a:xfrm>
+            <a:off x="2032069" y="3045595"/>
+            <a:ext cx="299355" cy="730639"/>
+          </a:xfrm>
+          <a:prstGeom prst="bentConnector3">
+            <a:avLst>
+              <a:gd name="adj1" fmla="val 50000"/>
+            </a:avLst>
+          </a:prstGeom>
+          <a:ln w="9525" cap="sq" cmpd="sng">
+            <a:solidFill>
+              <a:schemeClr val="tx1"/>
+            </a:solidFill>
+            <a:miter lim="800000"/>
+            <a:headEnd w="lg" len="lg"/>
+            <a:tailEnd type="triangle"/>
+          </a:ln>
+        </p:spPr>
+        <p:style>
+          <a:lnRef idx="3">
+            <a:schemeClr val="accent3"/>
+          </a:lnRef>
+          <a:fillRef idx="0">
+            <a:schemeClr val="accent3"/>
+          </a:fillRef>
+          <a:effectRef idx="2">
+            <a:schemeClr val="accent3"/>
+          </a:effectRef>
+          <a:fontRef idx="minor">
+            <a:schemeClr val="tx1"/>
+          </a:fontRef>
+        </p:style>
+      </p:cxnSp>
+      <p:cxnSp>
+        <p:nvCxnSpPr>
+          <p:cNvPr id="687" name="Connector: Elbow 686">
+            <a:extLst>
+              <a:ext uri="{FF2B5EF4-FFF2-40B4-BE49-F238E27FC236}">
+                <a16:creationId xmlns:a16="http://schemas.microsoft.com/office/drawing/2014/main" id="{031E9BEE-2002-A5B6-E456-F8D7917FC285}"/>
+              </a:ext>
+            </a:extLst>
+          </p:cNvPr>
+          <p:cNvCxnSpPr>
+            <a:cxnSpLocks/>
+            <a:stCxn id="119" idx="1"/>
+            <a:endCxn id="377" idx="0"/>
+          </p:cNvCxnSpPr>
+          <p:nvPr/>
+        </p:nvCxnSpPr>
+        <p:spPr>
+          <a:xfrm rot="5400000">
+            <a:off x="7499517" y="3304203"/>
+            <a:ext cx="1569843" cy="725370"/>
+          </a:xfrm>
+          <a:prstGeom prst="bentConnector3">
+            <a:avLst>
+              <a:gd name="adj1" fmla="val 50000"/>
+            </a:avLst>
+          </a:prstGeom>
+          <a:ln w="9525" cap="sq" cmpd="sng">
+            <a:solidFill>
+              <a:schemeClr val="accent6"/>
+            </a:solidFill>
+            <a:prstDash val="sysDash"/>
+            <a:miter lim="800000"/>
+            <a:headEnd w="lg" len="lg"/>
+            <a:tailEnd type="none"/>
+          </a:ln>
+        </p:spPr>
+        <p:style>
+          <a:lnRef idx="3">
+            <a:schemeClr val="accent3"/>
+          </a:lnRef>
+          <a:fillRef idx="0">
+            <a:schemeClr val="accent3"/>
+          </a:fillRef>
+          <a:effectRef idx="2">
+            <a:schemeClr val="accent3"/>
+          </a:effectRef>
+          <a:fontRef idx="minor">
+            <a:schemeClr val="tx1"/>
+          </a:fontRef>
+        </p:style>
+      </p:cxnSp>
+      <p:sp>
+        <p:nvSpPr>
+          <p:cNvPr id="718" name="Rectangle 717">
+            <a:extLst>
+              <a:ext uri="{FF2B5EF4-FFF2-40B4-BE49-F238E27FC236}">
+                <a16:creationId xmlns:a16="http://schemas.microsoft.com/office/drawing/2014/main" id="{74C5F036-A99A-A2C0-AF7A-BC19844205E1}"/>
+              </a:ext>
+            </a:extLst>
+          </p:cNvPr>
+          <p:cNvSpPr/>
+          <p:nvPr/>
+        </p:nvSpPr>
+        <p:spPr>
+          <a:xfrm>
+            <a:off x="7760405" y="1923443"/>
+            <a:ext cx="315080" cy="215444"/>
+          </a:xfrm>
+          <a:prstGeom prst="rect">
+            <a:avLst/>
+          </a:prstGeom>
+          <a:solidFill>
+            <a:schemeClr val="bg1"/>
+          </a:solidFill>
+          <a:ln w="9525">
+            <a:noFill/>
+          </a:ln>
+        </p:spPr>
+        <p:style>
+          <a:lnRef idx="3">
+            <a:schemeClr val="lt1"/>
+          </a:lnRef>
+          <a:fillRef idx="1">
+            <a:schemeClr val="accent5"/>
+          </a:fillRef>
+          <a:effectRef idx="1">
+            <a:schemeClr val="accent5"/>
+          </a:effectRef>
+          <a:fontRef idx="minor">
+            <a:schemeClr val="lt1"/>
+          </a:fontRef>
+        </p:style>
+        <p:txBody>
+          <a:bodyPr wrap="square" lIns="0" tIns="0" rIns="0" bIns="0" rtlCol="0" anchor="ctr">
+            <a:spAutoFit/>
+          </a:bodyPr>
+          <a:lstStyle/>
+          <a:p>
+            <a:pPr algn="ctr"/>
+            <a:r>
+              <a:rPr lang="en-US" sz="700" dirty="0">
+                <a:solidFill>
+                  <a:sysClr val="windowText" lastClr="000000"/>
+                </a:solidFill>
+                <a:latin typeface="Aptos" panose="020B0004020202020204" pitchFamily="34" charset="0"/>
+              </a:rPr>
+              <a:t>Model training</a:t>
+            </a:r>
+          </a:p>
+        </p:txBody>
+      </p:sp>
+      <p:cxnSp>
+        <p:nvCxnSpPr>
+          <p:cNvPr id="721" name="Connector: Elbow 720">
+            <a:extLst>
+              <a:ext uri="{FF2B5EF4-FFF2-40B4-BE49-F238E27FC236}">
+                <a16:creationId xmlns:a16="http://schemas.microsoft.com/office/drawing/2014/main" id="{42B6A1AF-32A1-D360-0E40-1AB18292D232}"/>
+              </a:ext>
+            </a:extLst>
+          </p:cNvPr>
+          <p:cNvCxnSpPr>
+            <a:cxnSpLocks/>
+            <a:stCxn id="66" idx="2"/>
+            <a:endCxn id="718" idx="0"/>
+          </p:cNvCxnSpPr>
+          <p:nvPr/>
+        </p:nvCxnSpPr>
+        <p:spPr>
+          <a:xfrm rot="16200000" flipH="1">
+            <a:off x="7207386" y="1212883"/>
+            <a:ext cx="126165" cy="1294953"/>
+          </a:xfrm>
+          <a:prstGeom prst="bentConnector3">
+            <a:avLst>
+              <a:gd name="adj1" fmla="val 50000"/>
+            </a:avLst>
+          </a:prstGeom>
+          <a:ln w="9525" cap="sq" cmpd="sng">
+            <a:solidFill>
+              <a:schemeClr val="tx1"/>
+            </a:solidFill>
+            <a:miter lim="800000"/>
+            <a:headEnd w="lg" len="lg"/>
+            <a:tailEnd type="none"/>
+          </a:ln>
+        </p:spPr>
+        <p:style>
+          <a:lnRef idx="3">
+            <a:schemeClr val="accent3"/>
+          </a:lnRef>
+          <a:fillRef idx="0">
+            <a:schemeClr val="accent3"/>
+          </a:fillRef>
+          <a:effectRef idx="2">
+            <a:schemeClr val="accent3"/>
+          </a:effectRef>
+          <a:fontRef idx="minor">
+            <a:schemeClr val="tx1"/>
+          </a:fontRef>
+        </p:style>
+      </p:cxnSp>
+    </p:spTree>
+    <p:extLst>
+      <p:ext uri="{BB962C8B-B14F-4D97-AF65-F5344CB8AC3E}">
+        <p14:creationId xmlns:p14="http://schemas.microsoft.com/office/powerpoint/2010/main" val="4032071312"/>
       </p:ext>
     </p:extLst>
   </p:cSld>
